--- a/report/씬 용.pptx
+++ b/report/씬 용.pptx
@@ -6,6 +6,7 @@
   </p:sldMasterIdLst>
   <p:sldIdLst>
     <p:sldId id="256" r:id="rId2"/>
+    <p:sldId id="257" r:id="rId3"/>
   </p:sldIdLst>
   <p:sldSz cx="12192000" cy="6858000"/>
   <p:notesSz cx="6858000" cy="9144000"/>
@@ -3380,305 +3381,6 @@
       </p:sp>
       <p:grpSp>
         <p:nvGrpSpPr>
-          <p:cNvPr id="13" name="그룹 12">
-            <a:extLst>
-              <a:ext uri="{FF2B5EF4-FFF2-40B4-BE49-F238E27FC236}">
-                <a16:creationId xmlns:a16="http://schemas.microsoft.com/office/drawing/2014/main" id="{6D1A1350-3274-4D9B-AD01-C63301844C8D}"/>
-              </a:ext>
-            </a:extLst>
-          </p:cNvPr>
-          <p:cNvGrpSpPr/>
-          <p:nvPr/>
-        </p:nvGrpSpPr>
-        <p:grpSpPr>
-          <a:xfrm>
-            <a:off x="7134042" y="3740730"/>
-            <a:ext cx="2951017" cy="554181"/>
-            <a:chOff x="2466110" y="955964"/>
-            <a:chExt cx="2951017" cy="554181"/>
-          </a:xfrm>
-        </p:grpSpPr>
-        <p:sp>
-          <p:nvSpPr>
-            <p:cNvPr id="7" name="직사각형 6">
-              <a:extLst>
-                <a:ext uri="{FF2B5EF4-FFF2-40B4-BE49-F238E27FC236}">
-                  <a16:creationId xmlns:a16="http://schemas.microsoft.com/office/drawing/2014/main" id="{323FC66F-E8DE-4087-9ACF-1085E60FFBD1}"/>
-                </a:ext>
-              </a:extLst>
-            </p:cNvPr>
-            <p:cNvSpPr/>
-            <p:nvPr/>
-          </p:nvSpPr>
-          <p:spPr>
-            <a:xfrm>
-              <a:off x="2466110" y="955964"/>
-              <a:ext cx="2951017" cy="554181"/>
-            </a:xfrm>
-            <a:prstGeom prst="rect">
-              <a:avLst/>
-            </a:prstGeom>
-          </p:spPr>
-          <p:style>
-            <a:lnRef idx="2">
-              <a:schemeClr val="accent3">
-                <a:shade val="50000"/>
-              </a:schemeClr>
-            </a:lnRef>
-            <a:fillRef idx="1">
-              <a:schemeClr val="accent3"/>
-            </a:fillRef>
-            <a:effectRef idx="0">
-              <a:schemeClr val="accent3"/>
-            </a:effectRef>
-            <a:fontRef idx="minor">
-              <a:schemeClr val="lt1"/>
-            </a:fontRef>
-          </p:style>
-          <p:txBody>
-            <a:bodyPr rtlCol="0" anchor="ctr"/>
-            <a:lstStyle/>
-            <a:p>
-              <a:r>
-                <a:rPr lang="ko-KR" altLang="en-US" dirty="0"/>
-                <a:t>퀴즈 목록</a:t>
-              </a:r>
-            </a:p>
-          </p:txBody>
-        </p:sp>
-        <p:sp>
-          <p:nvSpPr>
-            <p:cNvPr id="8" name="직사각형 7">
-              <a:extLst>
-                <a:ext uri="{FF2B5EF4-FFF2-40B4-BE49-F238E27FC236}">
-                  <a16:creationId xmlns:a16="http://schemas.microsoft.com/office/drawing/2014/main" id="{E6AF64B6-69BF-487D-8BAF-0CFBA2C7CBD9}"/>
-                </a:ext>
-              </a:extLst>
-            </p:cNvPr>
-            <p:cNvSpPr/>
-            <p:nvPr/>
-          </p:nvSpPr>
-          <p:spPr>
-            <a:xfrm>
-              <a:off x="4973781" y="1018309"/>
-              <a:ext cx="443346" cy="429490"/>
-            </a:xfrm>
-            <a:prstGeom prst="rect">
-              <a:avLst/>
-            </a:prstGeom>
-            <a:ln>
-              <a:noFill/>
-            </a:ln>
-          </p:spPr>
-          <p:style>
-            <a:lnRef idx="2">
-              <a:schemeClr val="accent3">
-                <a:shade val="50000"/>
-              </a:schemeClr>
-            </a:lnRef>
-            <a:fillRef idx="1">
-              <a:schemeClr val="accent3"/>
-            </a:fillRef>
-            <a:effectRef idx="0">
-              <a:schemeClr val="accent3"/>
-            </a:effectRef>
-            <a:fontRef idx="minor">
-              <a:schemeClr val="lt1"/>
-            </a:fontRef>
-          </p:style>
-          <p:txBody>
-            <a:bodyPr rtlCol="0" anchor="ctr"/>
-            <a:lstStyle/>
-            <a:p>
-              <a:pPr algn="ctr"/>
-              <a:r>
-                <a:rPr lang="en-US" altLang="ko-KR" dirty="0"/>
-                <a:t>+</a:t>
-              </a:r>
-              <a:endParaRPr lang="ko-KR" altLang="en-US" dirty="0"/>
-            </a:p>
-          </p:txBody>
-        </p:sp>
-      </p:grpSp>
-      <p:grpSp>
-        <p:nvGrpSpPr>
-          <p:cNvPr id="12" name="그룹 11">
-            <a:extLst>
-              <a:ext uri="{FF2B5EF4-FFF2-40B4-BE49-F238E27FC236}">
-                <a16:creationId xmlns:a16="http://schemas.microsoft.com/office/drawing/2014/main" id="{26EA8CB4-0F67-4101-9BDA-4758F651FC4B}"/>
-              </a:ext>
-            </a:extLst>
-          </p:cNvPr>
-          <p:cNvGrpSpPr/>
-          <p:nvPr/>
-        </p:nvGrpSpPr>
-        <p:grpSpPr>
-          <a:xfrm>
-            <a:off x="7134040" y="4572000"/>
-            <a:ext cx="2951019" cy="2286000"/>
-            <a:chOff x="8250380" y="3886200"/>
-            <a:chExt cx="2951019" cy="2286000"/>
-          </a:xfrm>
-        </p:grpSpPr>
-        <p:sp>
-          <p:nvSpPr>
-            <p:cNvPr id="9" name="직사각형 8">
-              <a:extLst>
-                <a:ext uri="{FF2B5EF4-FFF2-40B4-BE49-F238E27FC236}">
-                  <a16:creationId xmlns:a16="http://schemas.microsoft.com/office/drawing/2014/main" id="{E4BA640C-1D49-4565-A97E-C56D628B7E9E}"/>
-                </a:ext>
-              </a:extLst>
-            </p:cNvPr>
-            <p:cNvSpPr/>
-            <p:nvPr/>
-          </p:nvSpPr>
-          <p:spPr>
-            <a:xfrm>
-              <a:off x="8250382" y="3886200"/>
-              <a:ext cx="2951017" cy="762000"/>
-            </a:xfrm>
-            <a:prstGeom prst="rect">
-              <a:avLst/>
-            </a:prstGeom>
-          </p:spPr>
-          <p:style>
-            <a:lnRef idx="2">
-              <a:schemeClr val="accent1">
-                <a:shade val="50000"/>
-              </a:schemeClr>
-            </a:lnRef>
-            <a:fillRef idx="1">
-              <a:schemeClr val="accent1"/>
-            </a:fillRef>
-            <a:effectRef idx="0">
-              <a:schemeClr val="accent1"/>
-            </a:effectRef>
-            <a:fontRef idx="minor">
-              <a:schemeClr val="lt1"/>
-            </a:fontRef>
-          </p:style>
-          <p:txBody>
-            <a:bodyPr rtlCol="0" anchor="ctr"/>
-            <a:lstStyle/>
-            <a:p>
-              <a:r>
-                <a:rPr lang="ko-KR" altLang="en-US" dirty="0"/>
-                <a:t>퀴즈 </a:t>
-              </a:r>
-              <a:r>
-                <a:rPr lang="en-US" altLang="ko-KR" dirty="0"/>
-                <a:t>1</a:t>
-              </a:r>
-            </a:p>
-          </p:txBody>
-        </p:sp>
-        <p:sp>
-          <p:nvSpPr>
-            <p:cNvPr id="10" name="직사각형 9">
-              <a:extLst>
-                <a:ext uri="{FF2B5EF4-FFF2-40B4-BE49-F238E27FC236}">
-                  <a16:creationId xmlns:a16="http://schemas.microsoft.com/office/drawing/2014/main" id="{552B66B7-CB9E-403B-8184-79B1808E7B3E}"/>
-                </a:ext>
-              </a:extLst>
-            </p:cNvPr>
-            <p:cNvSpPr/>
-            <p:nvPr/>
-          </p:nvSpPr>
-          <p:spPr>
-            <a:xfrm>
-              <a:off x="8250381" y="4648200"/>
-              <a:ext cx="2951017" cy="762000"/>
-            </a:xfrm>
-            <a:prstGeom prst="rect">
-              <a:avLst/>
-            </a:prstGeom>
-          </p:spPr>
-          <p:style>
-            <a:lnRef idx="2">
-              <a:schemeClr val="accent1">
-                <a:shade val="50000"/>
-              </a:schemeClr>
-            </a:lnRef>
-            <a:fillRef idx="1">
-              <a:schemeClr val="accent1"/>
-            </a:fillRef>
-            <a:effectRef idx="0">
-              <a:schemeClr val="accent1"/>
-            </a:effectRef>
-            <a:fontRef idx="minor">
-              <a:schemeClr val="lt1"/>
-            </a:fontRef>
-          </p:style>
-          <p:txBody>
-            <a:bodyPr rtlCol="0" anchor="ctr"/>
-            <a:lstStyle/>
-            <a:p>
-              <a:r>
-                <a:rPr lang="ko-KR" altLang="en-US" dirty="0"/>
-                <a:t>퀴즈 </a:t>
-              </a:r>
-              <a:r>
-                <a:rPr lang="en-US" altLang="ko-KR" dirty="0"/>
-                <a:t>2</a:t>
-              </a:r>
-            </a:p>
-          </p:txBody>
-        </p:sp>
-        <p:sp>
-          <p:nvSpPr>
-            <p:cNvPr id="11" name="직사각형 10">
-              <a:extLst>
-                <a:ext uri="{FF2B5EF4-FFF2-40B4-BE49-F238E27FC236}">
-                  <a16:creationId xmlns:a16="http://schemas.microsoft.com/office/drawing/2014/main" id="{A7E799E8-9E24-4B50-A931-02EEA6B82147}"/>
-                </a:ext>
-              </a:extLst>
-            </p:cNvPr>
-            <p:cNvSpPr/>
-            <p:nvPr/>
-          </p:nvSpPr>
-          <p:spPr>
-            <a:xfrm>
-              <a:off x="8250380" y="5410200"/>
-              <a:ext cx="2951017" cy="762000"/>
-            </a:xfrm>
-            <a:prstGeom prst="rect">
-              <a:avLst/>
-            </a:prstGeom>
-          </p:spPr>
-          <p:style>
-            <a:lnRef idx="2">
-              <a:schemeClr val="accent1">
-                <a:shade val="50000"/>
-              </a:schemeClr>
-            </a:lnRef>
-            <a:fillRef idx="1">
-              <a:schemeClr val="accent1"/>
-            </a:fillRef>
-            <a:effectRef idx="0">
-              <a:schemeClr val="accent1"/>
-            </a:effectRef>
-            <a:fontRef idx="minor">
-              <a:schemeClr val="lt1"/>
-            </a:fontRef>
-          </p:style>
-          <p:txBody>
-            <a:bodyPr rtlCol="0" anchor="ctr"/>
-            <a:lstStyle/>
-            <a:p>
-              <a:r>
-                <a:rPr lang="ko-KR" altLang="en-US" dirty="0"/>
-                <a:t>퀴즈 </a:t>
-              </a:r>
-              <a:r>
-                <a:rPr lang="en-US" altLang="ko-KR" dirty="0"/>
-                <a:t>3</a:t>
-              </a:r>
-            </a:p>
-          </p:txBody>
-        </p:sp>
-      </p:grpSp>
-      <p:grpSp>
-        <p:nvGrpSpPr>
           <p:cNvPr id="19" name="그룹 18">
             <a:extLst>
               <a:ext uri="{FF2B5EF4-FFF2-40B4-BE49-F238E27FC236}">
@@ -3691,7 +3393,7 @@
         </p:nvGrpSpPr>
         <p:grpSpPr>
           <a:xfrm>
-            <a:off x="5855958" y="748790"/>
+            <a:off x="6889721" y="133995"/>
             <a:ext cx="1978169" cy="3684666"/>
             <a:chOff x="2960543" y="1283916"/>
             <a:chExt cx="1978169" cy="3684666"/>
@@ -3950,7 +3652,7 @@
         </p:nvSpPr>
         <p:spPr>
           <a:xfrm>
-            <a:off x="8114362" y="1253837"/>
+            <a:off x="9506776" y="4581881"/>
             <a:ext cx="2494312" cy="2175163"/>
           </a:xfrm>
           <a:prstGeom prst="rect">
@@ -4064,6 +3766,305 @@
       </p:sp>
       <p:grpSp>
         <p:nvGrpSpPr>
+          <p:cNvPr id="13" name="그룹 12">
+            <a:extLst>
+              <a:ext uri="{FF2B5EF4-FFF2-40B4-BE49-F238E27FC236}">
+                <a16:creationId xmlns:a16="http://schemas.microsoft.com/office/drawing/2014/main" id="{6D1A1350-3274-4D9B-AD01-C63301844C8D}"/>
+              </a:ext>
+            </a:extLst>
+          </p:cNvPr>
+          <p:cNvGrpSpPr/>
+          <p:nvPr/>
+        </p:nvGrpSpPr>
+        <p:grpSpPr>
+          <a:xfrm>
+            <a:off x="9074979" y="1349868"/>
+            <a:ext cx="2951017" cy="554181"/>
+            <a:chOff x="2466110" y="955964"/>
+            <a:chExt cx="2951017" cy="554181"/>
+          </a:xfrm>
+        </p:grpSpPr>
+        <p:sp>
+          <p:nvSpPr>
+            <p:cNvPr id="7" name="직사각형 6">
+              <a:extLst>
+                <a:ext uri="{FF2B5EF4-FFF2-40B4-BE49-F238E27FC236}">
+                  <a16:creationId xmlns:a16="http://schemas.microsoft.com/office/drawing/2014/main" id="{323FC66F-E8DE-4087-9ACF-1085E60FFBD1}"/>
+                </a:ext>
+              </a:extLst>
+            </p:cNvPr>
+            <p:cNvSpPr/>
+            <p:nvPr/>
+          </p:nvSpPr>
+          <p:spPr>
+            <a:xfrm>
+              <a:off x="2466110" y="955964"/>
+              <a:ext cx="2951017" cy="554181"/>
+            </a:xfrm>
+            <a:prstGeom prst="rect">
+              <a:avLst/>
+            </a:prstGeom>
+          </p:spPr>
+          <p:style>
+            <a:lnRef idx="2">
+              <a:schemeClr val="accent3">
+                <a:shade val="50000"/>
+              </a:schemeClr>
+            </a:lnRef>
+            <a:fillRef idx="1">
+              <a:schemeClr val="accent3"/>
+            </a:fillRef>
+            <a:effectRef idx="0">
+              <a:schemeClr val="accent3"/>
+            </a:effectRef>
+            <a:fontRef idx="minor">
+              <a:schemeClr val="lt1"/>
+            </a:fontRef>
+          </p:style>
+          <p:txBody>
+            <a:bodyPr rtlCol="0" anchor="ctr"/>
+            <a:lstStyle/>
+            <a:p>
+              <a:r>
+                <a:rPr lang="ko-KR" altLang="en-US" dirty="0"/>
+                <a:t>퀴즈 목록</a:t>
+              </a:r>
+            </a:p>
+          </p:txBody>
+        </p:sp>
+        <p:sp>
+          <p:nvSpPr>
+            <p:cNvPr id="8" name="직사각형 7">
+              <a:extLst>
+                <a:ext uri="{FF2B5EF4-FFF2-40B4-BE49-F238E27FC236}">
+                  <a16:creationId xmlns:a16="http://schemas.microsoft.com/office/drawing/2014/main" id="{E6AF64B6-69BF-487D-8BAF-0CFBA2C7CBD9}"/>
+                </a:ext>
+              </a:extLst>
+            </p:cNvPr>
+            <p:cNvSpPr/>
+            <p:nvPr/>
+          </p:nvSpPr>
+          <p:spPr>
+            <a:xfrm>
+              <a:off x="4973781" y="1018309"/>
+              <a:ext cx="443346" cy="429490"/>
+            </a:xfrm>
+            <a:prstGeom prst="rect">
+              <a:avLst/>
+            </a:prstGeom>
+            <a:ln>
+              <a:noFill/>
+            </a:ln>
+          </p:spPr>
+          <p:style>
+            <a:lnRef idx="2">
+              <a:schemeClr val="accent3">
+                <a:shade val="50000"/>
+              </a:schemeClr>
+            </a:lnRef>
+            <a:fillRef idx="1">
+              <a:schemeClr val="accent3"/>
+            </a:fillRef>
+            <a:effectRef idx="0">
+              <a:schemeClr val="accent3"/>
+            </a:effectRef>
+            <a:fontRef idx="minor">
+              <a:schemeClr val="lt1"/>
+            </a:fontRef>
+          </p:style>
+          <p:txBody>
+            <a:bodyPr rtlCol="0" anchor="ctr"/>
+            <a:lstStyle/>
+            <a:p>
+              <a:pPr algn="ctr"/>
+              <a:r>
+                <a:rPr lang="en-US" altLang="ko-KR" dirty="0"/>
+                <a:t>+</a:t>
+              </a:r>
+              <a:endParaRPr lang="ko-KR" altLang="en-US" dirty="0"/>
+            </a:p>
+          </p:txBody>
+        </p:sp>
+      </p:grpSp>
+      <p:grpSp>
+        <p:nvGrpSpPr>
+          <p:cNvPr id="12" name="그룹 11">
+            <a:extLst>
+              <a:ext uri="{FF2B5EF4-FFF2-40B4-BE49-F238E27FC236}">
+                <a16:creationId xmlns:a16="http://schemas.microsoft.com/office/drawing/2014/main" id="{26EA8CB4-0F67-4101-9BDA-4758F651FC4B}"/>
+              </a:ext>
+            </a:extLst>
+          </p:cNvPr>
+          <p:cNvGrpSpPr/>
+          <p:nvPr/>
+        </p:nvGrpSpPr>
+        <p:grpSpPr>
+          <a:xfrm>
+            <a:off x="9074977" y="2181138"/>
+            <a:ext cx="2951019" cy="2286000"/>
+            <a:chOff x="8250380" y="3886200"/>
+            <a:chExt cx="2951019" cy="2286000"/>
+          </a:xfrm>
+        </p:grpSpPr>
+        <p:sp>
+          <p:nvSpPr>
+            <p:cNvPr id="9" name="직사각형 8">
+              <a:extLst>
+                <a:ext uri="{FF2B5EF4-FFF2-40B4-BE49-F238E27FC236}">
+                  <a16:creationId xmlns:a16="http://schemas.microsoft.com/office/drawing/2014/main" id="{E4BA640C-1D49-4565-A97E-C56D628B7E9E}"/>
+                </a:ext>
+              </a:extLst>
+            </p:cNvPr>
+            <p:cNvSpPr/>
+            <p:nvPr/>
+          </p:nvSpPr>
+          <p:spPr>
+            <a:xfrm>
+              <a:off x="8250382" y="3886200"/>
+              <a:ext cx="2951017" cy="762000"/>
+            </a:xfrm>
+            <a:prstGeom prst="rect">
+              <a:avLst/>
+            </a:prstGeom>
+          </p:spPr>
+          <p:style>
+            <a:lnRef idx="2">
+              <a:schemeClr val="accent1">
+                <a:shade val="50000"/>
+              </a:schemeClr>
+            </a:lnRef>
+            <a:fillRef idx="1">
+              <a:schemeClr val="accent1"/>
+            </a:fillRef>
+            <a:effectRef idx="0">
+              <a:schemeClr val="accent1"/>
+            </a:effectRef>
+            <a:fontRef idx="minor">
+              <a:schemeClr val="lt1"/>
+            </a:fontRef>
+          </p:style>
+          <p:txBody>
+            <a:bodyPr rtlCol="0" anchor="ctr"/>
+            <a:lstStyle/>
+            <a:p>
+              <a:r>
+                <a:rPr lang="ko-KR" altLang="en-US" dirty="0"/>
+                <a:t>퀴즈 </a:t>
+              </a:r>
+              <a:r>
+                <a:rPr lang="en-US" altLang="ko-KR" dirty="0"/>
+                <a:t>1</a:t>
+              </a:r>
+            </a:p>
+          </p:txBody>
+        </p:sp>
+        <p:sp>
+          <p:nvSpPr>
+            <p:cNvPr id="10" name="직사각형 9">
+              <a:extLst>
+                <a:ext uri="{FF2B5EF4-FFF2-40B4-BE49-F238E27FC236}">
+                  <a16:creationId xmlns:a16="http://schemas.microsoft.com/office/drawing/2014/main" id="{552B66B7-CB9E-403B-8184-79B1808E7B3E}"/>
+                </a:ext>
+              </a:extLst>
+            </p:cNvPr>
+            <p:cNvSpPr/>
+            <p:nvPr/>
+          </p:nvSpPr>
+          <p:spPr>
+            <a:xfrm>
+              <a:off x="8250381" y="4648200"/>
+              <a:ext cx="2951017" cy="762000"/>
+            </a:xfrm>
+            <a:prstGeom prst="rect">
+              <a:avLst/>
+            </a:prstGeom>
+          </p:spPr>
+          <p:style>
+            <a:lnRef idx="2">
+              <a:schemeClr val="accent1">
+                <a:shade val="50000"/>
+              </a:schemeClr>
+            </a:lnRef>
+            <a:fillRef idx="1">
+              <a:schemeClr val="accent1"/>
+            </a:fillRef>
+            <a:effectRef idx="0">
+              <a:schemeClr val="accent1"/>
+            </a:effectRef>
+            <a:fontRef idx="minor">
+              <a:schemeClr val="lt1"/>
+            </a:fontRef>
+          </p:style>
+          <p:txBody>
+            <a:bodyPr rtlCol="0" anchor="ctr"/>
+            <a:lstStyle/>
+            <a:p>
+              <a:r>
+                <a:rPr lang="ko-KR" altLang="en-US" dirty="0"/>
+                <a:t>퀴즈 </a:t>
+              </a:r>
+              <a:r>
+                <a:rPr lang="en-US" altLang="ko-KR" dirty="0"/>
+                <a:t>2</a:t>
+              </a:r>
+            </a:p>
+          </p:txBody>
+        </p:sp>
+        <p:sp>
+          <p:nvSpPr>
+            <p:cNvPr id="11" name="직사각형 10">
+              <a:extLst>
+                <a:ext uri="{FF2B5EF4-FFF2-40B4-BE49-F238E27FC236}">
+                  <a16:creationId xmlns:a16="http://schemas.microsoft.com/office/drawing/2014/main" id="{A7E799E8-9E24-4B50-A931-02EEA6B82147}"/>
+                </a:ext>
+              </a:extLst>
+            </p:cNvPr>
+            <p:cNvSpPr/>
+            <p:nvPr/>
+          </p:nvSpPr>
+          <p:spPr>
+            <a:xfrm>
+              <a:off x="8250380" y="5410200"/>
+              <a:ext cx="2951017" cy="762000"/>
+            </a:xfrm>
+            <a:prstGeom prst="rect">
+              <a:avLst/>
+            </a:prstGeom>
+          </p:spPr>
+          <p:style>
+            <a:lnRef idx="2">
+              <a:schemeClr val="accent1">
+                <a:shade val="50000"/>
+              </a:schemeClr>
+            </a:lnRef>
+            <a:fillRef idx="1">
+              <a:schemeClr val="accent1"/>
+            </a:fillRef>
+            <a:effectRef idx="0">
+              <a:schemeClr val="accent1"/>
+            </a:effectRef>
+            <a:fontRef idx="minor">
+              <a:schemeClr val="lt1"/>
+            </a:fontRef>
+          </p:style>
+          <p:txBody>
+            <a:bodyPr rtlCol="0" anchor="ctr"/>
+            <a:lstStyle/>
+            <a:p>
+              <a:r>
+                <a:rPr lang="ko-KR" altLang="en-US" dirty="0"/>
+                <a:t>퀴즈 </a:t>
+              </a:r>
+              <a:r>
+                <a:rPr lang="en-US" altLang="ko-KR" dirty="0"/>
+                <a:t>3</a:t>
+              </a:r>
+            </a:p>
+          </p:txBody>
+        </p:sp>
+      </p:grpSp>
+      <p:grpSp>
+        <p:nvGrpSpPr>
           <p:cNvPr id="28" name="그룹 27">
             <a:extLst>
               <a:ext uri="{FF2B5EF4-FFF2-40B4-BE49-F238E27FC236}">
@@ -4076,7 +4077,7 @@
         </p:nvGrpSpPr>
         <p:grpSpPr>
           <a:xfrm>
-            <a:off x="9367524" y="4678811"/>
+            <a:off x="11308461" y="2287949"/>
             <a:ext cx="548378" cy="548378"/>
             <a:chOff x="4775792" y="1746844"/>
             <a:chExt cx="548378" cy="548378"/>
@@ -4188,7 +4189,7 @@
         </p:nvGrpSpPr>
         <p:grpSpPr>
           <a:xfrm>
-            <a:off x="9367524" y="5440811"/>
+            <a:off x="11308461" y="3049949"/>
             <a:ext cx="548378" cy="548378"/>
             <a:chOff x="4775792" y="1746844"/>
             <a:chExt cx="548378" cy="548378"/>
@@ -4300,7 +4301,7 @@
         </p:nvGrpSpPr>
         <p:grpSpPr>
           <a:xfrm>
-            <a:off x="9361518" y="6202811"/>
+            <a:off x="11302455" y="3811949"/>
             <a:ext cx="548378" cy="548378"/>
             <a:chOff x="4775792" y="1746844"/>
             <a:chExt cx="548378" cy="548378"/>
@@ -4412,7 +4413,7 @@
         </p:nvGrpSpPr>
         <p:grpSpPr>
           <a:xfrm>
-            <a:off x="5560141" y="950342"/>
+            <a:off x="4158392" y="131016"/>
             <a:ext cx="2544955" cy="3821251"/>
             <a:chOff x="1134254" y="1446074"/>
             <a:chExt cx="2544955" cy="3821251"/>
@@ -4809,7 +4810,7 @@
         </p:nvSpPr>
         <p:spPr>
           <a:xfrm>
-            <a:off x="1696442" y="119343"/>
+            <a:off x="1715747" y="461947"/>
             <a:ext cx="1420582" cy="369332"/>
           </a:xfrm>
           <a:prstGeom prst="rect">
@@ -4844,7 +4845,7 @@
         </p:nvGrpSpPr>
         <p:grpSpPr>
           <a:xfrm>
-            <a:off x="4620491" y="-586416"/>
+            <a:off x="9074978" y="131016"/>
             <a:ext cx="2951018" cy="1066568"/>
             <a:chOff x="931224" y="1823019"/>
             <a:chExt cx="2951018" cy="1066568"/>
@@ -5224,6 +5225,3568 @@
 </p:sld>
 </file>
 
+<file path=ppt/slides/slide2.xml><?xml version="1.0" encoding="utf-8"?>
+<p:sld xmlns:a="http://schemas.openxmlformats.org/drawingml/2006/main" xmlns:r="http://schemas.openxmlformats.org/officeDocument/2006/relationships" xmlns:p="http://schemas.openxmlformats.org/presentationml/2006/main">
+  <p:cSld>
+    <p:spTree>
+      <p:nvGrpSpPr>
+        <p:cNvPr id="1" name=""/>
+        <p:cNvGrpSpPr/>
+        <p:nvPr/>
+      </p:nvGrpSpPr>
+      <p:grpSpPr>
+        <a:xfrm>
+          <a:off x="0" y="0"/>
+          <a:ext cx="0" cy="0"/>
+          <a:chOff x="0" y="0"/>
+          <a:chExt cx="0" cy="0"/>
+        </a:xfrm>
+      </p:grpSpPr>
+      <p:grpSp>
+        <p:nvGrpSpPr>
+          <p:cNvPr id="182" name="그룹 181">
+            <a:extLst>
+              <a:ext uri="{FF2B5EF4-FFF2-40B4-BE49-F238E27FC236}">
+                <a16:creationId xmlns:a16="http://schemas.microsoft.com/office/drawing/2014/main" id="{0326FE31-AEA5-4AB6-BF5C-6C2F8E66AA89}"/>
+              </a:ext>
+            </a:extLst>
+          </p:cNvPr>
+          <p:cNvGrpSpPr/>
+          <p:nvPr/>
+        </p:nvGrpSpPr>
+        <p:grpSpPr>
+          <a:xfrm>
+            <a:off x="4745680" y="2037558"/>
+            <a:ext cx="2949462" cy="4655126"/>
+            <a:chOff x="985814" y="1109819"/>
+            <a:chExt cx="2949462" cy="4655126"/>
+          </a:xfrm>
+        </p:grpSpPr>
+        <p:grpSp>
+          <p:nvGrpSpPr>
+            <p:cNvPr id="183" name="그룹 182">
+              <a:extLst>
+                <a:ext uri="{FF2B5EF4-FFF2-40B4-BE49-F238E27FC236}">
+                  <a16:creationId xmlns:a16="http://schemas.microsoft.com/office/drawing/2014/main" id="{4D3704C8-6276-43C4-A17C-F2AAD4FA6536}"/>
+                </a:ext>
+              </a:extLst>
+            </p:cNvPr>
+            <p:cNvGrpSpPr/>
+            <p:nvPr/>
+          </p:nvGrpSpPr>
+          <p:grpSpPr>
+            <a:xfrm>
+              <a:off x="985814" y="1109819"/>
+              <a:ext cx="2949462" cy="4655126"/>
+              <a:chOff x="1006537" y="1471749"/>
+              <a:chExt cx="2949462" cy="4294621"/>
+            </a:xfrm>
+          </p:grpSpPr>
+          <p:sp>
+            <p:nvSpPr>
+              <p:cNvPr id="185" name="직사각형 184">
+                <a:extLst>
+                  <a:ext uri="{FF2B5EF4-FFF2-40B4-BE49-F238E27FC236}">
+                    <a16:creationId xmlns:a16="http://schemas.microsoft.com/office/drawing/2014/main" id="{F85514B7-F2B4-48A9-A10A-F5A1083B0D72}"/>
+                  </a:ext>
+                </a:extLst>
+              </p:cNvPr>
+              <p:cNvSpPr/>
+              <p:nvPr/>
+            </p:nvSpPr>
+            <p:spPr>
+              <a:xfrm>
+                <a:off x="1006537" y="1471749"/>
+                <a:ext cx="2949462" cy="4294621"/>
+              </a:xfrm>
+              <a:prstGeom prst="rect">
+                <a:avLst/>
+              </a:prstGeom>
+              <a:solidFill>
+                <a:schemeClr val="bg1">
+                  <a:lumMod val="95000"/>
+                </a:schemeClr>
+              </a:solidFill>
+              <a:ln>
+                <a:noFill/>
+              </a:ln>
+            </p:spPr>
+            <p:style>
+              <a:lnRef idx="1">
+                <a:schemeClr val="accent3"/>
+              </a:lnRef>
+              <a:fillRef idx="2">
+                <a:schemeClr val="accent3"/>
+              </a:fillRef>
+              <a:effectRef idx="1">
+                <a:schemeClr val="accent3"/>
+              </a:effectRef>
+              <a:fontRef idx="minor">
+                <a:schemeClr val="dk1"/>
+              </a:fontRef>
+            </p:style>
+            <p:txBody>
+              <a:bodyPr rtlCol="0" anchor="ctr" anchorCtr="0"/>
+              <a:lstStyle/>
+              <a:p>
+                <a:pPr algn="ctr"/>
+                <a:r>
+                  <a:rPr lang="ko-KR" altLang="en-US" dirty="0"/>
+                  <a:t>주관식 창</a:t>
+                </a:r>
+                <a:endParaRPr lang="en-US" altLang="ko-KR" dirty="0"/>
+              </a:p>
+            </p:txBody>
+          </p:sp>
+          <p:sp>
+            <p:nvSpPr>
+              <p:cNvPr id="186" name="타원 185">
+                <a:extLst>
+                  <a:ext uri="{FF2B5EF4-FFF2-40B4-BE49-F238E27FC236}">
+                    <a16:creationId xmlns:a16="http://schemas.microsoft.com/office/drawing/2014/main" id="{F6025C50-6854-458F-B457-7486B5A858CA}"/>
+                  </a:ext>
+                </a:extLst>
+              </p:cNvPr>
+              <p:cNvSpPr/>
+              <p:nvPr/>
+            </p:nvSpPr>
+            <p:spPr>
+              <a:xfrm>
+                <a:off x="1145997" y="1883015"/>
+                <a:ext cx="635412" cy="467252"/>
+              </a:xfrm>
+              <a:prstGeom prst="ellipse">
+                <a:avLst/>
+              </a:prstGeom>
+            </p:spPr>
+            <p:style>
+              <a:lnRef idx="2">
+                <a:schemeClr val="accent1">
+                  <a:shade val="50000"/>
+                </a:schemeClr>
+              </a:lnRef>
+              <a:fillRef idx="1">
+                <a:schemeClr val="accent1"/>
+              </a:fillRef>
+              <a:effectRef idx="0">
+                <a:schemeClr val="accent1"/>
+              </a:effectRef>
+              <a:fontRef idx="minor">
+                <a:schemeClr val="lt1"/>
+              </a:fontRef>
+            </p:style>
+            <p:txBody>
+              <a:bodyPr rtlCol="0" anchor="ctr"/>
+              <a:lstStyle/>
+              <a:p>
+                <a:pPr algn="ctr"/>
+                <a:r>
+                  <a:rPr lang="ko-KR" altLang="en-US" sz="1000" dirty="0"/>
+                  <a:t>설정</a:t>
+                </a:r>
+              </a:p>
+            </p:txBody>
+          </p:sp>
+          <p:sp>
+            <p:nvSpPr>
+              <p:cNvPr id="187" name="타원 186">
+                <a:extLst>
+                  <a:ext uri="{FF2B5EF4-FFF2-40B4-BE49-F238E27FC236}">
+                    <a16:creationId xmlns:a16="http://schemas.microsoft.com/office/drawing/2014/main" id="{B863609C-6DA6-4DDB-BF68-839C9BF1A6B0}"/>
+                  </a:ext>
+                </a:extLst>
+              </p:cNvPr>
+              <p:cNvSpPr/>
+              <p:nvPr/>
+            </p:nvSpPr>
+            <p:spPr>
+              <a:xfrm>
+                <a:off x="1055065" y="2470861"/>
+                <a:ext cx="817277" cy="467252"/>
+              </a:xfrm>
+              <a:prstGeom prst="ellipse">
+                <a:avLst/>
+              </a:prstGeom>
+            </p:spPr>
+            <p:style>
+              <a:lnRef idx="2">
+                <a:schemeClr val="accent1">
+                  <a:shade val="50000"/>
+                </a:schemeClr>
+              </a:lnRef>
+              <a:fillRef idx="1">
+                <a:schemeClr val="accent1"/>
+              </a:fillRef>
+              <a:effectRef idx="0">
+                <a:schemeClr val="accent1"/>
+              </a:effectRef>
+              <a:fontRef idx="minor">
+                <a:schemeClr val="lt1"/>
+              </a:fontRef>
+            </p:style>
+            <p:txBody>
+              <a:bodyPr rtlCol="0" anchor="ctr"/>
+              <a:lstStyle/>
+              <a:p>
+                <a:pPr algn="ctr"/>
+                <a:r>
+                  <a:rPr lang="ko-KR" altLang="en-US" sz="1000" dirty="0"/>
+                  <a:t>주관식</a:t>
+                </a:r>
+              </a:p>
+            </p:txBody>
+          </p:sp>
+        </p:grpSp>
+        <p:sp>
+          <p:nvSpPr>
+            <p:cNvPr id="184" name="타원 183">
+              <a:extLst>
+                <a:ext uri="{FF2B5EF4-FFF2-40B4-BE49-F238E27FC236}">
+                  <a16:creationId xmlns:a16="http://schemas.microsoft.com/office/drawing/2014/main" id="{81C0B2C3-2C31-488E-BC5C-81D649D91ADA}"/>
+                </a:ext>
+              </a:extLst>
+            </p:cNvPr>
+            <p:cNvSpPr/>
+            <p:nvPr/>
+          </p:nvSpPr>
+          <p:spPr>
+            <a:xfrm>
+              <a:off x="1034342" y="2776324"/>
+              <a:ext cx="817277" cy="506475"/>
+            </a:xfrm>
+            <a:prstGeom prst="ellipse">
+              <a:avLst/>
+            </a:prstGeom>
+          </p:spPr>
+          <p:style>
+            <a:lnRef idx="2">
+              <a:schemeClr val="accent1">
+                <a:shade val="50000"/>
+              </a:schemeClr>
+            </a:lnRef>
+            <a:fillRef idx="1">
+              <a:schemeClr val="accent1"/>
+            </a:fillRef>
+            <a:effectRef idx="0">
+              <a:schemeClr val="accent1"/>
+            </a:effectRef>
+            <a:fontRef idx="minor">
+              <a:schemeClr val="lt1"/>
+            </a:fontRef>
+          </p:style>
+          <p:txBody>
+            <a:bodyPr rtlCol="0" anchor="ctr"/>
+            <a:lstStyle/>
+            <a:p>
+              <a:pPr algn="ctr"/>
+              <a:r>
+                <a:rPr lang="en-US" altLang="ko-KR" sz="1000" dirty="0"/>
+                <a:t>QR</a:t>
+              </a:r>
+            </a:p>
+            <a:p>
+              <a:pPr algn="ctr"/>
+              <a:r>
+                <a:rPr lang="ko-KR" altLang="en-US" sz="1000" dirty="0"/>
+                <a:t>코드</a:t>
+              </a:r>
+            </a:p>
+          </p:txBody>
+        </p:sp>
+      </p:grpSp>
+      <p:grpSp>
+        <p:nvGrpSpPr>
+          <p:cNvPr id="176" name="그룹 175">
+            <a:extLst>
+              <a:ext uri="{FF2B5EF4-FFF2-40B4-BE49-F238E27FC236}">
+                <a16:creationId xmlns:a16="http://schemas.microsoft.com/office/drawing/2014/main" id="{7C55BA27-FA6A-48DA-96AF-09F4D2E38AEF}"/>
+              </a:ext>
+            </a:extLst>
+          </p:cNvPr>
+          <p:cNvGrpSpPr/>
+          <p:nvPr/>
+        </p:nvGrpSpPr>
+        <p:grpSpPr>
+          <a:xfrm>
+            <a:off x="5673329" y="2126095"/>
+            <a:ext cx="2949462" cy="4655126"/>
+            <a:chOff x="985814" y="1109819"/>
+            <a:chExt cx="2949462" cy="4655126"/>
+          </a:xfrm>
+        </p:grpSpPr>
+        <p:grpSp>
+          <p:nvGrpSpPr>
+            <p:cNvPr id="169" name="그룹 168">
+              <a:extLst>
+                <a:ext uri="{FF2B5EF4-FFF2-40B4-BE49-F238E27FC236}">
+                  <a16:creationId xmlns:a16="http://schemas.microsoft.com/office/drawing/2014/main" id="{8BD5794D-D041-40EF-AFA0-CCE8E3B58CC6}"/>
+                </a:ext>
+              </a:extLst>
+            </p:cNvPr>
+            <p:cNvGrpSpPr/>
+            <p:nvPr/>
+          </p:nvGrpSpPr>
+          <p:grpSpPr>
+            <a:xfrm>
+              <a:off x="985814" y="1109819"/>
+              <a:ext cx="2949462" cy="4655126"/>
+              <a:chOff x="1006537" y="1471749"/>
+              <a:chExt cx="2949462" cy="4294621"/>
+            </a:xfrm>
+          </p:grpSpPr>
+          <p:sp>
+            <p:nvSpPr>
+              <p:cNvPr id="172" name="직사각형 171">
+                <a:extLst>
+                  <a:ext uri="{FF2B5EF4-FFF2-40B4-BE49-F238E27FC236}">
+                    <a16:creationId xmlns:a16="http://schemas.microsoft.com/office/drawing/2014/main" id="{CA91A1FB-8847-468D-BD09-102B4E3E1624}"/>
+                  </a:ext>
+                </a:extLst>
+              </p:cNvPr>
+              <p:cNvSpPr/>
+              <p:nvPr/>
+            </p:nvSpPr>
+            <p:spPr>
+              <a:xfrm>
+                <a:off x="1006537" y="1471749"/>
+                <a:ext cx="2949462" cy="4294621"/>
+              </a:xfrm>
+              <a:prstGeom prst="rect">
+                <a:avLst/>
+              </a:prstGeom>
+              <a:solidFill>
+                <a:schemeClr val="bg1">
+                  <a:lumMod val="85000"/>
+                </a:schemeClr>
+              </a:solidFill>
+              <a:ln>
+                <a:noFill/>
+              </a:ln>
+            </p:spPr>
+            <p:style>
+              <a:lnRef idx="1">
+                <a:schemeClr val="accent3"/>
+              </a:lnRef>
+              <a:fillRef idx="2">
+                <a:schemeClr val="accent3"/>
+              </a:fillRef>
+              <a:effectRef idx="1">
+                <a:schemeClr val="accent3"/>
+              </a:effectRef>
+              <a:fontRef idx="minor">
+                <a:schemeClr val="dk1"/>
+              </a:fontRef>
+            </p:style>
+            <p:txBody>
+              <a:bodyPr rtlCol="0" anchor="ctr" anchorCtr="0"/>
+              <a:lstStyle/>
+              <a:p>
+                <a:pPr algn="ctr"/>
+                <a:r>
+                  <a:rPr lang="en-US" altLang="ko-KR" dirty="0"/>
+                  <a:t>AR </a:t>
+                </a:r>
+                <a:r>
+                  <a:rPr lang="ko-KR" altLang="en-US" dirty="0"/>
+                  <a:t>화면</a:t>
+                </a:r>
+                <a:endParaRPr lang="en-US" altLang="ko-KR" dirty="0"/>
+              </a:p>
+            </p:txBody>
+          </p:sp>
+          <p:sp>
+            <p:nvSpPr>
+              <p:cNvPr id="173" name="타원 172">
+                <a:extLst>
+                  <a:ext uri="{FF2B5EF4-FFF2-40B4-BE49-F238E27FC236}">
+                    <a16:creationId xmlns:a16="http://schemas.microsoft.com/office/drawing/2014/main" id="{A91719C6-CDDD-437E-B7E6-989A08278A8E}"/>
+                  </a:ext>
+                </a:extLst>
+              </p:cNvPr>
+              <p:cNvSpPr/>
+              <p:nvPr/>
+            </p:nvSpPr>
+            <p:spPr>
+              <a:xfrm>
+                <a:off x="1145997" y="1883015"/>
+                <a:ext cx="635412" cy="467252"/>
+              </a:xfrm>
+              <a:prstGeom prst="ellipse">
+                <a:avLst/>
+              </a:prstGeom>
+            </p:spPr>
+            <p:style>
+              <a:lnRef idx="2">
+                <a:schemeClr val="accent1">
+                  <a:shade val="50000"/>
+                </a:schemeClr>
+              </a:lnRef>
+              <a:fillRef idx="1">
+                <a:schemeClr val="accent1"/>
+              </a:fillRef>
+              <a:effectRef idx="0">
+                <a:schemeClr val="accent1"/>
+              </a:effectRef>
+              <a:fontRef idx="minor">
+                <a:schemeClr val="lt1"/>
+              </a:fontRef>
+            </p:style>
+            <p:txBody>
+              <a:bodyPr rtlCol="0" anchor="ctr"/>
+              <a:lstStyle/>
+              <a:p>
+                <a:pPr algn="ctr"/>
+                <a:r>
+                  <a:rPr lang="ko-KR" altLang="en-US" sz="1000" dirty="0"/>
+                  <a:t>설정</a:t>
+                </a:r>
+              </a:p>
+            </p:txBody>
+          </p:sp>
+          <p:sp>
+            <p:nvSpPr>
+              <p:cNvPr id="174" name="타원 173">
+                <a:extLst>
+                  <a:ext uri="{FF2B5EF4-FFF2-40B4-BE49-F238E27FC236}">
+                    <a16:creationId xmlns:a16="http://schemas.microsoft.com/office/drawing/2014/main" id="{ECB7BB7A-E6F4-4E24-9A66-D4BF7E4C10DD}"/>
+                  </a:ext>
+                </a:extLst>
+              </p:cNvPr>
+              <p:cNvSpPr/>
+              <p:nvPr/>
+            </p:nvSpPr>
+            <p:spPr>
+              <a:xfrm>
+                <a:off x="1055065" y="2470861"/>
+                <a:ext cx="817277" cy="467252"/>
+              </a:xfrm>
+              <a:prstGeom prst="ellipse">
+                <a:avLst/>
+              </a:prstGeom>
+            </p:spPr>
+            <p:style>
+              <a:lnRef idx="2">
+                <a:schemeClr val="accent1">
+                  <a:shade val="50000"/>
+                </a:schemeClr>
+              </a:lnRef>
+              <a:fillRef idx="1">
+                <a:schemeClr val="accent1"/>
+              </a:fillRef>
+              <a:effectRef idx="0">
+                <a:schemeClr val="accent1"/>
+              </a:effectRef>
+              <a:fontRef idx="minor">
+                <a:schemeClr val="lt1"/>
+              </a:fontRef>
+            </p:style>
+            <p:txBody>
+              <a:bodyPr rtlCol="0" anchor="ctr"/>
+              <a:lstStyle/>
+              <a:p>
+                <a:pPr algn="ctr"/>
+                <a:r>
+                  <a:rPr lang="ko-KR" altLang="en-US" sz="1000" dirty="0"/>
+                  <a:t>주관식</a:t>
+                </a:r>
+              </a:p>
+            </p:txBody>
+          </p:sp>
+        </p:grpSp>
+        <p:sp>
+          <p:nvSpPr>
+            <p:cNvPr id="175" name="타원 174">
+              <a:extLst>
+                <a:ext uri="{FF2B5EF4-FFF2-40B4-BE49-F238E27FC236}">
+                  <a16:creationId xmlns:a16="http://schemas.microsoft.com/office/drawing/2014/main" id="{D5B12138-BAA3-4A11-8359-FB9A1426E405}"/>
+                </a:ext>
+              </a:extLst>
+            </p:cNvPr>
+            <p:cNvSpPr/>
+            <p:nvPr/>
+          </p:nvSpPr>
+          <p:spPr>
+            <a:xfrm>
+              <a:off x="1034342" y="2776324"/>
+              <a:ext cx="817277" cy="506475"/>
+            </a:xfrm>
+            <a:prstGeom prst="ellipse">
+              <a:avLst/>
+            </a:prstGeom>
+          </p:spPr>
+          <p:style>
+            <a:lnRef idx="2">
+              <a:schemeClr val="accent1">
+                <a:shade val="50000"/>
+              </a:schemeClr>
+            </a:lnRef>
+            <a:fillRef idx="1">
+              <a:schemeClr val="accent1"/>
+            </a:fillRef>
+            <a:effectRef idx="0">
+              <a:schemeClr val="accent1"/>
+            </a:effectRef>
+            <a:fontRef idx="minor">
+              <a:schemeClr val="lt1"/>
+            </a:fontRef>
+          </p:style>
+          <p:txBody>
+            <a:bodyPr rtlCol="0" anchor="ctr"/>
+            <a:lstStyle/>
+            <a:p>
+              <a:pPr algn="ctr"/>
+              <a:r>
+                <a:rPr lang="en-US" altLang="ko-KR" sz="1000" dirty="0"/>
+                <a:t>QR</a:t>
+              </a:r>
+            </a:p>
+            <a:p>
+              <a:pPr algn="ctr"/>
+              <a:r>
+                <a:rPr lang="ko-KR" altLang="en-US" sz="1000" dirty="0"/>
+                <a:t>코드</a:t>
+              </a:r>
+            </a:p>
+          </p:txBody>
+        </p:sp>
+      </p:grpSp>
+      <p:grpSp>
+        <p:nvGrpSpPr>
+          <p:cNvPr id="157" name="그룹 156">
+            <a:extLst>
+              <a:ext uri="{FF2B5EF4-FFF2-40B4-BE49-F238E27FC236}">
+                <a16:creationId xmlns:a16="http://schemas.microsoft.com/office/drawing/2014/main" id="{082627BB-5167-4154-8510-6E0831BE3740}"/>
+              </a:ext>
+            </a:extLst>
+          </p:cNvPr>
+          <p:cNvGrpSpPr/>
+          <p:nvPr/>
+        </p:nvGrpSpPr>
+        <p:grpSpPr>
+          <a:xfrm>
+            <a:off x="6963182" y="2137767"/>
+            <a:ext cx="2951017" cy="4654561"/>
+            <a:chOff x="1004982" y="1111809"/>
+            <a:chExt cx="2951017" cy="4654561"/>
+          </a:xfrm>
+        </p:grpSpPr>
+        <p:sp>
+          <p:nvSpPr>
+            <p:cNvPr id="158" name="직사각형 157">
+              <a:extLst>
+                <a:ext uri="{FF2B5EF4-FFF2-40B4-BE49-F238E27FC236}">
+                  <a16:creationId xmlns:a16="http://schemas.microsoft.com/office/drawing/2014/main" id="{44C6A8F8-EC17-48F3-901B-B1E9257BC7A6}"/>
+                </a:ext>
+              </a:extLst>
+            </p:cNvPr>
+            <p:cNvSpPr/>
+            <p:nvPr/>
+          </p:nvSpPr>
+          <p:spPr>
+            <a:xfrm>
+              <a:off x="2072640" y="1111809"/>
+              <a:ext cx="1067658" cy="423634"/>
+            </a:xfrm>
+            <a:prstGeom prst="rect">
+              <a:avLst/>
+            </a:prstGeom>
+            <a:solidFill>
+              <a:schemeClr val="bg1">
+                <a:lumMod val="65000"/>
+              </a:schemeClr>
+            </a:solidFill>
+            <a:ln>
+              <a:noFill/>
+            </a:ln>
+          </p:spPr>
+          <p:style>
+            <a:lnRef idx="1">
+              <a:schemeClr val="accent3"/>
+            </a:lnRef>
+            <a:fillRef idx="2">
+              <a:schemeClr val="accent3"/>
+            </a:fillRef>
+            <a:effectRef idx="1">
+              <a:schemeClr val="accent3"/>
+            </a:effectRef>
+            <a:fontRef idx="minor">
+              <a:schemeClr val="dk1"/>
+            </a:fontRef>
+          </p:style>
+          <p:txBody>
+            <a:bodyPr rtlCol="0" anchor="ctr" anchorCtr="0"/>
+            <a:lstStyle/>
+            <a:p>
+              <a:pPr algn="ctr"/>
+              <a:r>
+                <a:rPr lang="en-US" altLang="ko-KR"/>
+                <a:t>QR </a:t>
+              </a:r>
+              <a:r>
+                <a:rPr lang="ko-KR" altLang="en-US" dirty="0"/>
+                <a:t>코드</a:t>
+              </a:r>
+              <a:endParaRPr lang="en-US" altLang="ko-KR" dirty="0"/>
+            </a:p>
+          </p:txBody>
+        </p:sp>
+        <p:sp>
+          <p:nvSpPr>
+            <p:cNvPr id="159" name="직사각형 158">
+              <a:extLst>
+                <a:ext uri="{FF2B5EF4-FFF2-40B4-BE49-F238E27FC236}">
+                  <a16:creationId xmlns:a16="http://schemas.microsoft.com/office/drawing/2014/main" id="{6C879087-6758-46F6-A71C-325E4A3A6B62}"/>
+                </a:ext>
+              </a:extLst>
+            </p:cNvPr>
+            <p:cNvSpPr/>
+            <p:nvPr/>
+          </p:nvSpPr>
+          <p:spPr>
+            <a:xfrm>
+              <a:off x="1004982" y="1111809"/>
+              <a:ext cx="1067658" cy="423634"/>
+            </a:xfrm>
+            <a:prstGeom prst="rect">
+              <a:avLst/>
+            </a:prstGeom>
+            <a:solidFill>
+              <a:schemeClr val="bg1">
+                <a:lumMod val="85000"/>
+              </a:schemeClr>
+            </a:solidFill>
+            <a:ln>
+              <a:noFill/>
+            </a:ln>
+          </p:spPr>
+          <p:style>
+            <a:lnRef idx="1">
+              <a:schemeClr val="accent3"/>
+            </a:lnRef>
+            <a:fillRef idx="2">
+              <a:schemeClr val="accent3"/>
+            </a:fillRef>
+            <a:effectRef idx="1">
+              <a:schemeClr val="accent3"/>
+            </a:effectRef>
+            <a:fontRef idx="minor">
+              <a:schemeClr val="dk1"/>
+            </a:fontRef>
+          </p:style>
+          <p:txBody>
+            <a:bodyPr rtlCol="0" anchor="ctr" anchorCtr="0"/>
+            <a:lstStyle/>
+            <a:p>
+              <a:pPr algn="ctr"/>
+              <a:r>
+                <a:rPr lang="en-US" altLang="ko-KR" dirty="0"/>
+                <a:t>AR </a:t>
+              </a:r>
+              <a:r>
+                <a:rPr lang="ko-KR" altLang="en-US" dirty="0"/>
+                <a:t>화면</a:t>
+              </a:r>
+              <a:endParaRPr lang="en-US" altLang="ko-KR" dirty="0"/>
+            </a:p>
+          </p:txBody>
+        </p:sp>
+        <p:sp>
+          <p:nvSpPr>
+            <p:cNvPr id="160" name="직사각형 159">
+              <a:extLst>
+                <a:ext uri="{FF2B5EF4-FFF2-40B4-BE49-F238E27FC236}">
+                  <a16:creationId xmlns:a16="http://schemas.microsoft.com/office/drawing/2014/main" id="{B39179AC-AD7F-47B0-B12D-0A7175ACDB39}"/>
+                </a:ext>
+              </a:extLst>
+            </p:cNvPr>
+            <p:cNvSpPr/>
+            <p:nvPr/>
+          </p:nvSpPr>
+          <p:spPr>
+            <a:xfrm>
+              <a:off x="1006537" y="1471749"/>
+              <a:ext cx="2949462" cy="4294621"/>
+            </a:xfrm>
+            <a:prstGeom prst="rect">
+              <a:avLst/>
+            </a:prstGeom>
+            <a:solidFill>
+              <a:schemeClr val="bg1">
+                <a:lumMod val="95000"/>
+              </a:schemeClr>
+            </a:solidFill>
+            <a:ln>
+              <a:noFill/>
+            </a:ln>
+          </p:spPr>
+          <p:style>
+            <a:lnRef idx="1">
+              <a:schemeClr val="accent3"/>
+            </a:lnRef>
+            <a:fillRef idx="2">
+              <a:schemeClr val="accent3"/>
+            </a:fillRef>
+            <a:effectRef idx="1">
+              <a:schemeClr val="accent3"/>
+            </a:effectRef>
+            <a:fontRef idx="minor">
+              <a:schemeClr val="dk1"/>
+            </a:fontRef>
+          </p:style>
+          <p:txBody>
+            <a:bodyPr rtlCol="0" anchor="ctr" anchorCtr="0"/>
+            <a:lstStyle/>
+            <a:p>
+              <a:pPr algn="ctr"/>
+              <a:r>
+                <a:rPr lang="ko-KR" altLang="en-US"/>
+                <a:t>주관식 창</a:t>
+              </a:r>
+              <a:endParaRPr lang="en-US" altLang="ko-KR" dirty="0"/>
+            </a:p>
+          </p:txBody>
+        </p:sp>
+        <p:sp>
+          <p:nvSpPr>
+            <p:cNvPr id="161" name="타원 160">
+              <a:extLst>
+                <a:ext uri="{FF2B5EF4-FFF2-40B4-BE49-F238E27FC236}">
+                  <a16:creationId xmlns:a16="http://schemas.microsoft.com/office/drawing/2014/main" id="{79B0961E-5927-419E-96DA-C7507E36399A}"/>
+                </a:ext>
+              </a:extLst>
+            </p:cNvPr>
+            <p:cNvSpPr/>
+            <p:nvPr/>
+          </p:nvSpPr>
+          <p:spPr>
+            <a:xfrm>
+              <a:off x="1145997" y="1883015"/>
+              <a:ext cx="635412" cy="467252"/>
+            </a:xfrm>
+            <a:prstGeom prst="ellipse">
+              <a:avLst/>
+            </a:prstGeom>
+          </p:spPr>
+          <p:style>
+            <a:lnRef idx="2">
+              <a:schemeClr val="accent1">
+                <a:shade val="50000"/>
+              </a:schemeClr>
+            </a:lnRef>
+            <a:fillRef idx="1">
+              <a:schemeClr val="accent1"/>
+            </a:fillRef>
+            <a:effectRef idx="0">
+              <a:schemeClr val="accent1"/>
+            </a:effectRef>
+            <a:fontRef idx="minor">
+              <a:schemeClr val="lt1"/>
+            </a:fontRef>
+          </p:style>
+          <p:txBody>
+            <a:bodyPr rtlCol="0" anchor="ctr"/>
+            <a:lstStyle/>
+            <a:p>
+              <a:pPr algn="ctr"/>
+              <a:r>
+                <a:rPr lang="ko-KR" altLang="en-US" sz="1000" dirty="0"/>
+                <a:t>설정</a:t>
+              </a:r>
+            </a:p>
+          </p:txBody>
+        </p:sp>
+        <p:sp>
+          <p:nvSpPr>
+            <p:cNvPr id="162" name="타원 161">
+              <a:extLst>
+                <a:ext uri="{FF2B5EF4-FFF2-40B4-BE49-F238E27FC236}">
+                  <a16:creationId xmlns:a16="http://schemas.microsoft.com/office/drawing/2014/main" id="{E7A4698E-2DBA-4B1F-9618-A98AC19783D9}"/>
+                </a:ext>
+              </a:extLst>
+            </p:cNvPr>
+            <p:cNvSpPr/>
+            <p:nvPr/>
+          </p:nvSpPr>
+          <p:spPr>
+            <a:xfrm>
+              <a:off x="1055065" y="2470861"/>
+              <a:ext cx="817277" cy="467252"/>
+            </a:xfrm>
+            <a:prstGeom prst="ellipse">
+              <a:avLst/>
+            </a:prstGeom>
+          </p:spPr>
+          <p:style>
+            <a:lnRef idx="2">
+              <a:schemeClr val="accent1">
+                <a:shade val="50000"/>
+              </a:schemeClr>
+            </a:lnRef>
+            <a:fillRef idx="1">
+              <a:schemeClr val="accent1"/>
+            </a:fillRef>
+            <a:effectRef idx="0">
+              <a:schemeClr val="accent1"/>
+            </a:effectRef>
+            <a:fontRef idx="minor">
+              <a:schemeClr val="lt1"/>
+            </a:fontRef>
+          </p:style>
+          <p:txBody>
+            <a:bodyPr rtlCol="0" anchor="ctr"/>
+            <a:lstStyle/>
+            <a:p>
+              <a:pPr algn="ctr"/>
+              <a:r>
+                <a:rPr lang="ko-KR" altLang="en-US" sz="1000" dirty="0"/>
+                <a:t>주관식</a:t>
+              </a:r>
+            </a:p>
+          </p:txBody>
+        </p:sp>
+      </p:grpSp>
+      <p:grpSp>
+        <p:nvGrpSpPr>
+          <p:cNvPr id="156" name="그룹 155">
+            <a:extLst>
+              <a:ext uri="{FF2B5EF4-FFF2-40B4-BE49-F238E27FC236}">
+                <a16:creationId xmlns:a16="http://schemas.microsoft.com/office/drawing/2014/main" id="{3C0E1063-EF28-4AEA-A75B-A137CD429A16}"/>
+              </a:ext>
+            </a:extLst>
+          </p:cNvPr>
+          <p:cNvGrpSpPr/>
+          <p:nvPr/>
+        </p:nvGrpSpPr>
+        <p:grpSpPr>
+          <a:xfrm>
+            <a:off x="9071915" y="2126660"/>
+            <a:ext cx="2951017" cy="4654561"/>
+            <a:chOff x="1004982" y="1111809"/>
+            <a:chExt cx="2951017" cy="4654561"/>
+          </a:xfrm>
+        </p:grpSpPr>
+        <p:sp>
+          <p:nvSpPr>
+            <p:cNvPr id="155" name="직사각형 154">
+              <a:extLst>
+                <a:ext uri="{FF2B5EF4-FFF2-40B4-BE49-F238E27FC236}">
+                  <a16:creationId xmlns:a16="http://schemas.microsoft.com/office/drawing/2014/main" id="{B2F6E63F-8D35-4BB6-933E-A0E982AB85BD}"/>
+                </a:ext>
+              </a:extLst>
+            </p:cNvPr>
+            <p:cNvSpPr/>
+            <p:nvPr/>
+          </p:nvSpPr>
+          <p:spPr>
+            <a:xfrm>
+              <a:off x="2072640" y="1111809"/>
+              <a:ext cx="1067658" cy="423634"/>
+            </a:xfrm>
+            <a:prstGeom prst="rect">
+              <a:avLst/>
+            </a:prstGeom>
+            <a:solidFill>
+              <a:schemeClr val="bg1">
+                <a:lumMod val="65000"/>
+              </a:schemeClr>
+            </a:solidFill>
+            <a:ln>
+              <a:noFill/>
+            </a:ln>
+          </p:spPr>
+          <p:style>
+            <a:lnRef idx="1">
+              <a:schemeClr val="accent3"/>
+            </a:lnRef>
+            <a:fillRef idx="2">
+              <a:schemeClr val="accent3"/>
+            </a:fillRef>
+            <a:effectRef idx="1">
+              <a:schemeClr val="accent3"/>
+            </a:effectRef>
+            <a:fontRef idx="minor">
+              <a:schemeClr val="dk1"/>
+            </a:fontRef>
+          </p:style>
+          <p:txBody>
+            <a:bodyPr rtlCol="0" anchor="ctr" anchorCtr="0"/>
+            <a:lstStyle/>
+            <a:p>
+              <a:pPr algn="ctr"/>
+              <a:r>
+                <a:rPr lang="en-US" altLang="ko-KR"/>
+                <a:t>QR </a:t>
+              </a:r>
+              <a:r>
+                <a:rPr lang="ko-KR" altLang="en-US" dirty="0"/>
+                <a:t>코드</a:t>
+              </a:r>
+              <a:endParaRPr lang="en-US" altLang="ko-KR" dirty="0"/>
+            </a:p>
+          </p:txBody>
+        </p:sp>
+        <p:sp>
+          <p:nvSpPr>
+            <p:cNvPr id="150" name="직사각형 149">
+              <a:extLst>
+                <a:ext uri="{FF2B5EF4-FFF2-40B4-BE49-F238E27FC236}">
+                  <a16:creationId xmlns:a16="http://schemas.microsoft.com/office/drawing/2014/main" id="{A98A68AE-831E-46F5-B319-25E697223B8C}"/>
+                </a:ext>
+              </a:extLst>
+            </p:cNvPr>
+            <p:cNvSpPr/>
+            <p:nvPr/>
+          </p:nvSpPr>
+          <p:spPr>
+            <a:xfrm>
+              <a:off x="1004982" y="1111809"/>
+              <a:ext cx="1067658" cy="423634"/>
+            </a:xfrm>
+            <a:prstGeom prst="rect">
+              <a:avLst/>
+            </a:prstGeom>
+            <a:solidFill>
+              <a:schemeClr val="bg1">
+                <a:lumMod val="85000"/>
+              </a:schemeClr>
+            </a:solidFill>
+            <a:ln>
+              <a:noFill/>
+            </a:ln>
+          </p:spPr>
+          <p:style>
+            <a:lnRef idx="1">
+              <a:schemeClr val="accent3"/>
+            </a:lnRef>
+            <a:fillRef idx="2">
+              <a:schemeClr val="accent3"/>
+            </a:fillRef>
+            <a:effectRef idx="1">
+              <a:schemeClr val="accent3"/>
+            </a:effectRef>
+            <a:fontRef idx="minor">
+              <a:schemeClr val="dk1"/>
+            </a:fontRef>
+          </p:style>
+          <p:txBody>
+            <a:bodyPr rtlCol="0" anchor="ctr" anchorCtr="0"/>
+            <a:lstStyle/>
+            <a:p>
+              <a:pPr algn="ctr"/>
+              <a:r>
+                <a:rPr lang="en-US" altLang="ko-KR" dirty="0"/>
+                <a:t>AR </a:t>
+              </a:r>
+              <a:r>
+                <a:rPr lang="ko-KR" altLang="en-US" dirty="0"/>
+                <a:t>화면</a:t>
+              </a:r>
+              <a:endParaRPr lang="en-US" altLang="ko-KR" dirty="0"/>
+            </a:p>
+          </p:txBody>
+        </p:sp>
+        <p:sp>
+          <p:nvSpPr>
+            <p:cNvPr id="148" name="직사각형 147">
+              <a:extLst>
+                <a:ext uri="{FF2B5EF4-FFF2-40B4-BE49-F238E27FC236}">
+                  <a16:creationId xmlns:a16="http://schemas.microsoft.com/office/drawing/2014/main" id="{7B61AC8A-E292-4B3C-BBDF-2F60CD27D824}"/>
+                </a:ext>
+              </a:extLst>
+            </p:cNvPr>
+            <p:cNvSpPr/>
+            <p:nvPr/>
+          </p:nvSpPr>
+          <p:spPr>
+            <a:xfrm>
+              <a:off x="1006537" y="1471749"/>
+              <a:ext cx="2949462" cy="4294621"/>
+            </a:xfrm>
+            <a:prstGeom prst="rect">
+              <a:avLst/>
+            </a:prstGeom>
+            <a:solidFill>
+              <a:schemeClr val="bg1">
+                <a:lumMod val="85000"/>
+              </a:schemeClr>
+            </a:solidFill>
+            <a:ln>
+              <a:noFill/>
+            </a:ln>
+          </p:spPr>
+          <p:style>
+            <a:lnRef idx="1">
+              <a:schemeClr val="accent3"/>
+            </a:lnRef>
+            <a:fillRef idx="2">
+              <a:schemeClr val="accent3"/>
+            </a:fillRef>
+            <a:effectRef idx="1">
+              <a:schemeClr val="accent3"/>
+            </a:effectRef>
+            <a:fontRef idx="minor">
+              <a:schemeClr val="dk1"/>
+            </a:fontRef>
+          </p:style>
+          <p:txBody>
+            <a:bodyPr rtlCol="0" anchor="ctr" anchorCtr="0"/>
+            <a:lstStyle/>
+            <a:p>
+              <a:pPr algn="ctr"/>
+              <a:r>
+                <a:rPr lang="en-US" altLang="ko-KR" dirty="0"/>
+                <a:t>AR </a:t>
+              </a:r>
+              <a:r>
+                <a:rPr lang="ko-KR" altLang="en-US" dirty="0"/>
+                <a:t>화면</a:t>
+              </a:r>
+              <a:endParaRPr lang="en-US" altLang="ko-KR" dirty="0"/>
+            </a:p>
+          </p:txBody>
+        </p:sp>
+        <p:sp>
+          <p:nvSpPr>
+            <p:cNvPr id="152" name="타원 151">
+              <a:extLst>
+                <a:ext uri="{FF2B5EF4-FFF2-40B4-BE49-F238E27FC236}">
+                  <a16:creationId xmlns:a16="http://schemas.microsoft.com/office/drawing/2014/main" id="{C2D81988-C654-4F7A-A601-65C55D4F0498}"/>
+                </a:ext>
+              </a:extLst>
+            </p:cNvPr>
+            <p:cNvSpPr/>
+            <p:nvPr/>
+          </p:nvSpPr>
+          <p:spPr>
+            <a:xfrm>
+              <a:off x="1145997" y="1883015"/>
+              <a:ext cx="635412" cy="467252"/>
+            </a:xfrm>
+            <a:prstGeom prst="ellipse">
+              <a:avLst/>
+            </a:prstGeom>
+          </p:spPr>
+          <p:style>
+            <a:lnRef idx="2">
+              <a:schemeClr val="accent1">
+                <a:shade val="50000"/>
+              </a:schemeClr>
+            </a:lnRef>
+            <a:fillRef idx="1">
+              <a:schemeClr val="accent1"/>
+            </a:fillRef>
+            <a:effectRef idx="0">
+              <a:schemeClr val="accent1"/>
+            </a:effectRef>
+            <a:fontRef idx="minor">
+              <a:schemeClr val="lt1"/>
+            </a:fontRef>
+          </p:style>
+          <p:txBody>
+            <a:bodyPr rtlCol="0" anchor="ctr"/>
+            <a:lstStyle/>
+            <a:p>
+              <a:pPr algn="ctr"/>
+              <a:r>
+                <a:rPr lang="ko-KR" altLang="en-US" sz="1000" dirty="0"/>
+                <a:t>설정</a:t>
+              </a:r>
+            </a:p>
+          </p:txBody>
+        </p:sp>
+        <p:sp>
+          <p:nvSpPr>
+            <p:cNvPr id="154" name="타원 153">
+              <a:extLst>
+                <a:ext uri="{FF2B5EF4-FFF2-40B4-BE49-F238E27FC236}">
+                  <a16:creationId xmlns:a16="http://schemas.microsoft.com/office/drawing/2014/main" id="{74C36AD7-C793-4A42-A002-62ECB67519DA}"/>
+                </a:ext>
+              </a:extLst>
+            </p:cNvPr>
+            <p:cNvSpPr/>
+            <p:nvPr/>
+          </p:nvSpPr>
+          <p:spPr>
+            <a:xfrm>
+              <a:off x="1055065" y="2470861"/>
+              <a:ext cx="817277" cy="467252"/>
+            </a:xfrm>
+            <a:prstGeom prst="ellipse">
+              <a:avLst/>
+            </a:prstGeom>
+          </p:spPr>
+          <p:style>
+            <a:lnRef idx="2">
+              <a:schemeClr val="accent1">
+                <a:shade val="50000"/>
+              </a:schemeClr>
+            </a:lnRef>
+            <a:fillRef idx="1">
+              <a:schemeClr val="accent1"/>
+            </a:fillRef>
+            <a:effectRef idx="0">
+              <a:schemeClr val="accent1"/>
+            </a:effectRef>
+            <a:fontRef idx="minor">
+              <a:schemeClr val="lt1"/>
+            </a:fontRef>
+          </p:style>
+          <p:txBody>
+            <a:bodyPr rtlCol="0" anchor="ctr"/>
+            <a:lstStyle/>
+            <a:p>
+              <a:pPr algn="ctr"/>
+              <a:r>
+                <a:rPr lang="ko-KR" altLang="en-US" sz="1000" dirty="0"/>
+                <a:t>주관식</a:t>
+              </a:r>
+            </a:p>
+          </p:txBody>
+        </p:sp>
+      </p:grpSp>
+      <p:sp>
+        <p:nvSpPr>
+          <p:cNvPr id="4" name="직사각형 3">
+            <a:extLst>
+              <a:ext uri="{FF2B5EF4-FFF2-40B4-BE49-F238E27FC236}">
+                <a16:creationId xmlns:a16="http://schemas.microsoft.com/office/drawing/2014/main" id="{748405CA-1778-4B92-AC52-F64354B60E8A}"/>
+              </a:ext>
+            </a:extLst>
+          </p:cNvPr>
+          <p:cNvSpPr/>
+          <p:nvPr/>
+        </p:nvSpPr>
+        <p:spPr>
+          <a:xfrm>
+            <a:off x="1004982" y="1118122"/>
+            <a:ext cx="2951017" cy="4655127"/>
+          </a:xfrm>
+          <a:prstGeom prst="rect">
+            <a:avLst/>
+          </a:prstGeom>
+          <a:noFill/>
+          <a:ln>
+            <a:solidFill>
+              <a:schemeClr val="tx1"/>
+            </a:solidFill>
+          </a:ln>
+        </p:spPr>
+        <p:style>
+          <a:lnRef idx="2">
+            <a:schemeClr val="accent1">
+              <a:shade val="50000"/>
+            </a:schemeClr>
+          </a:lnRef>
+          <a:fillRef idx="1">
+            <a:schemeClr val="accent1"/>
+          </a:fillRef>
+          <a:effectRef idx="0">
+            <a:schemeClr val="accent1"/>
+          </a:effectRef>
+          <a:fontRef idx="minor">
+            <a:schemeClr val="lt1"/>
+          </a:fontRef>
+        </p:style>
+        <p:txBody>
+          <a:bodyPr rtlCol="0" anchor="ctr"/>
+          <a:lstStyle/>
+          <a:p>
+            <a:pPr algn="ctr"/>
+            <a:endParaRPr lang="ko-KR" altLang="en-US"/>
+          </a:p>
+        </p:txBody>
+      </p:sp>
+      <p:sp>
+        <p:nvSpPr>
+          <p:cNvPr id="38" name="TextBox 37">
+            <a:extLst>
+              <a:ext uri="{FF2B5EF4-FFF2-40B4-BE49-F238E27FC236}">
+                <a16:creationId xmlns:a16="http://schemas.microsoft.com/office/drawing/2014/main" id="{565FCF9E-83A8-4F97-8D30-66A3A83671C7}"/>
+              </a:ext>
+            </a:extLst>
+          </p:cNvPr>
+          <p:cNvSpPr txBox="1"/>
+          <p:nvPr/>
+        </p:nvSpPr>
+        <p:spPr>
+          <a:xfrm>
+            <a:off x="1715747" y="461947"/>
+            <a:ext cx="1420582" cy="369332"/>
+          </a:xfrm>
+          <a:prstGeom prst="rect">
+            <a:avLst/>
+          </a:prstGeom>
+          <a:noFill/>
+        </p:spPr>
+        <p:txBody>
+          <a:bodyPr wrap="none" rtlCol="0">
+            <a:spAutoFit/>
+          </a:bodyPr>
+          <a:lstStyle/>
+          <a:p>
+            <a:r>
+              <a:rPr lang="ko-KR" altLang="en-US" dirty="0"/>
+              <a:t>실시간 랭킹</a:t>
+            </a:r>
+          </a:p>
+        </p:txBody>
+      </p:sp>
+      <p:grpSp>
+        <p:nvGrpSpPr>
+          <p:cNvPr id="53" name="그룹 52">
+            <a:extLst>
+              <a:ext uri="{FF2B5EF4-FFF2-40B4-BE49-F238E27FC236}">
+                <a16:creationId xmlns:a16="http://schemas.microsoft.com/office/drawing/2014/main" id="{7F9CD9A8-A082-42A0-9DB9-ED4E07A0D2DC}"/>
+              </a:ext>
+            </a:extLst>
+          </p:cNvPr>
+          <p:cNvGrpSpPr/>
+          <p:nvPr/>
+        </p:nvGrpSpPr>
+        <p:grpSpPr>
+          <a:xfrm>
+            <a:off x="8513322" y="304594"/>
+            <a:ext cx="1978169" cy="2201138"/>
+            <a:chOff x="2960543" y="2767444"/>
+            <a:chExt cx="1978169" cy="2201138"/>
+          </a:xfrm>
+        </p:grpSpPr>
+        <p:sp>
+          <p:nvSpPr>
+            <p:cNvPr id="55" name="사각형: 둥근 모서리 54">
+              <a:extLst>
+                <a:ext uri="{FF2B5EF4-FFF2-40B4-BE49-F238E27FC236}">
+                  <a16:creationId xmlns:a16="http://schemas.microsoft.com/office/drawing/2014/main" id="{C6D84546-1406-494B-94F5-67A1D6CDDB63}"/>
+                </a:ext>
+              </a:extLst>
+            </p:cNvPr>
+            <p:cNvSpPr/>
+            <p:nvPr/>
+          </p:nvSpPr>
+          <p:spPr>
+            <a:xfrm>
+              <a:off x="2960543" y="2767444"/>
+              <a:ext cx="1962150" cy="628650"/>
+            </a:xfrm>
+            <a:prstGeom prst="roundRect">
+              <a:avLst/>
+            </a:prstGeom>
+          </p:spPr>
+          <p:style>
+            <a:lnRef idx="2">
+              <a:schemeClr val="accent1">
+                <a:shade val="50000"/>
+              </a:schemeClr>
+            </a:lnRef>
+            <a:fillRef idx="1">
+              <a:schemeClr val="accent1"/>
+            </a:fillRef>
+            <a:effectRef idx="0">
+              <a:schemeClr val="accent1"/>
+            </a:effectRef>
+            <a:fontRef idx="minor">
+              <a:schemeClr val="lt1"/>
+            </a:fontRef>
+          </p:style>
+          <p:txBody>
+            <a:bodyPr rtlCol="0" anchor="ctr"/>
+            <a:lstStyle/>
+            <a:p>
+              <a:pPr algn="ctr"/>
+              <a:r>
+                <a:rPr lang="ko-KR" altLang="en-US" dirty="0"/>
+                <a:t>게임 설정 버튼</a:t>
+              </a:r>
+            </a:p>
+          </p:txBody>
+        </p:sp>
+        <p:sp>
+          <p:nvSpPr>
+            <p:cNvPr id="56" name="사각형: 둥근 모서리 55">
+              <a:extLst>
+                <a:ext uri="{FF2B5EF4-FFF2-40B4-BE49-F238E27FC236}">
+                  <a16:creationId xmlns:a16="http://schemas.microsoft.com/office/drawing/2014/main" id="{AF082A84-8D20-4466-A8BB-2798118EE8FA}"/>
+                </a:ext>
+              </a:extLst>
+            </p:cNvPr>
+            <p:cNvSpPr/>
+            <p:nvPr/>
+          </p:nvSpPr>
+          <p:spPr>
+            <a:xfrm>
+              <a:off x="2960543" y="3553688"/>
+              <a:ext cx="1962150" cy="628650"/>
+            </a:xfrm>
+            <a:prstGeom prst="roundRect">
+              <a:avLst/>
+            </a:prstGeom>
+          </p:spPr>
+          <p:style>
+            <a:lnRef idx="2">
+              <a:schemeClr val="accent1">
+                <a:shade val="50000"/>
+              </a:schemeClr>
+            </a:lnRef>
+            <a:fillRef idx="1">
+              <a:schemeClr val="accent1"/>
+            </a:fillRef>
+            <a:effectRef idx="0">
+              <a:schemeClr val="accent1"/>
+            </a:effectRef>
+            <a:fontRef idx="minor">
+              <a:schemeClr val="lt1"/>
+            </a:fontRef>
+          </p:style>
+          <p:txBody>
+            <a:bodyPr rtlCol="0" anchor="ctr"/>
+            <a:lstStyle/>
+            <a:p>
+              <a:pPr algn="ctr"/>
+              <a:r>
+                <a:rPr lang="ko-KR" altLang="en-US" dirty="0"/>
+                <a:t>대회 선택 버튼</a:t>
+              </a:r>
+              <a:endParaRPr lang="en-US" altLang="ko-KR" dirty="0"/>
+            </a:p>
+          </p:txBody>
+        </p:sp>
+        <p:sp>
+          <p:nvSpPr>
+            <p:cNvPr id="57" name="사각형: 둥근 모서리 56">
+              <a:extLst>
+                <a:ext uri="{FF2B5EF4-FFF2-40B4-BE49-F238E27FC236}">
+                  <a16:creationId xmlns:a16="http://schemas.microsoft.com/office/drawing/2014/main" id="{EDC41770-AA0D-4058-A691-CD6623DE9D4F}"/>
+                </a:ext>
+              </a:extLst>
+            </p:cNvPr>
+            <p:cNvSpPr/>
+            <p:nvPr/>
+          </p:nvSpPr>
+          <p:spPr>
+            <a:xfrm>
+              <a:off x="2976562" y="4339932"/>
+              <a:ext cx="1962150" cy="628650"/>
+            </a:xfrm>
+            <a:prstGeom prst="roundRect">
+              <a:avLst/>
+            </a:prstGeom>
+          </p:spPr>
+          <p:style>
+            <a:lnRef idx="2">
+              <a:schemeClr val="accent1">
+                <a:shade val="50000"/>
+              </a:schemeClr>
+            </a:lnRef>
+            <a:fillRef idx="1">
+              <a:schemeClr val="accent1"/>
+            </a:fillRef>
+            <a:effectRef idx="0">
+              <a:schemeClr val="accent1"/>
+            </a:effectRef>
+            <a:fontRef idx="minor">
+              <a:schemeClr val="lt1"/>
+            </a:fontRef>
+          </p:style>
+          <p:txBody>
+            <a:bodyPr rtlCol="0" anchor="ctr"/>
+            <a:lstStyle/>
+            <a:p>
+              <a:pPr algn="ctr"/>
+              <a:r>
+                <a:rPr lang="ko-KR" altLang="en-US" dirty="0"/>
+                <a:t>역대 기록 버튼</a:t>
+              </a:r>
+              <a:endParaRPr lang="en-US" altLang="ko-KR" dirty="0"/>
+            </a:p>
+          </p:txBody>
+        </p:sp>
+      </p:grpSp>
+      <p:grpSp>
+        <p:nvGrpSpPr>
+          <p:cNvPr id="122" name="그룹 121">
+            <a:extLst>
+              <a:ext uri="{FF2B5EF4-FFF2-40B4-BE49-F238E27FC236}">
+                <a16:creationId xmlns:a16="http://schemas.microsoft.com/office/drawing/2014/main" id="{E76DBC2C-F75D-4261-8D5C-D8F016ECA465}"/>
+              </a:ext>
+            </a:extLst>
+          </p:cNvPr>
+          <p:cNvGrpSpPr/>
+          <p:nvPr/>
+        </p:nvGrpSpPr>
+        <p:grpSpPr>
+          <a:xfrm>
+            <a:off x="9359466" y="129314"/>
+            <a:ext cx="2620794" cy="2783523"/>
+            <a:chOff x="8276065" y="3344282"/>
+            <a:chExt cx="2620794" cy="2783523"/>
+          </a:xfrm>
+        </p:grpSpPr>
+        <p:grpSp>
+          <p:nvGrpSpPr>
+            <p:cNvPr id="103" name="그룹 102">
+              <a:extLst>
+                <a:ext uri="{FF2B5EF4-FFF2-40B4-BE49-F238E27FC236}">
+                  <a16:creationId xmlns:a16="http://schemas.microsoft.com/office/drawing/2014/main" id="{DA438C9E-F0C7-459B-BAB7-E627164B30FF}"/>
+                </a:ext>
+              </a:extLst>
+            </p:cNvPr>
+            <p:cNvGrpSpPr/>
+            <p:nvPr/>
+          </p:nvGrpSpPr>
+          <p:grpSpPr>
+            <a:xfrm>
+              <a:off x="8285326" y="3896062"/>
+              <a:ext cx="2611533" cy="348875"/>
+              <a:chOff x="4394978" y="2802636"/>
+              <a:chExt cx="2611533" cy="348875"/>
+            </a:xfrm>
+          </p:grpSpPr>
+          <p:sp>
+            <p:nvSpPr>
+              <p:cNvPr id="102" name="실행 단추: 소리 101">
+                <a:hlinkClick r:id="" action="ppaction://noaction" highlightClick="1">
+                  <a:snd r:embed="rId2" name="applause.wav"/>
+                </a:hlinkClick>
+                <a:extLst>
+                  <a:ext uri="{FF2B5EF4-FFF2-40B4-BE49-F238E27FC236}">
+                    <a16:creationId xmlns:a16="http://schemas.microsoft.com/office/drawing/2014/main" id="{15273984-7CB0-4D26-A668-F7AACC217C18}"/>
+                  </a:ext>
+                </a:extLst>
+              </p:cNvPr>
+              <p:cNvSpPr/>
+              <p:nvPr/>
+            </p:nvSpPr>
+            <p:spPr>
+              <a:xfrm>
+                <a:off x="4394978" y="2802636"/>
+                <a:ext cx="291330" cy="348875"/>
+              </a:xfrm>
+              <a:prstGeom prst="actionButtonSound">
+                <a:avLst/>
+              </a:prstGeom>
+              <a:solidFill>
+                <a:schemeClr val="bg1"/>
+              </a:solidFill>
+            </p:spPr>
+            <p:style>
+              <a:lnRef idx="2">
+                <a:schemeClr val="accent1">
+                  <a:shade val="50000"/>
+                </a:schemeClr>
+              </a:lnRef>
+              <a:fillRef idx="1">
+                <a:schemeClr val="accent1"/>
+              </a:fillRef>
+              <a:effectRef idx="0">
+                <a:schemeClr val="accent1"/>
+              </a:effectRef>
+              <a:fontRef idx="minor">
+                <a:schemeClr val="lt1"/>
+              </a:fontRef>
+            </p:style>
+            <p:txBody>
+              <a:bodyPr rtlCol="0" anchor="ctr"/>
+              <a:lstStyle/>
+              <a:p>
+                <a:pPr algn="ctr"/>
+                <a:endParaRPr lang="ko-KR" altLang="en-US" dirty="0"/>
+              </a:p>
+            </p:txBody>
+          </p:sp>
+          <p:grpSp>
+            <p:nvGrpSpPr>
+              <p:cNvPr id="81" name="그룹 80">
+                <a:extLst>
+                  <a:ext uri="{FF2B5EF4-FFF2-40B4-BE49-F238E27FC236}">
+                    <a16:creationId xmlns:a16="http://schemas.microsoft.com/office/drawing/2014/main" id="{538A1889-591C-41B9-ABF4-91C56C002585}"/>
+                  </a:ext>
+                </a:extLst>
+              </p:cNvPr>
+              <p:cNvGrpSpPr/>
+              <p:nvPr/>
+            </p:nvGrpSpPr>
+            <p:grpSpPr>
+              <a:xfrm>
+                <a:off x="4484355" y="2802636"/>
+                <a:ext cx="2522156" cy="348875"/>
+                <a:chOff x="4462232" y="2719495"/>
+                <a:chExt cx="2522156" cy="348875"/>
+              </a:xfrm>
+            </p:grpSpPr>
+            <p:sp>
+              <p:nvSpPr>
+                <p:cNvPr id="70" name="사각형: 둥근 모서리 69">
+                  <a:extLst>
+                    <a:ext uri="{FF2B5EF4-FFF2-40B4-BE49-F238E27FC236}">
+                      <a16:creationId xmlns:a16="http://schemas.microsoft.com/office/drawing/2014/main" id="{DF1A3630-AD69-40F8-A9A1-E6C1884F7384}"/>
+                    </a:ext>
+                  </a:extLst>
+                </p:cNvPr>
+                <p:cNvSpPr/>
+                <p:nvPr/>
+              </p:nvSpPr>
+              <p:spPr>
+                <a:xfrm>
+                  <a:off x="4742490" y="2773294"/>
+                  <a:ext cx="205639" cy="243280"/>
+                </a:xfrm>
+                <a:prstGeom prst="roundRect">
+                  <a:avLst/>
+                </a:prstGeom>
+              </p:spPr>
+              <p:style>
+                <a:lnRef idx="2">
+                  <a:schemeClr val="accent1">
+                    <a:shade val="50000"/>
+                  </a:schemeClr>
+                </a:lnRef>
+                <a:fillRef idx="1">
+                  <a:schemeClr val="accent1"/>
+                </a:fillRef>
+                <a:effectRef idx="0">
+                  <a:schemeClr val="accent1"/>
+                </a:effectRef>
+                <a:fontRef idx="minor">
+                  <a:schemeClr val="lt1"/>
+                </a:fontRef>
+              </p:style>
+              <p:txBody>
+                <a:bodyPr rtlCol="0" anchor="ctr"/>
+                <a:lstStyle/>
+                <a:p>
+                  <a:pPr algn="ctr"/>
+                  <a:endParaRPr lang="ko-KR" altLang="en-US"/>
+                </a:p>
+              </p:txBody>
+            </p:sp>
+            <p:sp>
+              <p:nvSpPr>
+                <p:cNvPr id="71" name="사각형: 둥근 모서리 70">
+                  <a:extLst>
+                    <a:ext uri="{FF2B5EF4-FFF2-40B4-BE49-F238E27FC236}">
+                      <a16:creationId xmlns:a16="http://schemas.microsoft.com/office/drawing/2014/main" id="{4B6159CD-B438-470F-AA22-EE0819F80ADF}"/>
+                    </a:ext>
+                  </a:extLst>
+                </p:cNvPr>
+                <p:cNvSpPr/>
+                <p:nvPr/>
+              </p:nvSpPr>
+              <p:spPr>
+                <a:xfrm>
+                  <a:off x="5017174" y="2773426"/>
+                  <a:ext cx="205639" cy="243280"/>
+                </a:xfrm>
+                <a:prstGeom prst="roundRect">
+                  <a:avLst/>
+                </a:prstGeom>
+              </p:spPr>
+              <p:style>
+                <a:lnRef idx="2">
+                  <a:schemeClr val="accent1">
+                    <a:shade val="50000"/>
+                  </a:schemeClr>
+                </a:lnRef>
+                <a:fillRef idx="1">
+                  <a:schemeClr val="accent1"/>
+                </a:fillRef>
+                <a:effectRef idx="0">
+                  <a:schemeClr val="accent1"/>
+                </a:effectRef>
+                <a:fontRef idx="minor">
+                  <a:schemeClr val="lt1"/>
+                </a:fontRef>
+              </p:style>
+              <p:txBody>
+                <a:bodyPr rtlCol="0" anchor="ctr"/>
+                <a:lstStyle/>
+                <a:p>
+                  <a:pPr algn="ctr"/>
+                  <a:endParaRPr lang="ko-KR" altLang="en-US"/>
+                </a:p>
+              </p:txBody>
+            </p:sp>
+            <p:sp>
+              <p:nvSpPr>
+                <p:cNvPr id="72" name="사각형: 둥근 모서리 71">
+                  <a:extLst>
+                    <a:ext uri="{FF2B5EF4-FFF2-40B4-BE49-F238E27FC236}">
+                      <a16:creationId xmlns:a16="http://schemas.microsoft.com/office/drawing/2014/main" id="{56313474-B89C-4BEB-94FE-575AE35A5A13}"/>
+                    </a:ext>
+                  </a:extLst>
+                </p:cNvPr>
+                <p:cNvSpPr/>
+                <p:nvPr/>
+              </p:nvSpPr>
+              <p:spPr>
+                <a:xfrm>
+                  <a:off x="5291858" y="2773294"/>
+                  <a:ext cx="205639" cy="243280"/>
+                </a:xfrm>
+                <a:prstGeom prst="roundRect">
+                  <a:avLst/>
+                </a:prstGeom>
+                <a:solidFill>
+                  <a:schemeClr val="bg1"/>
+                </a:solidFill>
+              </p:spPr>
+              <p:style>
+                <a:lnRef idx="2">
+                  <a:schemeClr val="accent1">
+                    <a:shade val="50000"/>
+                  </a:schemeClr>
+                </a:lnRef>
+                <a:fillRef idx="1">
+                  <a:schemeClr val="accent1"/>
+                </a:fillRef>
+                <a:effectRef idx="0">
+                  <a:schemeClr val="accent1"/>
+                </a:effectRef>
+                <a:fontRef idx="minor">
+                  <a:schemeClr val="lt1"/>
+                </a:fontRef>
+              </p:style>
+              <p:txBody>
+                <a:bodyPr rtlCol="0" anchor="ctr"/>
+                <a:lstStyle/>
+                <a:p>
+                  <a:pPr algn="ctr"/>
+                  <a:endParaRPr lang="ko-KR" altLang="en-US"/>
+                </a:p>
+              </p:txBody>
+            </p:sp>
+            <p:sp>
+              <p:nvSpPr>
+                <p:cNvPr id="73" name="사각형: 둥근 모서리 72">
+                  <a:extLst>
+                    <a:ext uri="{FF2B5EF4-FFF2-40B4-BE49-F238E27FC236}">
+                      <a16:creationId xmlns:a16="http://schemas.microsoft.com/office/drawing/2014/main" id="{2C72BB8D-C376-43F3-80BD-1E34BFC5C64C}"/>
+                    </a:ext>
+                  </a:extLst>
+                </p:cNvPr>
+                <p:cNvSpPr/>
+                <p:nvPr/>
+              </p:nvSpPr>
+              <p:spPr>
+                <a:xfrm>
+                  <a:off x="5566542" y="2773294"/>
+                  <a:ext cx="205639" cy="243280"/>
+                </a:xfrm>
+                <a:prstGeom prst="roundRect">
+                  <a:avLst/>
+                </a:prstGeom>
+                <a:solidFill>
+                  <a:schemeClr val="bg1"/>
+                </a:solidFill>
+              </p:spPr>
+              <p:style>
+                <a:lnRef idx="2">
+                  <a:schemeClr val="accent1">
+                    <a:shade val="50000"/>
+                  </a:schemeClr>
+                </a:lnRef>
+                <a:fillRef idx="1">
+                  <a:schemeClr val="accent1"/>
+                </a:fillRef>
+                <a:effectRef idx="0">
+                  <a:schemeClr val="accent1"/>
+                </a:effectRef>
+                <a:fontRef idx="minor">
+                  <a:schemeClr val="lt1"/>
+                </a:fontRef>
+              </p:style>
+              <p:txBody>
+                <a:bodyPr rtlCol="0" anchor="ctr"/>
+                <a:lstStyle/>
+                <a:p>
+                  <a:pPr algn="ctr"/>
+                  <a:endParaRPr lang="ko-KR" altLang="en-US"/>
+                </a:p>
+              </p:txBody>
+            </p:sp>
+            <p:sp>
+              <p:nvSpPr>
+                <p:cNvPr id="74" name="사각형: 둥근 모서리 73">
+                  <a:extLst>
+                    <a:ext uri="{FF2B5EF4-FFF2-40B4-BE49-F238E27FC236}">
+                      <a16:creationId xmlns:a16="http://schemas.microsoft.com/office/drawing/2014/main" id="{4CC737FA-FE4A-4160-AB6C-495B4CB0FD8E}"/>
+                    </a:ext>
+                  </a:extLst>
+                </p:cNvPr>
+                <p:cNvSpPr/>
+                <p:nvPr/>
+              </p:nvSpPr>
+              <p:spPr>
+                <a:xfrm>
+                  <a:off x="5841226" y="2773294"/>
+                  <a:ext cx="205639" cy="243280"/>
+                </a:xfrm>
+                <a:prstGeom prst="roundRect">
+                  <a:avLst/>
+                </a:prstGeom>
+                <a:solidFill>
+                  <a:schemeClr val="bg1"/>
+                </a:solidFill>
+              </p:spPr>
+              <p:style>
+                <a:lnRef idx="2">
+                  <a:schemeClr val="accent1">
+                    <a:shade val="50000"/>
+                  </a:schemeClr>
+                </a:lnRef>
+                <a:fillRef idx="1">
+                  <a:schemeClr val="accent1"/>
+                </a:fillRef>
+                <a:effectRef idx="0">
+                  <a:schemeClr val="accent1"/>
+                </a:effectRef>
+                <a:fontRef idx="minor">
+                  <a:schemeClr val="lt1"/>
+                </a:fontRef>
+              </p:style>
+              <p:txBody>
+                <a:bodyPr rtlCol="0" anchor="ctr"/>
+                <a:lstStyle/>
+                <a:p>
+                  <a:pPr algn="ctr"/>
+                  <a:endParaRPr lang="ko-KR" altLang="en-US"/>
+                </a:p>
+              </p:txBody>
+            </p:sp>
+            <p:sp>
+              <p:nvSpPr>
+                <p:cNvPr id="75" name="사각형: 둥근 모서리 74">
+                  <a:extLst>
+                    <a:ext uri="{FF2B5EF4-FFF2-40B4-BE49-F238E27FC236}">
+                      <a16:creationId xmlns:a16="http://schemas.microsoft.com/office/drawing/2014/main" id="{9C7C5F5D-1956-422D-91F4-C8AD7FD94D12}"/>
+                    </a:ext>
+                  </a:extLst>
+                </p:cNvPr>
+                <p:cNvSpPr/>
+                <p:nvPr/>
+              </p:nvSpPr>
+              <p:spPr>
+                <a:xfrm>
+                  <a:off x="6125170" y="2773294"/>
+                  <a:ext cx="205639" cy="243280"/>
+                </a:xfrm>
+                <a:prstGeom prst="roundRect">
+                  <a:avLst/>
+                </a:prstGeom>
+                <a:solidFill>
+                  <a:schemeClr val="bg1"/>
+                </a:solidFill>
+              </p:spPr>
+              <p:style>
+                <a:lnRef idx="2">
+                  <a:schemeClr val="accent1">
+                    <a:shade val="50000"/>
+                  </a:schemeClr>
+                </a:lnRef>
+                <a:fillRef idx="1">
+                  <a:schemeClr val="accent1"/>
+                </a:fillRef>
+                <a:effectRef idx="0">
+                  <a:schemeClr val="accent1"/>
+                </a:effectRef>
+                <a:fontRef idx="minor">
+                  <a:schemeClr val="lt1"/>
+                </a:fontRef>
+              </p:style>
+              <p:txBody>
+                <a:bodyPr rtlCol="0" anchor="ctr"/>
+                <a:lstStyle/>
+                <a:p>
+                  <a:pPr algn="ctr"/>
+                  <a:endParaRPr lang="ko-KR" altLang="en-US"/>
+                </a:p>
+              </p:txBody>
+            </p:sp>
+            <p:sp>
+              <p:nvSpPr>
+                <p:cNvPr id="76" name="사각형: 둥근 모서리 75">
+                  <a:extLst>
+                    <a:ext uri="{FF2B5EF4-FFF2-40B4-BE49-F238E27FC236}">
+                      <a16:creationId xmlns:a16="http://schemas.microsoft.com/office/drawing/2014/main" id="{166ED4B6-3A78-457B-BC58-F991243E151F}"/>
+                    </a:ext>
+                  </a:extLst>
+                </p:cNvPr>
+                <p:cNvSpPr/>
+                <p:nvPr/>
+              </p:nvSpPr>
+              <p:spPr>
+                <a:xfrm>
+                  <a:off x="6409114" y="2773294"/>
+                  <a:ext cx="205639" cy="243280"/>
+                </a:xfrm>
+                <a:prstGeom prst="roundRect">
+                  <a:avLst/>
+                </a:prstGeom>
+                <a:solidFill>
+                  <a:schemeClr val="bg1"/>
+                </a:solidFill>
+              </p:spPr>
+              <p:style>
+                <a:lnRef idx="2">
+                  <a:schemeClr val="accent1">
+                    <a:shade val="50000"/>
+                  </a:schemeClr>
+                </a:lnRef>
+                <a:fillRef idx="1">
+                  <a:schemeClr val="accent1"/>
+                </a:fillRef>
+                <a:effectRef idx="0">
+                  <a:schemeClr val="accent1"/>
+                </a:effectRef>
+                <a:fontRef idx="minor">
+                  <a:schemeClr val="lt1"/>
+                </a:fontRef>
+              </p:style>
+              <p:txBody>
+                <a:bodyPr rtlCol="0" anchor="ctr"/>
+                <a:lstStyle/>
+                <a:p>
+                  <a:pPr algn="ctr"/>
+                  <a:endParaRPr lang="ko-KR" altLang="en-US"/>
+                </a:p>
+              </p:txBody>
+            </p:sp>
+            <p:sp>
+              <p:nvSpPr>
+                <p:cNvPr id="79" name="실행 단추: 소리 78">
+                  <a:hlinkClick r:id="" action="ppaction://noaction" highlightClick="1">
+                    <a:snd r:embed="rId2" name="applause.wav"/>
+                  </a:hlinkClick>
+                  <a:extLst>
+                    <a:ext uri="{FF2B5EF4-FFF2-40B4-BE49-F238E27FC236}">
+                      <a16:creationId xmlns:a16="http://schemas.microsoft.com/office/drawing/2014/main" id="{60C25B85-4332-456F-B05B-B0AC9DB07D78}"/>
+                    </a:ext>
+                  </a:extLst>
+                </p:cNvPr>
+                <p:cNvSpPr/>
+                <p:nvPr/>
+              </p:nvSpPr>
+              <p:spPr>
+                <a:xfrm>
+                  <a:off x="6693058" y="2719495"/>
+                  <a:ext cx="291330" cy="348875"/>
+                </a:xfrm>
+                <a:prstGeom prst="actionButtonSound">
+                  <a:avLst/>
+                </a:prstGeom>
+                <a:solidFill>
+                  <a:schemeClr val="bg1"/>
+                </a:solidFill>
+              </p:spPr>
+              <p:style>
+                <a:lnRef idx="2">
+                  <a:schemeClr val="accent1">
+                    <a:shade val="50000"/>
+                  </a:schemeClr>
+                </a:lnRef>
+                <a:fillRef idx="1">
+                  <a:schemeClr val="accent1"/>
+                </a:fillRef>
+                <a:effectRef idx="0">
+                  <a:schemeClr val="accent1"/>
+                </a:effectRef>
+                <a:fontRef idx="minor">
+                  <a:schemeClr val="lt1"/>
+                </a:fontRef>
+              </p:style>
+              <p:txBody>
+                <a:bodyPr rtlCol="0" anchor="ctr"/>
+                <a:lstStyle/>
+                <a:p>
+                  <a:pPr algn="ctr"/>
+                  <a:endParaRPr lang="ko-KR" altLang="en-US" dirty="0"/>
+                </a:p>
+              </p:txBody>
+            </p:sp>
+            <p:sp>
+              <p:nvSpPr>
+                <p:cNvPr id="80" name="곱하기 기호 79">
+                  <a:extLst>
+                    <a:ext uri="{FF2B5EF4-FFF2-40B4-BE49-F238E27FC236}">
+                      <a16:creationId xmlns:a16="http://schemas.microsoft.com/office/drawing/2014/main" id="{16B0283F-E48F-4669-9375-616F379385BF}"/>
+                    </a:ext>
+                  </a:extLst>
+                </p:cNvPr>
+                <p:cNvSpPr/>
+                <p:nvPr/>
+              </p:nvSpPr>
+              <p:spPr>
+                <a:xfrm>
+                  <a:off x="4462232" y="2795424"/>
+                  <a:ext cx="179747" cy="197016"/>
+                </a:xfrm>
+                <a:prstGeom prst="mathMultiply">
+                  <a:avLst/>
+                </a:prstGeom>
+                <a:solidFill>
+                  <a:srgbClr val="FF0000"/>
+                </a:solidFill>
+              </p:spPr>
+              <p:style>
+                <a:lnRef idx="2">
+                  <a:schemeClr val="accent1">
+                    <a:shade val="50000"/>
+                  </a:schemeClr>
+                </a:lnRef>
+                <a:fillRef idx="1">
+                  <a:schemeClr val="accent1"/>
+                </a:fillRef>
+                <a:effectRef idx="0">
+                  <a:schemeClr val="accent1"/>
+                </a:effectRef>
+                <a:fontRef idx="minor">
+                  <a:schemeClr val="lt1"/>
+                </a:fontRef>
+              </p:style>
+              <p:txBody>
+                <a:bodyPr rtlCol="0" anchor="ctr"/>
+                <a:lstStyle/>
+                <a:p>
+                  <a:pPr algn="ctr"/>
+                  <a:endParaRPr lang="ko-KR" altLang="en-US" dirty="0"/>
+                </a:p>
+              </p:txBody>
+            </p:sp>
+          </p:grpSp>
+        </p:grpSp>
+        <p:grpSp>
+          <p:nvGrpSpPr>
+            <p:cNvPr id="104" name="그룹 103">
+              <a:extLst>
+                <a:ext uri="{FF2B5EF4-FFF2-40B4-BE49-F238E27FC236}">
+                  <a16:creationId xmlns:a16="http://schemas.microsoft.com/office/drawing/2014/main" id="{24B6C84C-D9E9-4DC3-8CC4-D3ABC8575A91}"/>
+                </a:ext>
+              </a:extLst>
+            </p:cNvPr>
+            <p:cNvGrpSpPr/>
+            <p:nvPr/>
+          </p:nvGrpSpPr>
+          <p:grpSpPr>
+            <a:xfrm>
+              <a:off x="8276065" y="4788691"/>
+              <a:ext cx="2611533" cy="348875"/>
+              <a:chOff x="4394978" y="2802636"/>
+              <a:chExt cx="2611533" cy="348875"/>
+            </a:xfrm>
+          </p:grpSpPr>
+          <p:sp>
+            <p:nvSpPr>
+              <p:cNvPr id="105" name="실행 단추: 소리 104">
+                <a:hlinkClick r:id="" action="ppaction://noaction" highlightClick="1">
+                  <a:snd r:embed="rId2" name="applause.wav"/>
+                </a:hlinkClick>
+                <a:extLst>
+                  <a:ext uri="{FF2B5EF4-FFF2-40B4-BE49-F238E27FC236}">
+                    <a16:creationId xmlns:a16="http://schemas.microsoft.com/office/drawing/2014/main" id="{15ED7531-5151-43B6-AC35-A7C72B0DD920}"/>
+                  </a:ext>
+                </a:extLst>
+              </p:cNvPr>
+              <p:cNvSpPr/>
+              <p:nvPr/>
+            </p:nvSpPr>
+            <p:spPr>
+              <a:xfrm>
+                <a:off x="4394978" y="2802636"/>
+                <a:ext cx="291330" cy="348875"/>
+              </a:xfrm>
+              <a:prstGeom prst="actionButtonSound">
+                <a:avLst/>
+              </a:prstGeom>
+              <a:solidFill>
+                <a:schemeClr val="bg1"/>
+              </a:solidFill>
+            </p:spPr>
+            <p:style>
+              <a:lnRef idx="2">
+                <a:schemeClr val="accent1">
+                  <a:shade val="50000"/>
+                </a:schemeClr>
+              </a:lnRef>
+              <a:fillRef idx="1">
+                <a:schemeClr val="accent1"/>
+              </a:fillRef>
+              <a:effectRef idx="0">
+                <a:schemeClr val="accent1"/>
+              </a:effectRef>
+              <a:fontRef idx="minor">
+                <a:schemeClr val="lt1"/>
+              </a:fontRef>
+            </p:style>
+            <p:txBody>
+              <a:bodyPr rtlCol="0" anchor="ctr"/>
+              <a:lstStyle/>
+              <a:p>
+                <a:pPr algn="ctr"/>
+                <a:endParaRPr lang="ko-KR" altLang="en-US" dirty="0"/>
+              </a:p>
+            </p:txBody>
+          </p:sp>
+          <p:grpSp>
+            <p:nvGrpSpPr>
+              <p:cNvPr id="106" name="그룹 105">
+                <a:extLst>
+                  <a:ext uri="{FF2B5EF4-FFF2-40B4-BE49-F238E27FC236}">
+                    <a16:creationId xmlns:a16="http://schemas.microsoft.com/office/drawing/2014/main" id="{134DDC0E-8F55-4D20-B30E-2C6388582F0F}"/>
+                  </a:ext>
+                </a:extLst>
+              </p:cNvPr>
+              <p:cNvGrpSpPr/>
+              <p:nvPr/>
+            </p:nvGrpSpPr>
+            <p:grpSpPr>
+              <a:xfrm>
+                <a:off x="4484355" y="2802636"/>
+                <a:ext cx="2522156" cy="348875"/>
+                <a:chOff x="4462232" y="2719495"/>
+                <a:chExt cx="2522156" cy="348875"/>
+              </a:xfrm>
+            </p:grpSpPr>
+            <p:sp>
+              <p:nvSpPr>
+                <p:cNvPr id="107" name="사각형: 둥근 모서리 106">
+                  <a:extLst>
+                    <a:ext uri="{FF2B5EF4-FFF2-40B4-BE49-F238E27FC236}">
+                      <a16:creationId xmlns:a16="http://schemas.microsoft.com/office/drawing/2014/main" id="{8113C5FD-32A1-4B5C-B3ED-753CC3D34E94}"/>
+                    </a:ext>
+                  </a:extLst>
+                </p:cNvPr>
+                <p:cNvSpPr/>
+                <p:nvPr/>
+              </p:nvSpPr>
+              <p:spPr>
+                <a:xfrm>
+                  <a:off x="4742490" y="2773294"/>
+                  <a:ext cx="205639" cy="243280"/>
+                </a:xfrm>
+                <a:prstGeom prst="roundRect">
+                  <a:avLst/>
+                </a:prstGeom>
+              </p:spPr>
+              <p:style>
+                <a:lnRef idx="2">
+                  <a:schemeClr val="accent1">
+                    <a:shade val="50000"/>
+                  </a:schemeClr>
+                </a:lnRef>
+                <a:fillRef idx="1">
+                  <a:schemeClr val="accent1"/>
+                </a:fillRef>
+                <a:effectRef idx="0">
+                  <a:schemeClr val="accent1"/>
+                </a:effectRef>
+                <a:fontRef idx="minor">
+                  <a:schemeClr val="lt1"/>
+                </a:fontRef>
+              </p:style>
+              <p:txBody>
+                <a:bodyPr rtlCol="0" anchor="ctr"/>
+                <a:lstStyle/>
+                <a:p>
+                  <a:pPr algn="ctr"/>
+                  <a:endParaRPr lang="ko-KR" altLang="en-US"/>
+                </a:p>
+              </p:txBody>
+            </p:sp>
+            <p:sp>
+              <p:nvSpPr>
+                <p:cNvPr id="108" name="사각형: 둥근 모서리 107">
+                  <a:extLst>
+                    <a:ext uri="{FF2B5EF4-FFF2-40B4-BE49-F238E27FC236}">
+                      <a16:creationId xmlns:a16="http://schemas.microsoft.com/office/drawing/2014/main" id="{B3992A68-D92E-4CE6-AED5-5EABDDEE6497}"/>
+                    </a:ext>
+                  </a:extLst>
+                </p:cNvPr>
+                <p:cNvSpPr/>
+                <p:nvPr/>
+              </p:nvSpPr>
+              <p:spPr>
+                <a:xfrm>
+                  <a:off x="5017174" y="2773426"/>
+                  <a:ext cx="205639" cy="243280"/>
+                </a:xfrm>
+                <a:prstGeom prst="roundRect">
+                  <a:avLst/>
+                </a:prstGeom>
+              </p:spPr>
+              <p:style>
+                <a:lnRef idx="2">
+                  <a:schemeClr val="accent1">
+                    <a:shade val="50000"/>
+                  </a:schemeClr>
+                </a:lnRef>
+                <a:fillRef idx="1">
+                  <a:schemeClr val="accent1"/>
+                </a:fillRef>
+                <a:effectRef idx="0">
+                  <a:schemeClr val="accent1"/>
+                </a:effectRef>
+                <a:fontRef idx="minor">
+                  <a:schemeClr val="lt1"/>
+                </a:fontRef>
+              </p:style>
+              <p:txBody>
+                <a:bodyPr rtlCol="0" anchor="ctr"/>
+                <a:lstStyle/>
+                <a:p>
+                  <a:pPr algn="ctr"/>
+                  <a:endParaRPr lang="ko-KR" altLang="en-US"/>
+                </a:p>
+              </p:txBody>
+            </p:sp>
+            <p:sp>
+              <p:nvSpPr>
+                <p:cNvPr id="109" name="사각형: 둥근 모서리 108">
+                  <a:extLst>
+                    <a:ext uri="{FF2B5EF4-FFF2-40B4-BE49-F238E27FC236}">
+                      <a16:creationId xmlns:a16="http://schemas.microsoft.com/office/drawing/2014/main" id="{7DB9B105-413D-4D69-B718-E61357949CCC}"/>
+                    </a:ext>
+                  </a:extLst>
+                </p:cNvPr>
+                <p:cNvSpPr/>
+                <p:nvPr/>
+              </p:nvSpPr>
+              <p:spPr>
+                <a:xfrm>
+                  <a:off x="5291858" y="2773294"/>
+                  <a:ext cx="205639" cy="243280"/>
+                </a:xfrm>
+                <a:prstGeom prst="roundRect">
+                  <a:avLst/>
+                </a:prstGeom>
+                <a:solidFill>
+                  <a:schemeClr val="bg1"/>
+                </a:solidFill>
+              </p:spPr>
+              <p:style>
+                <a:lnRef idx="2">
+                  <a:schemeClr val="accent1">
+                    <a:shade val="50000"/>
+                  </a:schemeClr>
+                </a:lnRef>
+                <a:fillRef idx="1">
+                  <a:schemeClr val="accent1"/>
+                </a:fillRef>
+                <a:effectRef idx="0">
+                  <a:schemeClr val="accent1"/>
+                </a:effectRef>
+                <a:fontRef idx="minor">
+                  <a:schemeClr val="lt1"/>
+                </a:fontRef>
+              </p:style>
+              <p:txBody>
+                <a:bodyPr rtlCol="0" anchor="ctr"/>
+                <a:lstStyle/>
+                <a:p>
+                  <a:pPr algn="ctr"/>
+                  <a:endParaRPr lang="ko-KR" altLang="en-US"/>
+                </a:p>
+              </p:txBody>
+            </p:sp>
+            <p:sp>
+              <p:nvSpPr>
+                <p:cNvPr id="110" name="사각형: 둥근 모서리 109">
+                  <a:extLst>
+                    <a:ext uri="{FF2B5EF4-FFF2-40B4-BE49-F238E27FC236}">
+                      <a16:creationId xmlns:a16="http://schemas.microsoft.com/office/drawing/2014/main" id="{7D9FBADE-3814-4266-ACB6-99F749344478}"/>
+                    </a:ext>
+                  </a:extLst>
+                </p:cNvPr>
+                <p:cNvSpPr/>
+                <p:nvPr/>
+              </p:nvSpPr>
+              <p:spPr>
+                <a:xfrm>
+                  <a:off x="5566542" y="2773294"/>
+                  <a:ext cx="205639" cy="243280"/>
+                </a:xfrm>
+                <a:prstGeom prst="roundRect">
+                  <a:avLst/>
+                </a:prstGeom>
+                <a:solidFill>
+                  <a:schemeClr val="bg1"/>
+                </a:solidFill>
+              </p:spPr>
+              <p:style>
+                <a:lnRef idx="2">
+                  <a:schemeClr val="accent1">
+                    <a:shade val="50000"/>
+                  </a:schemeClr>
+                </a:lnRef>
+                <a:fillRef idx="1">
+                  <a:schemeClr val="accent1"/>
+                </a:fillRef>
+                <a:effectRef idx="0">
+                  <a:schemeClr val="accent1"/>
+                </a:effectRef>
+                <a:fontRef idx="minor">
+                  <a:schemeClr val="lt1"/>
+                </a:fontRef>
+              </p:style>
+              <p:txBody>
+                <a:bodyPr rtlCol="0" anchor="ctr"/>
+                <a:lstStyle/>
+                <a:p>
+                  <a:pPr algn="ctr"/>
+                  <a:endParaRPr lang="ko-KR" altLang="en-US"/>
+                </a:p>
+              </p:txBody>
+            </p:sp>
+            <p:sp>
+              <p:nvSpPr>
+                <p:cNvPr id="111" name="사각형: 둥근 모서리 110">
+                  <a:extLst>
+                    <a:ext uri="{FF2B5EF4-FFF2-40B4-BE49-F238E27FC236}">
+                      <a16:creationId xmlns:a16="http://schemas.microsoft.com/office/drawing/2014/main" id="{A197B940-DC7A-4ACE-8580-38B3CD8AC811}"/>
+                    </a:ext>
+                  </a:extLst>
+                </p:cNvPr>
+                <p:cNvSpPr/>
+                <p:nvPr/>
+              </p:nvSpPr>
+              <p:spPr>
+                <a:xfrm>
+                  <a:off x="5841226" y="2773294"/>
+                  <a:ext cx="205639" cy="243280"/>
+                </a:xfrm>
+                <a:prstGeom prst="roundRect">
+                  <a:avLst/>
+                </a:prstGeom>
+                <a:solidFill>
+                  <a:schemeClr val="bg1"/>
+                </a:solidFill>
+              </p:spPr>
+              <p:style>
+                <a:lnRef idx="2">
+                  <a:schemeClr val="accent1">
+                    <a:shade val="50000"/>
+                  </a:schemeClr>
+                </a:lnRef>
+                <a:fillRef idx="1">
+                  <a:schemeClr val="accent1"/>
+                </a:fillRef>
+                <a:effectRef idx="0">
+                  <a:schemeClr val="accent1"/>
+                </a:effectRef>
+                <a:fontRef idx="minor">
+                  <a:schemeClr val="lt1"/>
+                </a:fontRef>
+              </p:style>
+              <p:txBody>
+                <a:bodyPr rtlCol="0" anchor="ctr"/>
+                <a:lstStyle/>
+                <a:p>
+                  <a:pPr algn="ctr"/>
+                  <a:endParaRPr lang="ko-KR" altLang="en-US"/>
+                </a:p>
+              </p:txBody>
+            </p:sp>
+            <p:sp>
+              <p:nvSpPr>
+                <p:cNvPr id="112" name="사각형: 둥근 모서리 111">
+                  <a:extLst>
+                    <a:ext uri="{FF2B5EF4-FFF2-40B4-BE49-F238E27FC236}">
+                      <a16:creationId xmlns:a16="http://schemas.microsoft.com/office/drawing/2014/main" id="{95DD6C00-26D1-407C-9E40-C766C9C47F6B}"/>
+                    </a:ext>
+                  </a:extLst>
+                </p:cNvPr>
+                <p:cNvSpPr/>
+                <p:nvPr/>
+              </p:nvSpPr>
+              <p:spPr>
+                <a:xfrm>
+                  <a:off x="6125170" y="2773294"/>
+                  <a:ext cx="205639" cy="243280"/>
+                </a:xfrm>
+                <a:prstGeom prst="roundRect">
+                  <a:avLst/>
+                </a:prstGeom>
+                <a:solidFill>
+                  <a:schemeClr val="bg1"/>
+                </a:solidFill>
+              </p:spPr>
+              <p:style>
+                <a:lnRef idx="2">
+                  <a:schemeClr val="accent1">
+                    <a:shade val="50000"/>
+                  </a:schemeClr>
+                </a:lnRef>
+                <a:fillRef idx="1">
+                  <a:schemeClr val="accent1"/>
+                </a:fillRef>
+                <a:effectRef idx="0">
+                  <a:schemeClr val="accent1"/>
+                </a:effectRef>
+                <a:fontRef idx="minor">
+                  <a:schemeClr val="lt1"/>
+                </a:fontRef>
+              </p:style>
+              <p:txBody>
+                <a:bodyPr rtlCol="0" anchor="ctr"/>
+                <a:lstStyle/>
+                <a:p>
+                  <a:pPr algn="ctr"/>
+                  <a:endParaRPr lang="ko-KR" altLang="en-US"/>
+                </a:p>
+              </p:txBody>
+            </p:sp>
+            <p:sp>
+              <p:nvSpPr>
+                <p:cNvPr id="113" name="사각형: 둥근 모서리 112">
+                  <a:extLst>
+                    <a:ext uri="{FF2B5EF4-FFF2-40B4-BE49-F238E27FC236}">
+                      <a16:creationId xmlns:a16="http://schemas.microsoft.com/office/drawing/2014/main" id="{2EC7161C-46BC-4A26-A1E1-47D20AFBF80D}"/>
+                    </a:ext>
+                  </a:extLst>
+                </p:cNvPr>
+                <p:cNvSpPr/>
+                <p:nvPr/>
+              </p:nvSpPr>
+              <p:spPr>
+                <a:xfrm>
+                  <a:off x="6409114" y="2773294"/>
+                  <a:ext cx="205639" cy="243280"/>
+                </a:xfrm>
+                <a:prstGeom prst="roundRect">
+                  <a:avLst/>
+                </a:prstGeom>
+                <a:solidFill>
+                  <a:schemeClr val="bg1"/>
+                </a:solidFill>
+              </p:spPr>
+              <p:style>
+                <a:lnRef idx="2">
+                  <a:schemeClr val="accent1">
+                    <a:shade val="50000"/>
+                  </a:schemeClr>
+                </a:lnRef>
+                <a:fillRef idx="1">
+                  <a:schemeClr val="accent1"/>
+                </a:fillRef>
+                <a:effectRef idx="0">
+                  <a:schemeClr val="accent1"/>
+                </a:effectRef>
+                <a:fontRef idx="minor">
+                  <a:schemeClr val="lt1"/>
+                </a:fontRef>
+              </p:style>
+              <p:txBody>
+                <a:bodyPr rtlCol="0" anchor="ctr"/>
+                <a:lstStyle/>
+                <a:p>
+                  <a:pPr algn="ctr"/>
+                  <a:endParaRPr lang="ko-KR" altLang="en-US"/>
+                </a:p>
+              </p:txBody>
+            </p:sp>
+            <p:sp>
+              <p:nvSpPr>
+                <p:cNvPr id="114" name="실행 단추: 소리 113">
+                  <a:hlinkClick r:id="" action="ppaction://noaction" highlightClick="1">
+                    <a:snd r:embed="rId2" name="applause.wav"/>
+                  </a:hlinkClick>
+                  <a:extLst>
+                    <a:ext uri="{FF2B5EF4-FFF2-40B4-BE49-F238E27FC236}">
+                      <a16:creationId xmlns:a16="http://schemas.microsoft.com/office/drawing/2014/main" id="{0C0943FE-F5B7-413A-85ED-B62C043EBA97}"/>
+                    </a:ext>
+                  </a:extLst>
+                </p:cNvPr>
+                <p:cNvSpPr/>
+                <p:nvPr/>
+              </p:nvSpPr>
+              <p:spPr>
+                <a:xfrm>
+                  <a:off x="6693058" y="2719495"/>
+                  <a:ext cx="291330" cy="348875"/>
+                </a:xfrm>
+                <a:prstGeom prst="actionButtonSound">
+                  <a:avLst/>
+                </a:prstGeom>
+                <a:solidFill>
+                  <a:schemeClr val="bg1"/>
+                </a:solidFill>
+              </p:spPr>
+              <p:style>
+                <a:lnRef idx="2">
+                  <a:schemeClr val="accent1">
+                    <a:shade val="50000"/>
+                  </a:schemeClr>
+                </a:lnRef>
+                <a:fillRef idx="1">
+                  <a:schemeClr val="accent1"/>
+                </a:fillRef>
+                <a:effectRef idx="0">
+                  <a:schemeClr val="accent1"/>
+                </a:effectRef>
+                <a:fontRef idx="minor">
+                  <a:schemeClr val="lt1"/>
+                </a:fontRef>
+              </p:style>
+              <p:txBody>
+                <a:bodyPr rtlCol="0" anchor="ctr"/>
+                <a:lstStyle/>
+                <a:p>
+                  <a:pPr algn="ctr"/>
+                  <a:endParaRPr lang="ko-KR" altLang="en-US" dirty="0"/>
+                </a:p>
+              </p:txBody>
+            </p:sp>
+            <p:sp>
+              <p:nvSpPr>
+                <p:cNvPr id="115" name="곱하기 기호 114">
+                  <a:extLst>
+                    <a:ext uri="{FF2B5EF4-FFF2-40B4-BE49-F238E27FC236}">
+                      <a16:creationId xmlns:a16="http://schemas.microsoft.com/office/drawing/2014/main" id="{6CC74F39-5B54-4320-B922-3B84E84EB1BE}"/>
+                    </a:ext>
+                  </a:extLst>
+                </p:cNvPr>
+                <p:cNvSpPr/>
+                <p:nvPr/>
+              </p:nvSpPr>
+              <p:spPr>
+                <a:xfrm>
+                  <a:off x="4462232" y="2795424"/>
+                  <a:ext cx="179747" cy="197016"/>
+                </a:xfrm>
+                <a:prstGeom prst="mathMultiply">
+                  <a:avLst/>
+                </a:prstGeom>
+                <a:solidFill>
+                  <a:srgbClr val="FF0000"/>
+                </a:solidFill>
+              </p:spPr>
+              <p:style>
+                <a:lnRef idx="2">
+                  <a:schemeClr val="accent1">
+                    <a:shade val="50000"/>
+                  </a:schemeClr>
+                </a:lnRef>
+                <a:fillRef idx="1">
+                  <a:schemeClr val="accent1"/>
+                </a:fillRef>
+                <a:effectRef idx="0">
+                  <a:schemeClr val="accent1"/>
+                </a:effectRef>
+                <a:fontRef idx="minor">
+                  <a:schemeClr val="lt1"/>
+                </a:fontRef>
+              </p:style>
+              <p:txBody>
+                <a:bodyPr rtlCol="0" anchor="ctr"/>
+                <a:lstStyle/>
+                <a:p>
+                  <a:pPr algn="ctr"/>
+                  <a:endParaRPr lang="ko-KR" altLang="en-US" dirty="0"/>
+                </a:p>
+              </p:txBody>
+            </p:sp>
+          </p:grpSp>
+        </p:grpSp>
+        <p:sp>
+          <p:nvSpPr>
+            <p:cNvPr id="119" name="TextBox 118">
+              <a:extLst>
+                <a:ext uri="{FF2B5EF4-FFF2-40B4-BE49-F238E27FC236}">
+                  <a16:creationId xmlns:a16="http://schemas.microsoft.com/office/drawing/2014/main" id="{59ED3164-7082-48F3-A33C-D80C1338D013}"/>
+                </a:ext>
+              </a:extLst>
+            </p:cNvPr>
+            <p:cNvSpPr txBox="1"/>
+            <p:nvPr/>
+          </p:nvSpPr>
+          <p:spPr>
+            <a:xfrm>
+              <a:off x="8950711" y="3344282"/>
+              <a:ext cx="958917" cy="369332"/>
+            </a:xfrm>
+            <a:prstGeom prst="rect">
+              <a:avLst/>
+            </a:prstGeom>
+            <a:noFill/>
+          </p:spPr>
+          <p:txBody>
+            <a:bodyPr wrap="none" rtlCol="0">
+              <a:spAutoFit/>
+            </a:bodyPr>
+            <a:lstStyle/>
+            <a:p>
+              <a:r>
+                <a:rPr lang="ko-KR" altLang="en-US" dirty="0"/>
+                <a:t>배경 음</a:t>
+              </a:r>
+              <a:endParaRPr lang="en-US" altLang="ko-KR" dirty="0"/>
+            </a:p>
+          </p:txBody>
+        </p:sp>
+        <p:sp>
+          <p:nvSpPr>
+            <p:cNvPr id="120" name="TextBox 119">
+              <a:extLst>
+                <a:ext uri="{FF2B5EF4-FFF2-40B4-BE49-F238E27FC236}">
+                  <a16:creationId xmlns:a16="http://schemas.microsoft.com/office/drawing/2014/main" id="{C8E9982E-6DF2-488F-A3EC-8570B9373B57}"/>
+                </a:ext>
+              </a:extLst>
+            </p:cNvPr>
+            <p:cNvSpPr txBox="1"/>
+            <p:nvPr/>
+          </p:nvSpPr>
+          <p:spPr>
+            <a:xfrm>
+              <a:off x="8950711" y="4362963"/>
+              <a:ext cx="958917" cy="369332"/>
+            </a:xfrm>
+            <a:prstGeom prst="rect">
+              <a:avLst/>
+            </a:prstGeom>
+            <a:noFill/>
+          </p:spPr>
+          <p:txBody>
+            <a:bodyPr wrap="none" rtlCol="0">
+              <a:spAutoFit/>
+            </a:bodyPr>
+            <a:lstStyle/>
+            <a:p>
+              <a:r>
+                <a:rPr lang="ko-KR" altLang="en-US" dirty="0"/>
+                <a:t>효과 음</a:t>
+              </a:r>
+              <a:endParaRPr lang="en-US" altLang="ko-KR" dirty="0"/>
+            </a:p>
+          </p:txBody>
+        </p:sp>
+        <p:sp>
+          <p:nvSpPr>
+            <p:cNvPr id="121" name="사각형: 둥근 모서리 120">
+              <a:extLst>
+                <a:ext uri="{FF2B5EF4-FFF2-40B4-BE49-F238E27FC236}">
+                  <a16:creationId xmlns:a16="http://schemas.microsoft.com/office/drawing/2014/main" id="{A3349817-A876-4CDE-AD4E-8E44FCFED2BC}"/>
+                </a:ext>
+              </a:extLst>
+            </p:cNvPr>
+            <p:cNvSpPr/>
+            <p:nvPr/>
+          </p:nvSpPr>
+          <p:spPr>
+            <a:xfrm>
+              <a:off x="8860600" y="5499155"/>
+              <a:ext cx="1297538" cy="628650"/>
+            </a:xfrm>
+            <a:prstGeom prst="roundRect">
+              <a:avLst/>
+            </a:prstGeom>
+          </p:spPr>
+          <p:style>
+            <a:lnRef idx="2">
+              <a:schemeClr val="accent1">
+                <a:shade val="50000"/>
+              </a:schemeClr>
+            </a:lnRef>
+            <a:fillRef idx="1">
+              <a:schemeClr val="accent1"/>
+            </a:fillRef>
+            <a:effectRef idx="0">
+              <a:schemeClr val="accent1"/>
+            </a:effectRef>
+            <a:fontRef idx="minor">
+              <a:schemeClr val="lt1"/>
+            </a:fontRef>
+          </p:style>
+          <p:txBody>
+            <a:bodyPr rtlCol="0" anchor="ctr"/>
+            <a:lstStyle/>
+            <a:p>
+              <a:pPr algn="ctr"/>
+              <a:r>
+                <a:rPr lang="ko-KR" altLang="en-US" dirty="0"/>
+                <a:t>로그아웃</a:t>
+              </a:r>
+            </a:p>
+          </p:txBody>
+        </p:sp>
+      </p:grpSp>
+      <p:grpSp>
+        <p:nvGrpSpPr>
+          <p:cNvPr id="146" name="그룹 145">
+            <a:extLst>
+              <a:ext uri="{FF2B5EF4-FFF2-40B4-BE49-F238E27FC236}">
+                <a16:creationId xmlns:a16="http://schemas.microsoft.com/office/drawing/2014/main" id="{BB46384A-24A9-47C4-A58F-514B81F6E22D}"/>
+              </a:ext>
+            </a:extLst>
+          </p:cNvPr>
+          <p:cNvGrpSpPr/>
+          <p:nvPr/>
+        </p:nvGrpSpPr>
+        <p:grpSpPr>
+          <a:xfrm>
+            <a:off x="8377948" y="70091"/>
+            <a:ext cx="2494312" cy="3131643"/>
+            <a:chOff x="4088270" y="2641606"/>
+            <a:chExt cx="2494312" cy="3131643"/>
+          </a:xfrm>
+        </p:grpSpPr>
+        <p:grpSp>
+          <p:nvGrpSpPr>
+            <p:cNvPr id="128" name="그룹 127">
+              <a:extLst>
+                <a:ext uri="{FF2B5EF4-FFF2-40B4-BE49-F238E27FC236}">
+                  <a16:creationId xmlns:a16="http://schemas.microsoft.com/office/drawing/2014/main" id="{44DB481A-101A-4349-A1F0-B0D57AB4E857}"/>
+                </a:ext>
+              </a:extLst>
+            </p:cNvPr>
+            <p:cNvGrpSpPr/>
+            <p:nvPr/>
+          </p:nvGrpSpPr>
+          <p:grpSpPr>
+            <a:xfrm>
+              <a:off x="4088270" y="3110177"/>
+              <a:ext cx="2494312" cy="2663072"/>
+              <a:chOff x="4487829" y="2378316"/>
+              <a:chExt cx="2494312" cy="2663072"/>
+            </a:xfrm>
+          </p:grpSpPr>
+          <p:sp>
+            <p:nvSpPr>
+              <p:cNvPr id="126" name="직사각형 125">
+                <a:extLst>
+                  <a:ext uri="{FF2B5EF4-FFF2-40B4-BE49-F238E27FC236}">
+                    <a16:creationId xmlns:a16="http://schemas.microsoft.com/office/drawing/2014/main" id="{34AC872F-BC83-4CE2-BA11-9B7705F493FD}"/>
+                  </a:ext>
+                </a:extLst>
+              </p:cNvPr>
+              <p:cNvSpPr/>
+              <p:nvPr/>
+            </p:nvSpPr>
+            <p:spPr>
+              <a:xfrm>
+                <a:off x="4487829" y="2378316"/>
+                <a:ext cx="2494312" cy="1331536"/>
+              </a:xfrm>
+              <a:prstGeom prst="rect">
+                <a:avLst/>
+              </a:prstGeom>
+              <a:ln/>
+            </p:spPr>
+            <p:style>
+              <a:lnRef idx="1">
+                <a:schemeClr val="accent3"/>
+              </a:lnRef>
+              <a:fillRef idx="2">
+                <a:schemeClr val="accent3"/>
+              </a:fillRef>
+              <a:effectRef idx="1">
+                <a:schemeClr val="accent3"/>
+              </a:effectRef>
+              <a:fontRef idx="minor">
+                <a:schemeClr val="dk1"/>
+              </a:fontRef>
+            </p:style>
+            <p:txBody>
+              <a:bodyPr rtlCol="0" anchor="ctr" anchorCtr="0"/>
+              <a:lstStyle/>
+              <a:p>
+                <a:pPr algn="ctr"/>
+                <a:r>
+                  <a:rPr lang="ko-KR" altLang="en-US" dirty="0"/>
+                  <a:t>새내기 대회</a:t>
+                </a:r>
+                <a:endParaRPr lang="en-US" altLang="ko-KR" dirty="0"/>
+              </a:p>
+            </p:txBody>
+          </p:sp>
+          <p:sp>
+            <p:nvSpPr>
+              <p:cNvPr id="127" name="직사각형 126">
+                <a:extLst>
+                  <a:ext uri="{FF2B5EF4-FFF2-40B4-BE49-F238E27FC236}">
+                    <a16:creationId xmlns:a16="http://schemas.microsoft.com/office/drawing/2014/main" id="{6AFEF97F-925B-4AEC-ADEC-ECD8A1BD27EC}"/>
+                  </a:ext>
+                </a:extLst>
+              </p:cNvPr>
+              <p:cNvSpPr/>
+              <p:nvPr/>
+            </p:nvSpPr>
+            <p:spPr>
+              <a:xfrm>
+                <a:off x="4487829" y="3709852"/>
+                <a:ext cx="2494312" cy="1331536"/>
+              </a:xfrm>
+              <a:prstGeom prst="rect">
+                <a:avLst/>
+              </a:prstGeom>
+              <a:ln/>
+            </p:spPr>
+            <p:style>
+              <a:lnRef idx="1">
+                <a:schemeClr val="accent3"/>
+              </a:lnRef>
+              <a:fillRef idx="2">
+                <a:schemeClr val="accent3"/>
+              </a:fillRef>
+              <a:effectRef idx="1">
+                <a:schemeClr val="accent3"/>
+              </a:effectRef>
+              <a:fontRef idx="minor">
+                <a:schemeClr val="dk1"/>
+              </a:fontRef>
+            </p:style>
+            <p:txBody>
+              <a:bodyPr rtlCol="0" anchor="ctr" anchorCtr="0"/>
+              <a:lstStyle/>
+              <a:p>
+                <a:pPr algn="ctr"/>
+                <a:r>
+                  <a:rPr lang="ko-KR" altLang="en-US" dirty="0"/>
+                  <a:t>상시 대회</a:t>
+                </a:r>
+                <a:endParaRPr lang="en-US" altLang="ko-KR" dirty="0"/>
+              </a:p>
+            </p:txBody>
+          </p:sp>
+        </p:grpSp>
+        <p:sp>
+          <p:nvSpPr>
+            <p:cNvPr id="145" name="TextBox 144">
+              <a:extLst>
+                <a:ext uri="{FF2B5EF4-FFF2-40B4-BE49-F238E27FC236}">
+                  <a16:creationId xmlns:a16="http://schemas.microsoft.com/office/drawing/2014/main" id="{A06A7710-853D-4B13-9DA6-138AEF315F48}"/>
+                </a:ext>
+              </a:extLst>
+            </p:cNvPr>
+            <p:cNvSpPr txBox="1"/>
+            <p:nvPr/>
+          </p:nvSpPr>
+          <p:spPr>
+            <a:xfrm>
+              <a:off x="4740551" y="2641606"/>
+              <a:ext cx="1189749" cy="369332"/>
+            </a:xfrm>
+            <a:prstGeom prst="rect">
+              <a:avLst/>
+            </a:prstGeom>
+            <a:noFill/>
+          </p:spPr>
+          <p:txBody>
+            <a:bodyPr wrap="none" rtlCol="0">
+              <a:spAutoFit/>
+            </a:bodyPr>
+            <a:lstStyle/>
+            <a:p>
+              <a:r>
+                <a:rPr lang="ko-KR" altLang="en-US" dirty="0"/>
+                <a:t>대회 목록</a:t>
+              </a:r>
+            </a:p>
+          </p:txBody>
+        </p:sp>
+      </p:grpSp>
+      <p:grpSp>
+        <p:nvGrpSpPr>
+          <p:cNvPr id="135" name="그룹 134">
+            <a:extLst>
+              <a:ext uri="{FF2B5EF4-FFF2-40B4-BE49-F238E27FC236}">
+                <a16:creationId xmlns:a16="http://schemas.microsoft.com/office/drawing/2014/main" id="{92534366-0173-41BC-9018-B0F829EA9E94}"/>
+              </a:ext>
+            </a:extLst>
+          </p:cNvPr>
+          <p:cNvGrpSpPr/>
+          <p:nvPr/>
+        </p:nvGrpSpPr>
+        <p:grpSpPr>
+          <a:xfrm>
+            <a:off x="8320059" y="59884"/>
+            <a:ext cx="2494312" cy="3132238"/>
+            <a:chOff x="6910641" y="2641011"/>
+            <a:chExt cx="2494312" cy="3132238"/>
+          </a:xfrm>
+        </p:grpSpPr>
+        <p:grpSp>
+          <p:nvGrpSpPr>
+            <p:cNvPr id="129" name="그룹 128">
+              <a:extLst>
+                <a:ext uri="{FF2B5EF4-FFF2-40B4-BE49-F238E27FC236}">
+                  <a16:creationId xmlns:a16="http://schemas.microsoft.com/office/drawing/2014/main" id="{13FEAE29-D45C-4299-80CD-A405482E0963}"/>
+                </a:ext>
+              </a:extLst>
+            </p:cNvPr>
+            <p:cNvGrpSpPr/>
+            <p:nvPr/>
+          </p:nvGrpSpPr>
+          <p:grpSpPr>
+            <a:xfrm>
+              <a:off x="6910641" y="3110177"/>
+              <a:ext cx="2494312" cy="2663072"/>
+              <a:chOff x="4487829" y="2378316"/>
+              <a:chExt cx="2494312" cy="2663072"/>
+            </a:xfrm>
+          </p:grpSpPr>
+          <p:sp>
+            <p:nvSpPr>
+              <p:cNvPr id="130" name="직사각형 129">
+                <a:extLst>
+                  <a:ext uri="{FF2B5EF4-FFF2-40B4-BE49-F238E27FC236}">
+                    <a16:creationId xmlns:a16="http://schemas.microsoft.com/office/drawing/2014/main" id="{DDBBE78B-6BB2-4155-9F0D-8A18D71B152A}"/>
+                  </a:ext>
+                </a:extLst>
+              </p:cNvPr>
+              <p:cNvSpPr/>
+              <p:nvPr/>
+            </p:nvSpPr>
+            <p:spPr>
+              <a:xfrm>
+                <a:off x="4487829" y="2378316"/>
+                <a:ext cx="2494312" cy="1331536"/>
+              </a:xfrm>
+              <a:prstGeom prst="rect">
+                <a:avLst/>
+              </a:prstGeom>
+              <a:ln/>
+            </p:spPr>
+            <p:style>
+              <a:lnRef idx="1">
+                <a:schemeClr val="accent3"/>
+              </a:lnRef>
+              <a:fillRef idx="2">
+                <a:schemeClr val="accent3"/>
+              </a:fillRef>
+              <a:effectRef idx="1">
+                <a:schemeClr val="accent3"/>
+              </a:effectRef>
+              <a:fontRef idx="minor">
+                <a:schemeClr val="dk1"/>
+              </a:fontRef>
+            </p:style>
+            <p:txBody>
+              <a:bodyPr rtlCol="0" anchor="ctr" anchorCtr="0"/>
+              <a:lstStyle/>
+              <a:p>
+                <a:pPr algn="ctr"/>
+                <a:r>
+                  <a:rPr lang="ko-KR" altLang="en-US" dirty="0"/>
+                  <a:t>동아리 대회</a:t>
+                </a:r>
+                <a:endParaRPr lang="en-US" altLang="ko-KR" dirty="0"/>
+              </a:p>
+            </p:txBody>
+          </p:sp>
+          <p:sp>
+            <p:nvSpPr>
+              <p:cNvPr id="131" name="직사각형 130">
+                <a:extLst>
+                  <a:ext uri="{FF2B5EF4-FFF2-40B4-BE49-F238E27FC236}">
+                    <a16:creationId xmlns:a16="http://schemas.microsoft.com/office/drawing/2014/main" id="{B7A93931-3705-45AA-821F-0449E0ED731A}"/>
+                  </a:ext>
+                </a:extLst>
+              </p:cNvPr>
+              <p:cNvSpPr/>
+              <p:nvPr/>
+            </p:nvSpPr>
+            <p:spPr>
+              <a:xfrm>
+                <a:off x="4487829" y="3709852"/>
+                <a:ext cx="2494312" cy="1331536"/>
+              </a:xfrm>
+              <a:prstGeom prst="rect">
+                <a:avLst/>
+              </a:prstGeom>
+              <a:ln/>
+            </p:spPr>
+            <p:style>
+              <a:lnRef idx="1">
+                <a:schemeClr val="accent3"/>
+              </a:lnRef>
+              <a:fillRef idx="2">
+                <a:schemeClr val="accent3"/>
+              </a:fillRef>
+              <a:effectRef idx="1">
+                <a:schemeClr val="accent3"/>
+              </a:effectRef>
+              <a:fontRef idx="minor">
+                <a:schemeClr val="dk1"/>
+              </a:fontRef>
+            </p:style>
+            <p:txBody>
+              <a:bodyPr rtlCol="0" anchor="ctr" anchorCtr="0"/>
+              <a:lstStyle/>
+              <a:p>
+                <a:pPr algn="ctr"/>
+                <a:r>
+                  <a:rPr lang="ko-KR" altLang="en-US" dirty="0"/>
+                  <a:t>축제 대회</a:t>
+                </a:r>
+                <a:endParaRPr lang="en-US" altLang="ko-KR" dirty="0"/>
+              </a:p>
+            </p:txBody>
+          </p:sp>
+        </p:grpSp>
+        <p:sp>
+          <p:nvSpPr>
+            <p:cNvPr id="134" name="TextBox 133">
+              <a:extLst>
+                <a:ext uri="{FF2B5EF4-FFF2-40B4-BE49-F238E27FC236}">
+                  <a16:creationId xmlns:a16="http://schemas.microsoft.com/office/drawing/2014/main" id="{DD455389-8DDF-4E1C-A0F8-6980CCEB9FFB}"/>
+                </a:ext>
+              </a:extLst>
+            </p:cNvPr>
+            <p:cNvSpPr txBox="1"/>
+            <p:nvPr/>
+          </p:nvSpPr>
+          <p:spPr>
+            <a:xfrm>
+              <a:off x="7562922" y="2641011"/>
+              <a:ext cx="1189749" cy="369332"/>
+            </a:xfrm>
+            <a:prstGeom prst="rect">
+              <a:avLst/>
+            </a:prstGeom>
+            <a:noFill/>
+          </p:spPr>
+          <p:txBody>
+            <a:bodyPr wrap="none" rtlCol="0">
+              <a:spAutoFit/>
+            </a:bodyPr>
+            <a:lstStyle/>
+            <a:p>
+              <a:r>
+                <a:rPr lang="ko-KR" altLang="en-US" dirty="0"/>
+                <a:t>상시 대회</a:t>
+              </a:r>
+            </a:p>
+          </p:txBody>
+        </p:sp>
+      </p:grpSp>
+      <p:grpSp>
+        <p:nvGrpSpPr>
+          <p:cNvPr id="116" name="그룹 115">
+            <a:extLst>
+              <a:ext uri="{FF2B5EF4-FFF2-40B4-BE49-F238E27FC236}">
+                <a16:creationId xmlns:a16="http://schemas.microsoft.com/office/drawing/2014/main" id="{C051E9DE-DDA2-491C-9CB0-61596A01F9C7}"/>
+              </a:ext>
+            </a:extLst>
+          </p:cNvPr>
+          <p:cNvGrpSpPr/>
+          <p:nvPr/>
+        </p:nvGrpSpPr>
+        <p:grpSpPr>
+          <a:xfrm>
+            <a:off x="4336801" y="2225446"/>
+            <a:ext cx="2544955" cy="628650"/>
+            <a:chOff x="4310792" y="3476017"/>
+            <a:chExt cx="2544955" cy="628650"/>
+          </a:xfrm>
+        </p:grpSpPr>
+        <p:sp>
+          <p:nvSpPr>
+            <p:cNvPr id="117" name="사각형: 둥근 모서리 116">
+              <a:extLst>
+                <a:ext uri="{FF2B5EF4-FFF2-40B4-BE49-F238E27FC236}">
+                  <a16:creationId xmlns:a16="http://schemas.microsoft.com/office/drawing/2014/main" id="{F04D1D0E-B149-4306-B970-2AA0CDA2C9FE}"/>
+                </a:ext>
+              </a:extLst>
+            </p:cNvPr>
+            <p:cNvSpPr/>
+            <p:nvPr/>
+          </p:nvSpPr>
+          <p:spPr>
+            <a:xfrm>
+              <a:off x="4310792" y="3476017"/>
+              <a:ext cx="1297538" cy="628650"/>
+            </a:xfrm>
+            <a:prstGeom prst="roundRect">
+              <a:avLst/>
+            </a:prstGeom>
+          </p:spPr>
+          <p:style>
+            <a:lnRef idx="2">
+              <a:schemeClr val="accent1">
+                <a:shade val="50000"/>
+              </a:schemeClr>
+            </a:lnRef>
+            <a:fillRef idx="1">
+              <a:schemeClr val="accent1"/>
+            </a:fillRef>
+            <a:effectRef idx="0">
+              <a:schemeClr val="accent1"/>
+            </a:effectRef>
+            <a:fontRef idx="minor">
+              <a:schemeClr val="lt1"/>
+            </a:fontRef>
+          </p:style>
+          <p:txBody>
+            <a:bodyPr rtlCol="0" anchor="ctr"/>
+            <a:lstStyle/>
+            <a:p>
+              <a:pPr algn="ctr"/>
+              <a:r>
+                <a:rPr lang="ko-KR" altLang="en-US" dirty="0"/>
+                <a:t>회원가입</a:t>
+              </a:r>
+            </a:p>
+          </p:txBody>
+        </p:sp>
+        <p:sp>
+          <p:nvSpPr>
+            <p:cNvPr id="118" name="사각형: 둥근 모서리 117">
+              <a:extLst>
+                <a:ext uri="{FF2B5EF4-FFF2-40B4-BE49-F238E27FC236}">
+                  <a16:creationId xmlns:a16="http://schemas.microsoft.com/office/drawing/2014/main" id="{AAE91C90-A689-415B-B894-07BC61414A73}"/>
+                </a:ext>
+              </a:extLst>
+            </p:cNvPr>
+            <p:cNvSpPr/>
+            <p:nvPr/>
+          </p:nvSpPr>
+          <p:spPr>
+            <a:xfrm>
+              <a:off x="5777690" y="3476017"/>
+              <a:ext cx="1078057" cy="628650"/>
+            </a:xfrm>
+            <a:prstGeom prst="roundRect">
+              <a:avLst/>
+            </a:prstGeom>
+          </p:spPr>
+          <p:style>
+            <a:lnRef idx="2">
+              <a:schemeClr val="accent1">
+                <a:shade val="50000"/>
+              </a:schemeClr>
+            </a:lnRef>
+            <a:fillRef idx="1">
+              <a:schemeClr val="accent1"/>
+            </a:fillRef>
+            <a:effectRef idx="0">
+              <a:schemeClr val="accent1"/>
+            </a:effectRef>
+            <a:fontRef idx="minor">
+              <a:schemeClr val="lt1"/>
+            </a:fontRef>
+          </p:style>
+          <p:txBody>
+            <a:bodyPr rtlCol="0" anchor="ctr"/>
+            <a:lstStyle/>
+            <a:p>
+              <a:pPr algn="ctr"/>
+              <a:r>
+                <a:rPr lang="ko-KR" altLang="en-US" dirty="0"/>
+                <a:t>로그인</a:t>
+              </a:r>
+            </a:p>
+          </p:txBody>
+        </p:sp>
+      </p:grpSp>
+      <p:sp>
+        <p:nvSpPr>
+          <p:cNvPr id="51" name="TextBox 50">
+            <a:extLst>
+              <a:ext uri="{FF2B5EF4-FFF2-40B4-BE49-F238E27FC236}">
+                <a16:creationId xmlns:a16="http://schemas.microsoft.com/office/drawing/2014/main" id="{C4A47F1E-6B8D-4640-BD04-A2696437CA6C}"/>
+              </a:ext>
+            </a:extLst>
+          </p:cNvPr>
+          <p:cNvSpPr txBox="1"/>
+          <p:nvPr/>
+        </p:nvSpPr>
+        <p:spPr>
+          <a:xfrm>
+            <a:off x="5207300" y="1760377"/>
+            <a:ext cx="1107996" cy="369332"/>
+          </a:xfrm>
+          <a:prstGeom prst="rect">
+            <a:avLst/>
+          </a:prstGeom>
+          <a:noFill/>
+        </p:spPr>
+        <p:txBody>
+          <a:bodyPr wrap="none" rtlCol="0">
+            <a:spAutoFit/>
+          </a:bodyPr>
+          <a:lstStyle/>
+          <a:p>
+            <a:r>
+              <a:rPr lang="ko-KR" altLang="en-US" dirty="0"/>
+              <a:t>보물찾기</a:t>
+            </a:r>
+          </a:p>
+        </p:txBody>
+      </p:sp>
+      <p:grpSp>
+        <p:nvGrpSpPr>
+          <p:cNvPr id="180" name="그룹 179">
+            <a:extLst>
+              <a:ext uri="{FF2B5EF4-FFF2-40B4-BE49-F238E27FC236}">
+                <a16:creationId xmlns:a16="http://schemas.microsoft.com/office/drawing/2014/main" id="{8496BD35-2E34-4FE9-AB64-A5CFEEB69930}"/>
+              </a:ext>
+            </a:extLst>
+          </p:cNvPr>
+          <p:cNvGrpSpPr/>
+          <p:nvPr/>
+        </p:nvGrpSpPr>
+        <p:grpSpPr>
+          <a:xfrm>
+            <a:off x="4353221" y="145649"/>
+            <a:ext cx="2829166" cy="1502594"/>
+            <a:chOff x="1083970" y="1262659"/>
+            <a:chExt cx="2829166" cy="1502594"/>
+          </a:xfrm>
+        </p:grpSpPr>
+        <p:grpSp>
+          <p:nvGrpSpPr>
+            <p:cNvPr id="136" name="그룹 135">
+              <a:extLst>
+                <a:ext uri="{FF2B5EF4-FFF2-40B4-BE49-F238E27FC236}">
+                  <a16:creationId xmlns:a16="http://schemas.microsoft.com/office/drawing/2014/main" id="{08C01632-0128-4F4B-A14E-90CDD9895B13}"/>
+                </a:ext>
+              </a:extLst>
+            </p:cNvPr>
+            <p:cNvGrpSpPr/>
+            <p:nvPr/>
+          </p:nvGrpSpPr>
+          <p:grpSpPr>
+            <a:xfrm>
+              <a:off x="1083970" y="1698186"/>
+              <a:ext cx="2829166" cy="1067067"/>
+              <a:chOff x="931224" y="1822520"/>
+              <a:chExt cx="2829166" cy="1067067"/>
+            </a:xfrm>
+          </p:grpSpPr>
+          <p:grpSp>
+            <p:nvGrpSpPr>
+              <p:cNvPr id="137" name="그룹 136">
+                <a:extLst>
+                  <a:ext uri="{FF2B5EF4-FFF2-40B4-BE49-F238E27FC236}">
+                    <a16:creationId xmlns:a16="http://schemas.microsoft.com/office/drawing/2014/main" id="{19CF277F-18D2-4A2E-A5D7-AE8F1F8DC622}"/>
+                  </a:ext>
+                </a:extLst>
+              </p:cNvPr>
+              <p:cNvGrpSpPr/>
+              <p:nvPr/>
+            </p:nvGrpSpPr>
+            <p:grpSpPr>
+              <a:xfrm>
+                <a:off x="931225" y="1822520"/>
+                <a:ext cx="2822605" cy="497340"/>
+                <a:chOff x="931225" y="1822520"/>
+                <a:chExt cx="2822605" cy="497340"/>
+              </a:xfrm>
+            </p:grpSpPr>
+            <p:sp>
+              <p:nvSpPr>
+                <p:cNvPr id="142" name="직사각형 141">
+                  <a:extLst>
+                    <a:ext uri="{FF2B5EF4-FFF2-40B4-BE49-F238E27FC236}">
+                      <a16:creationId xmlns:a16="http://schemas.microsoft.com/office/drawing/2014/main" id="{5FE042FD-0315-4846-ABC4-34F6CC4F6CA4}"/>
+                    </a:ext>
+                  </a:extLst>
+                </p:cNvPr>
+                <p:cNvSpPr/>
+                <p:nvPr/>
+              </p:nvSpPr>
+              <p:spPr>
+                <a:xfrm>
+                  <a:off x="931225" y="1822520"/>
+                  <a:ext cx="1412204" cy="497340"/>
+                </a:xfrm>
+                <a:prstGeom prst="rect">
+                  <a:avLst/>
+                </a:prstGeom>
+                <a:ln>
+                  <a:noFill/>
+                </a:ln>
+              </p:spPr>
+              <p:style>
+                <a:lnRef idx="2">
+                  <a:schemeClr val="accent1">
+                    <a:shade val="50000"/>
+                  </a:schemeClr>
+                </a:lnRef>
+                <a:fillRef idx="1">
+                  <a:schemeClr val="accent1"/>
+                </a:fillRef>
+                <a:effectRef idx="0">
+                  <a:schemeClr val="accent1"/>
+                </a:effectRef>
+                <a:fontRef idx="minor">
+                  <a:schemeClr val="lt1"/>
+                </a:fontRef>
+              </p:style>
+              <p:txBody>
+                <a:bodyPr rtlCol="0" anchor="ctr"/>
+                <a:lstStyle/>
+                <a:p>
+                  <a:pPr algn="ctr"/>
+                  <a:r>
+                    <a:rPr lang="ko-KR" altLang="en-US" dirty="0"/>
+                    <a:t>새내기 대회</a:t>
+                  </a:r>
+                </a:p>
+              </p:txBody>
+            </p:sp>
+            <p:sp>
+              <p:nvSpPr>
+                <p:cNvPr id="144" name="직사각형 143">
+                  <a:extLst>
+                    <a:ext uri="{FF2B5EF4-FFF2-40B4-BE49-F238E27FC236}">
+                      <a16:creationId xmlns:a16="http://schemas.microsoft.com/office/drawing/2014/main" id="{154ED01A-76AB-458E-8357-32D68AC48EBF}"/>
+                    </a:ext>
+                  </a:extLst>
+                </p:cNvPr>
+                <p:cNvSpPr/>
+                <p:nvPr/>
+              </p:nvSpPr>
+              <p:spPr>
+                <a:xfrm>
+                  <a:off x="2313502" y="1822520"/>
+                  <a:ext cx="1440328" cy="497340"/>
+                </a:xfrm>
+                <a:prstGeom prst="rect">
+                  <a:avLst/>
+                </a:prstGeom>
+                <a:ln>
+                  <a:noFill/>
+                </a:ln>
+              </p:spPr>
+              <p:style>
+                <a:lnRef idx="2">
+                  <a:schemeClr val="accent1">
+                    <a:shade val="50000"/>
+                  </a:schemeClr>
+                </a:lnRef>
+                <a:fillRef idx="1">
+                  <a:schemeClr val="accent1"/>
+                </a:fillRef>
+                <a:effectRef idx="0">
+                  <a:schemeClr val="accent1"/>
+                </a:effectRef>
+                <a:fontRef idx="minor">
+                  <a:schemeClr val="lt1"/>
+                </a:fontRef>
+              </p:style>
+              <p:txBody>
+                <a:bodyPr rtlCol="0" anchor="ctr"/>
+                <a:lstStyle/>
+                <a:p>
+                  <a:pPr algn="ctr"/>
+                  <a:r>
+                    <a:rPr lang="en-US" altLang="ko-KR" dirty="0"/>
+                    <a:t>100 / 03:00</a:t>
+                  </a:r>
+                  <a:endParaRPr lang="ko-KR" altLang="en-US" dirty="0"/>
+                </a:p>
+              </p:txBody>
+            </p:sp>
+          </p:grpSp>
+          <p:grpSp>
+            <p:nvGrpSpPr>
+              <p:cNvPr id="138" name="그룹 137">
+                <a:extLst>
+                  <a:ext uri="{FF2B5EF4-FFF2-40B4-BE49-F238E27FC236}">
+                    <a16:creationId xmlns:a16="http://schemas.microsoft.com/office/drawing/2014/main" id="{FFB07557-98B1-4685-9E33-82D9F4179F37}"/>
+                  </a:ext>
+                </a:extLst>
+              </p:cNvPr>
+              <p:cNvGrpSpPr/>
+              <p:nvPr/>
+            </p:nvGrpSpPr>
+            <p:grpSpPr>
+              <a:xfrm>
+                <a:off x="931224" y="2392247"/>
+                <a:ext cx="2829166" cy="497340"/>
+                <a:chOff x="931225" y="1823019"/>
+                <a:chExt cx="2829166" cy="497340"/>
+              </a:xfrm>
+            </p:grpSpPr>
+            <p:sp>
+              <p:nvSpPr>
+                <p:cNvPr id="139" name="직사각형 138">
+                  <a:extLst>
+                    <a:ext uri="{FF2B5EF4-FFF2-40B4-BE49-F238E27FC236}">
+                      <a16:creationId xmlns:a16="http://schemas.microsoft.com/office/drawing/2014/main" id="{17E9756F-5668-438C-B688-08E8D0BABFD1}"/>
+                    </a:ext>
+                  </a:extLst>
+                </p:cNvPr>
+                <p:cNvSpPr/>
+                <p:nvPr/>
+              </p:nvSpPr>
+              <p:spPr>
+                <a:xfrm>
+                  <a:off x="931225" y="1823019"/>
+                  <a:ext cx="1412204" cy="497340"/>
+                </a:xfrm>
+                <a:prstGeom prst="rect">
+                  <a:avLst/>
+                </a:prstGeom>
+                <a:ln>
+                  <a:noFill/>
+                </a:ln>
+              </p:spPr>
+              <p:style>
+                <a:lnRef idx="2">
+                  <a:schemeClr val="accent1">
+                    <a:shade val="50000"/>
+                  </a:schemeClr>
+                </a:lnRef>
+                <a:fillRef idx="1">
+                  <a:schemeClr val="accent1"/>
+                </a:fillRef>
+                <a:effectRef idx="0">
+                  <a:schemeClr val="accent1"/>
+                </a:effectRef>
+                <a:fontRef idx="minor">
+                  <a:schemeClr val="lt1"/>
+                </a:fontRef>
+              </p:style>
+              <p:txBody>
+                <a:bodyPr rtlCol="0" anchor="ctr"/>
+                <a:lstStyle/>
+                <a:p>
+                  <a:pPr algn="ctr"/>
+                  <a:r>
+                    <a:rPr lang="ko-KR" altLang="en-US" dirty="0"/>
+                    <a:t>동아리 대회</a:t>
+                  </a:r>
+                </a:p>
+              </p:txBody>
+            </p:sp>
+            <p:sp>
+              <p:nvSpPr>
+                <p:cNvPr id="141" name="직사각형 140">
+                  <a:extLst>
+                    <a:ext uri="{FF2B5EF4-FFF2-40B4-BE49-F238E27FC236}">
+                      <a16:creationId xmlns:a16="http://schemas.microsoft.com/office/drawing/2014/main" id="{E1FB4C9E-9FF4-46D4-8AAE-AA6613A1BD1B}"/>
+                    </a:ext>
+                  </a:extLst>
+                </p:cNvPr>
+                <p:cNvSpPr/>
+                <p:nvPr/>
+              </p:nvSpPr>
+              <p:spPr>
+                <a:xfrm>
+                  <a:off x="2320063" y="1823019"/>
+                  <a:ext cx="1440328" cy="497340"/>
+                </a:xfrm>
+                <a:prstGeom prst="rect">
+                  <a:avLst/>
+                </a:prstGeom>
+                <a:ln>
+                  <a:noFill/>
+                </a:ln>
+              </p:spPr>
+              <p:style>
+                <a:lnRef idx="2">
+                  <a:schemeClr val="accent1">
+                    <a:shade val="50000"/>
+                  </a:schemeClr>
+                </a:lnRef>
+                <a:fillRef idx="1">
+                  <a:schemeClr val="accent1"/>
+                </a:fillRef>
+                <a:effectRef idx="0">
+                  <a:schemeClr val="accent1"/>
+                </a:effectRef>
+                <a:fontRef idx="minor">
+                  <a:schemeClr val="lt1"/>
+                </a:fontRef>
+              </p:style>
+              <p:txBody>
+                <a:bodyPr rtlCol="0" anchor="ctr"/>
+                <a:lstStyle/>
+                <a:p>
+                  <a:pPr algn="ctr"/>
+                  <a:r>
+                    <a:rPr lang="en-US" altLang="ko-KR" dirty="0"/>
+                    <a:t>99 / 04:50</a:t>
+                  </a:r>
+                  <a:endParaRPr lang="ko-KR" altLang="en-US" dirty="0"/>
+                </a:p>
+              </p:txBody>
+            </p:sp>
+          </p:grpSp>
+        </p:grpSp>
+        <p:sp>
+          <p:nvSpPr>
+            <p:cNvPr id="147" name="TextBox 146">
+              <a:extLst>
+                <a:ext uri="{FF2B5EF4-FFF2-40B4-BE49-F238E27FC236}">
+                  <a16:creationId xmlns:a16="http://schemas.microsoft.com/office/drawing/2014/main" id="{CC64712F-BDCE-4F34-BA5E-285D2CCEFC35}"/>
+                </a:ext>
+              </a:extLst>
+            </p:cNvPr>
+            <p:cNvSpPr txBox="1"/>
+            <p:nvPr/>
+          </p:nvSpPr>
+          <p:spPr>
+            <a:xfrm>
+              <a:off x="1922660" y="1262659"/>
+              <a:ext cx="1189749" cy="369332"/>
+            </a:xfrm>
+            <a:prstGeom prst="rect">
+              <a:avLst/>
+            </a:prstGeom>
+            <a:noFill/>
+          </p:spPr>
+          <p:txBody>
+            <a:bodyPr wrap="none" rtlCol="0">
+              <a:spAutoFit/>
+            </a:bodyPr>
+            <a:lstStyle/>
+            <a:p>
+              <a:r>
+                <a:rPr lang="ko-KR" altLang="en-US" dirty="0"/>
+                <a:t>역대 순위</a:t>
+              </a:r>
+            </a:p>
+          </p:txBody>
+        </p:sp>
+      </p:grpSp>
+      <p:grpSp>
+        <p:nvGrpSpPr>
+          <p:cNvPr id="179" name="그룹 178">
+            <a:extLst>
+              <a:ext uri="{FF2B5EF4-FFF2-40B4-BE49-F238E27FC236}">
+                <a16:creationId xmlns:a16="http://schemas.microsoft.com/office/drawing/2014/main" id="{E038A83C-2C86-42AA-8784-8AFF1422BE4E}"/>
+              </a:ext>
+            </a:extLst>
+          </p:cNvPr>
+          <p:cNvGrpSpPr/>
+          <p:nvPr/>
+        </p:nvGrpSpPr>
+        <p:grpSpPr>
+          <a:xfrm>
+            <a:off x="7040541" y="841433"/>
+            <a:ext cx="1279517" cy="1921660"/>
+            <a:chOff x="1840729" y="2534718"/>
+            <a:chExt cx="1279517" cy="1921660"/>
+          </a:xfrm>
+        </p:grpSpPr>
+        <p:sp>
+          <p:nvSpPr>
+            <p:cNvPr id="177" name="TextBox 176">
+              <a:extLst>
+                <a:ext uri="{FF2B5EF4-FFF2-40B4-BE49-F238E27FC236}">
+                  <a16:creationId xmlns:a16="http://schemas.microsoft.com/office/drawing/2014/main" id="{9BF63532-05CD-4AD1-B568-4A555FFD8C10}"/>
+                </a:ext>
+              </a:extLst>
+            </p:cNvPr>
+            <p:cNvSpPr txBox="1"/>
+            <p:nvPr/>
+          </p:nvSpPr>
+          <p:spPr>
+            <a:xfrm>
+              <a:off x="1840729" y="2534718"/>
+              <a:ext cx="1279517" cy="646331"/>
+            </a:xfrm>
+            <a:prstGeom prst="rect">
+              <a:avLst/>
+            </a:prstGeom>
+            <a:noFill/>
+          </p:spPr>
+          <p:txBody>
+            <a:bodyPr wrap="none" rtlCol="0">
+              <a:spAutoFit/>
+            </a:bodyPr>
+            <a:lstStyle/>
+            <a:p>
+              <a:pPr algn="ctr"/>
+              <a:r>
+                <a:rPr lang="en-US" altLang="ko-KR" dirty="0"/>
+                <a:t>2</a:t>
+              </a:r>
+              <a:r>
+                <a:rPr lang="ko-KR" altLang="en-US" dirty="0"/>
+                <a:t>분 </a:t>
+              </a:r>
+              <a:r>
+                <a:rPr lang="en-US" altLang="ko-KR" dirty="0"/>
+                <a:t>40</a:t>
+              </a:r>
+              <a:r>
+                <a:rPr lang="ko-KR" altLang="en-US" dirty="0"/>
+                <a:t>초</a:t>
+              </a:r>
+              <a:endParaRPr lang="en-US" altLang="ko-KR" dirty="0"/>
+            </a:p>
+            <a:p>
+              <a:pPr algn="ctr"/>
+              <a:r>
+                <a:rPr lang="en-US" altLang="ko-KR" dirty="0"/>
+                <a:t>95</a:t>
+              </a:r>
+              <a:r>
+                <a:rPr lang="ko-KR" altLang="en-US" dirty="0"/>
+                <a:t>개 성공</a:t>
+              </a:r>
+              <a:r>
+                <a:rPr lang="en-US" altLang="ko-KR" dirty="0"/>
+                <a:t>!</a:t>
+              </a:r>
+            </a:p>
+          </p:txBody>
+        </p:sp>
+        <p:sp>
+          <p:nvSpPr>
+            <p:cNvPr id="178" name="사각형: 둥근 모서리 177">
+              <a:extLst>
+                <a:ext uri="{FF2B5EF4-FFF2-40B4-BE49-F238E27FC236}">
+                  <a16:creationId xmlns:a16="http://schemas.microsoft.com/office/drawing/2014/main" id="{8DED83F3-E809-46F7-8C89-18A7E9D2A8B4}"/>
+                </a:ext>
+              </a:extLst>
+            </p:cNvPr>
+            <p:cNvSpPr/>
+            <p:nvPr/>
+          </p:nvSpPr>
+          <p:spPr>
+            <a:xfrm>
+              <a:off x="1941460" y="3827728"/>
+              <a:ext cx="1078057" cy="628650"/>
+            </a:xfrm>
+            <a:prstGeom prst="roundRect">
+              <a:avLst/>
+            </a:prstGeom>
+          </p:spPr>
+          <p:style>
+            <a:lnRef idx="2">
+              <a:schemeClr val="accent1">
+                <a:shade val="50000"/>
+              </a:schemeClr>
+            </a:lnRef>
+            <a:fillRef idx="1">
+              <a:schemeClr val="accent1"/>
+            </a:fillRef>
+            <a:effectRef idx="0">
+              <a:schemeClr val="accent1"/>
+            </a:effectRef>
+            <a:fontRef idx="minor">
+              <a:schemeClr val="lt1"/>
+            </a:fontRef>
+          </p:style>
+          <p:txBody>
+            <a:bodyPr rtlCol="0" anchor="ctr"/>
+            <a:lstStyle/>
+            <a:p>
+              <a:pPr algn="ctr"/>
+              <a:r>
+                <a:rPr lang="ko-KR" altLang="en-US" dirty="0"/>
+                <a:t>확인</a:t>
+              </a:r>
+            </a:p>
+          </p:txBody>
+        </p:sp>
+      </p:grpSp>
+    </p:spTree>
+    <p:extLst>
+      <p:ext uri="{BB962C8B-B14F-4D97-AF65-F5344CB8AC3E}">
+        <p14:creationId xmlns:p14="http://schemas.microsoft.com/office/powerpoint/2010/main" val="1735031860"/>
+      </p:ext>
+    </p:extLst>
+  </p:cSld>
+  <p:clrMapOvr>
+    <a:masterClrMapping/>
+  </p:clrMapOvr>
+</p:sld>
+</file>
+
 <file path=ppt/theme/theme1.xml><?xml version="1.0" encoding="utf-8"?>
 <a:theme xmlns:a="http://schemas.openxmlformats.org/drawingml/2006/main" name="Office 테마">
   <a:themeElements>

--- a/report/씬 용.pptx
+++ b/report/씬 용.pptx
@@ -5244,10 +5244,10 @@
       </p:grpSpPr>
       <p:grpSp>
         <p:nvGrpSpPr>
-          <p:cNvPr id="182" name="그룹 181">
+          <p:cNvPr id="16" name="그룹 15">
             <a:extLst>
               <a:ext uri="{FF2B5EF4-FFF2-40B4-BE49-F238E27FC236}">
-                <a16:creationId xmlns:a16="http://schemas.microsoft.com/office/drawing/2014/main" id="{0326FE31-AEA5-4AB6-BF5C-6C2F8E66AA89}"/>
+                <a16:creationId xmlns:a16="http://schemas.microsoft.com/office/drawing/2014/main" id="{57039883-D615-4950-82CF-D44854A8FDE4}"/>
               </a:ext>
             </a:extLst>
           </p:cNvPr>
@@ -5256,18 +5256,74 @@
         </p:nvGrpSpPr>
         <p:grpSpPr>
           <a:xfrm>
-            <a:off x="4745680" y="2037558"/>
-            <a:ext cx="2949462" cy="4655126"/>
-            <a:chOff x="985814" y="1109819"/>
-            <a:chExt cx="2949462" cy="4655126"/>
+            <a:off x="3769969" y="2225446"/>
+            <a:ext cx="2951016" cy="4653478"/>
+            <a:chOff x="710018" y="1452764"/>
+            <a:chExt cx="2906280" cy="4653478"/>
           </a:xfrm>
         </p:grpSpPr>
+        <p:sp>
+          <p:nvSpPr>
+            <p:cNvPr id="160" name="직사각형 159">
+              <a:extLst>
+                <a:ext uri="{FF2B5EF4-FFF2-40B4-BE49-F238E27FC236}">
+                  <a16:creationId xmlns:a16="http://schemas.microsoft.com/office/drawing/2014/main" id="{B39179AC-AD7F-47B0-B12D-0A7175ACDB39}"/>
+                </a:ext>
+              </a:extLst>
+            </p:cNvPr>
+            <p:cNvSpPr/>
+            <p:nvPr/>
+          </p:nvSpPr>
+          <p:spPr>
+            <a:xfrm>
+              <a:off x="710018" y="1452764"/>
+              <a:ext cx="2906280" cy="4653478"/>
+            </a:xfrm>
+            <a:prstGeom prst="rect">
+              <a:avLst/>
+            </a:prstGeom>
+            <a:solidFill>
+              <a:schemeClr val="bg1">
+                <a:lumMod val="95000"/>
+              </a:schemeClr>
+            </a:solidFill>
+            <a:ln>
+              <a:noFill/>
+            </a:ln>
+          </p:spPr>
+          <p:style>
+            <a:lnRef idx="1">
+              <a:schemeClr val="accent3"/>
+            </a:lnRef>
+            <a:fillRef idx="2">
+              <a:schemeClr val="accent3"/>
+            </a:fillRef>
+            <a:effectRef idx="1">
+              <a:schemeClr val="accent3"/>
+            </a:effectRef>
+            <a:fontRef idx="minor">
+              <a:schemeClr val="dk1"/>
+            </a:fontRef>
+          </p:style>
+          <p:txBody>
+            <a:bodyPr rtlCol="0" anchor="ctr" anchorCtr="0"/>
+            <a:lstStyle/>
+            <a:p>
+              <a:pPr algn="ctr"/>
+              <a:r>
+                <a:rPr lang="ko-KR" altLang="en-US" dirty="0"/>
+                <a:t>주관식 창</a:t>
+              </a:r>
+              <a:endParaRPr lang="en-US" altLang="ko-KR" dirty="0"/>
+            </a:p>
+          </p:txBody>
+        </p:sp>
         <p:grpSp>
           <p:nvGrpSpPr>
-            <p:cNvPr id="183" name="그룹 182">
+            <p:cNvPr id="15" name="그룹 14">
               <a:extLst>
                 <a:ext uri="{FF2B5EF4-FFF2-40B4-BE49-F238E27FC236}">
-                  <a16:creationId xmlns:a16="http://schemas.microsoft.com/office/drawing/2014/main" id="{4D3704C8-6276-43C4-A17C-F2AAD4FA6536}"/>
+                  <a16:creationId xmlns:a16="http://schemas.microsoft.com/office/drawing/2014/main" id="{F9A56900-433E-4693-9906-8937F08ED606}"/>
                 </a:ext>
               </a:extLst>
             </p:cNvPr>
@@ -5276,18 +5332,18 @@
           </p:nvGrpSpPr>
           <p:grpSpPr>
             <a:xfrm>
-              <a:off x="985814" y="1109819"/>
-              <a:ext cx="2949462" cy="4655126"/>
-              <a:chOff x="1006537" y="1471749"/>
-              <a:chExt cx="2949462" cy="4294621"/>
+              <a:off x="917849" y="5462657"/>
+              <a:ext cx="2489980" cy="433911"/>
+              <a:chOff x="917849" y="5462657"/>
+              <a:chExt cx="2489980" cy="433911"/>
             </a:xfrm>
           </p:grpSpPr>
           <p:sp>
             <p:nvSpPr>
-              <p:cNvPr id="185" name="직사각형 184">
+              <p:cNvPr id="13" name="직사각형 12">
                 <a:extLst>
                   <a:ext uri="{FF2B5EF4-FFF2-40B4-BE49-F238E27FC236}">
-                    <a16:creationId xmlns:a16="http://schemas.microsoft.com/office/drawing/2014/main" id="{F85514B7-F2B4-48A9-A10A-F5A1083B0D72}"/>
+                    <a16:creationId xmlns:a16="http://schemas.microsoft.com/office/drawing/2014/main" id="{892789DE-7DC7-44C3-83E2-E0493EAAC800}"/>
                   </a:ext>
                 </a:extLst>
               </p:cNvPr>
@@ -5296,29 +5352,21 @@
             </p:nvSpPr>
             <p:spPr>
               <a:xfrm>
-                <a:off x="1006537" y="1471749"/>
-                <a:ext cx="2949462" cy="4294621"/>
+                <a:off x="917849" y="5462657"/>
+                <a:ext cx="1900257" cy="433911"/>
               </a:xfrm>
               <a:prstGeom prst="rect">
                 <a:avLst/>
               </a:prstGeom>
-              <a:solidFill>
-                <a:schemeClr val="bg1">
-                  <a:lumMod val="95000"/>
-                </a:schemeClr>
-              </a:solidFill>
-              <a:ln>
-                <a:noFill/>
-              </a:ln>
             </p:spPr>
             <p:style>
-              <a:lnRef idx="1">
+              <a:lnRef idx="2">
                 <a:schemeClr val="accent3"/>
               </a:lnRef>
-              <a:fillRef idx="2">
-                <a:schemeClr val="accent3"/>
+              <a:fillRef idx="1">
+                <a:schemeClr val="lt1"/>
               </a:fillRef>
-              <a:effectRef idx="1">
+              <a:effectRef idx="0">
                 <a:schemeClr val="accent3"/>
               </a:effectRef>
               <a:fontRef idx="minor">
@@ -5326,24 +5374,20 @@
               </a:fontRef>
             </p:style>
             <p:txBody>
-              <a:bodyPr rtlCol="0" anchor="ctr" anchorCtr="0"/>
+              <a:bodyPr rtlCol="0" anchor="ctr"/>
               <a:lstStyle/>
               <a:p>
                 <a:pPr algn="ctr"/>
-                <a:r>
-                  <a:rPr lang="ko-KR" altLang="en-US" dirty="0"/>
-                  <a:t>주관식 창</a:t>
-                </a:r>
-                <a:endParaRPr lang="en-US" altLang="ko-KR" dirty="0"/>
+                <a:endParaRPr lang="ko-KR" altLang="en-US"/>
               </a:p>
             </p:txBody>
           </p:sp>
           <p:sp>
             <p:nvSpPr>
-              <p:cNvPr id="186" name="타원 185">
+              <p:cNvPr id="14" name="사각형: 둥근 모서리 13">
                 <a:extLst>
                   <a:ext uri="{FF2B5EF4-FFF2-40B4-BE49-F238E27FC236}">
-                    <a16:creationId xmlns:a16="http://schemas.microsoft.com/office/drawing/2014/main" id="{F6025C50-6854-458F-B457-7486B5A858CA}"/>
+                    <a16:creationId xmlns:a16="http://schemas.microsoft.com/office/drawing/2014/main" id="{CC9B4577-6CDB-48B4-B620-42E83AAB0FA0}"/>
                   </a:ext>
                 </a:extLst>
               </p:cNvPr>
@@ -5352,10 +5396,10 @@
             </p:nvSpPr>
             <p:spPr>
               <a:xfrm>
-                <a:off x="1145997" y="1883015"/>
-                <a:ext cx="635412" cy="467252"/>
+                <a:off x="2950808" y="5467435"/>
+                <a:ext cx="457021" cy="429133"/>
               </a:xfrm>
-              <a:prstGeom prst="ellipse">
+              <a:prstGeom prst="roundRect">
                 <a:avLst/>
               </a:prstGeom>
             </p:spPr>
@@ -5380,69 +5424,98 @@
               <a:lstStyle/>
               <a:p>
                 <a:pPr algn="ctr"/>
-                <a:r>
-                  <a:rPr lang="ko-KR" altLang="en-US" sz="1000" dirty="0"/>
-                  <a:t>설정</a:t>
-                </a:r>
-              </a:p>
-            </p:txBody>
-          </p:sp>
-          <p:sp>
-            <p:nvSpPr>
-              <p:cNvPr id="187" name="타원 186">
-                <a:extLst>
-                  <a:ext uri="{FF2B5EF4-FFF2-40B4-BE49-F238E27FC236}">
-                    <a16:creationId xmlns:a16="http://schemas.microsoft.com/office/drawing/2014/main" id="{B863609C-6DA6-4DDB-BF68-839C9BF1A6B0}"/>
-                  </a:ext>
-                </a:extLst>
-              </p:cNvPr>
-              <p:cNvSpPr/>
-              <p:nvPr/>
-            </p:nvSpPr>
-            <p:spPr>
-              <a:xfrm>
-                <a:off x="1055065" y="2470861"/>
-                <a:ext cx="817277" cy="467252"/>
-              </a:xfrm>
-              <a:prstGeom prst="ellipse">
-                <a:avLst/>
-              </a:prstGeom>
-            </p:spPr>
-            <p:style>
-              <a:lnRef idx="2">
-                <a:schemeClr val="accent1">
-                  <a:shade val="50000"/>
-                </a:schemeClr>
-              </a:lnRef>
-              <a:fillRef idx="1">
-                <a:schemeClr val="accent1"/>
-              </a:fillRef>
-              <a:effectRef idx="0">
-                <a:schemeClr val="accent1"/>
-              </a:effectRef>
-              <a:fontRef idx="minor">
-                <a:schemeClr val="lt1"/>
-              </a:fontRef>
-            </p:style>
-            <p:txBody>
-              <a:bodyPr rtlCol="0" anchor="ctr"/>
-              <a:lstStyle/>
-              <a:p>
-                <a:pPr algn="ctr"/>
-                <a:r>
-                  <a:rPr lang="ko-KR" altLang="en-US" sz="1000" dirty="0"/>
-                  <a:t>주관식</a:t>
-                </a:r>
+                <a:endParaRPr lang="ko-KR" altLang="en-US"/>
               </a:p>
             </p:txBody>
           </p:sp>
         </p:grpSp>
+      </p:grpSp>
+      <p:sp>
+        <p:nvSpPr>
+          <p:cNvPr id="172" name="직사각형 171">
+            <a:extLst>
+              <a:ext uri="{FF2B5EF4-FFF2-40B4-BE49-F238E27FC236}">
+                <a16:creationId xmlns:a16="http://schemas.microsoft.com/office/drawing/2014/main" id="{CA91A1FB-8847-468D-BD09-102B4E3E1624}"/>
+              </a:ext>
+            </a:extLst>
+          </p:cNvPr>
+          <p:cNvSpPr/>
+          <p:nvPr/>
+        </p:nvSpPr>
+        <p:spPr>
+          <a:xfrm>
+            <a:off x="4957804" y="2311103"/>
+            <a:ext cx="2941033" cy="4655127"/>
+          </a:xfrm>
+          <a:prstGeom prst="rect">
+            <a:avLst/>
+          </a:prstGeom>
+          <a:solidFill>
+            <a:schemeClr val="bg1">
+              <a:lumMod val="85000"/>
+            </a:schemeClr>
+          </a:solidFill>
+          <a:ln>
+            <a:noFill/>
+          </a:ln>
+        </p:spPr>
+        <p:style>
+          <a:lnRef idx="1">
+            <a:schemeClr val="accent3"/>
+          </a:lnRef>
+          <a:fillRef idx="2">
+            <a:schemeClr val="accent3"/>
+          </a:fillRef>
+          <a:effectRef idx="1">
+            <a:schemeClr val="accent3"/>
+          </a:effectRef>
+          <a:fontRef idx="minor">
+            <a:schemeClr val="dk1"/>
+          </a:fontRef>
+        </p:style>
+        <p:txBody>
+          <a:bodyPr rtlCol="0" anchor="ctr" anchorCtr="0"/>
+          <a:lstStyle/>
+          <a:p>
+            <a:pPr algn="ctr"/>
+            <a:r>
+              <a:rPr lang="en-US" altLang="ko-KR" dirty="0"/>
+              <a:t>AR </a:t>
+            </a:r>
+            <a:r>
+              <a:rPr lang="ko-KR" altLang="en-US" dirty="0"/>
+              <a:t>화면</a:t>
+            </a:r>
+            <a:endParaRPr lang="en-US" altLang="ko-KR" dirty="0"/>
+          </a:p>
+        </p:txBody>
+      </p:sp>
+      <p:grpSp>
+        <p:nvGrpSpPr>
+          <p:cNvPr id="12" name="그룹 11">
+            <a:extLst>
+              <a:ext uri="{FF2B5EF4-FFF2-40B4-BE49-F238E27FC236}">
+                <a16:creationId xmlns:a16="http://schemas.microsoft.com/office/drawing/2014/main" id="{47BD73DA-DDDF-412C-B707-E688D61B6F85}"/>
+              </a:ext>
+            </a:extLst>
+          </p:cNvPr>
+          <p:cNvGrpSpPr/>
+          <p:nvPr/>
+        </p:nvGrpSpPr>
+        <p:grpSpPr>
+          <a:xfrm>
+            <a:off x="7202270" y="2483347"/>
+            <a:ext cx="2954271" cy="4654561"/>
+            <a:chOff x="684212" y="1092824"/>
+            <a:chExt cx="2954271" cy="4654561"/>
+          </a:xfrm>
+        </p:grpSpPr>
         <p:sp>
           <p:nvSpPr>
-            <p:cNvPr id="184" name="타원 183">
+            <p:cNvPr id="155" name="직사각형 154">
               <a:extLst>
                 <a:ext uri="{FF2B5EF4-FFF2-40B4-BE49-F238E27FC236}">
-                  <a16:creationId xmlns:a16="http://schemas.microsoft.com/office/drawing/2014/main" id="{81C0B2C3-2C31-488E-BC5C-81D649D91ADA}"/>
+                  <a16:creationId xmlns:a16="http://schemas.microsoft.com/office/drawing/2014/main" id="{B2F6E63F-8D35-4BB6-933E-A0E982AB85BD}"/>
                 </a:ext>
               </a:extLst>
             </p:cNvPr>
@@ -5451,341 +5524,8 @@
           </p:nvSpPr>
           <p:spPr>
             <a:xfrm>
-              <a:off x="1034342" y="2776324"/>
-              <a:ext cx="817277" cy="506475"/>
-            </a:xfrm>
-            <a:prstGeom prst="ellipse">
-              <a:avLst/>
-            </a:prstGeom>
-          </p:spPr>
-          <p:style>
-            <a:lnRef idx="2">
-              <a:schemeClr val="accent1">
-                <a:shade val="50000"/>
-              </a:schemeClr>
-            </a:lnRef>
-            <a:fillRef idx="1">
-              <a:schemeClr val="accent1"/>
-            </a:fillRef>
-            <a:effectRef idx="0">
-              <a:schemeClr val="accent1"/>
-            </a:effectRef>
-            <a:fontRef idx="minor">
-              <a:schemeClr val="lt1"/>
-            </a:fontRef>
-          </p:style>
-          <p:txBody>
-            <a:bodyPr rtlCol="0" anchor="ctr"/>
-            <a:lstStyle/>
-            <a:p>
-              <a:pPr algn="ctr"/>
-              <a:r>
-                <a:rPr lang="en-US" altLang="ko-KR" sz="1000" dirty="0"/>
-                <a:t>QR</a:t>
-              </a:r>
-            </a:p>
-            <a:p>
-              <a:pPr algn="ctr"/>
-              <a:r>
-                <a:rPr lang="ko-KR" altLang="en-US" sz="1000" dirty="0"/>
-                <a:t>코드</a:t>
-              </a:r>
-            </a:p>
-          </p:txBody>
-        </p:sp>
-      </p:grpSp>
-      <p:grpSp>
-        <p:nvGrpSpPr>
-          <p:cNvPr id="176" name="그룹 175">
-            <a:extLst>
-              <a:ext uri="{FF2B5EF4-FFF2-40B4-BE49-F238E27FC236}">
-                <a16:creationId xmlns:a16="http://schemas.microsoft.com/office/drawing/2014/main" id="{7C55BA27-FA6A-48DA-96AF-09F4D2E38AEF}"/>
-              </a:ext>
-            </a:extLst>
-          </p:cNvPr>
-          <p:cNvGrpSpPr/>
-          <p:nvPr/>
-        </p:nvGrpSpPr>
-        <p:grpSpPr>
-          <a:xfrm>
-            <a:off x="5673329" y="2126095"/>
-            <a:ext cx="2949462" cy="4655126"/>
-            <a:chOff x="985814" y="1109819"/>
-            <a:chExt cx="2949462" cy="4655126"/>
-          </a:xfrm>
-        </p:grpSpPr>
-        <p:grpSp>
-          <p:nvGrpSpPr>
-            <p:cNvPr id="169" name="그룹 168">
-              <a:extLst>
-                <a:ext uri="{FF2B5EF4-FFF2-40B4-BE49-F238E27FC236}">
-                  <a16:creationId xmlns:a16="http://schemas.microsoft.com/office/drawing/2014/main" id="{8BD5794D-D041-40EF-AFA0-CCE8E3B58CC6}"/>
-                </a:ext>
-              </a:extLst>
-            </p:cNvPr>
-            <p:cNvGrpSpPr/>
-            <p:nvPr/>
-          </p:nvGrpSpPr>
-          <p:grpSpPr>
-            <a:xfrm>
-              <a:off x="985814" y="1109819"/>
-              <a:ext cx="2949462" cy="4655126"/>
-              <a:chOff x="1006537" y="1471749"/>
-              <a:chExt cx="2949462" cy="4294621"/>
-            </a:xfrm>
-          </p:grpSpPr>
-          <p:sp>
-            <p:nvSpPr>
-              <p:cNvPr id="172" name="직사각형 171">
-                <a:extLst>
-                  <a:ext uri="{FF2B5EF4-FFF2-40B4-BE49-F238E27FC236}">
-                    <a16:creationId xmlns:a16="http://schemas.microsoft.com/office/drawing/2014/main" id="{CA91A1FB-8847-468D-BD09-102B4E3E1624}"/>
-                  </a:ext>
-                </a:extLst>
-              </p:cNvPr>
-              <p:cNvSpPr/>
-              <p:nvPr/>
-            </p:nvSpPr>
-            <p:spPr>
-              <a:xfrm>
-                <a:off x="1006537" y="1471749"/>
-                <a:ext cx="2949462" cy="4294621"/>
-              </a:xfrm>
-              <a:prstGeom prst="rect">
-                <a:avLst/>
-              </a:prstGeom>
-              <a:solidFill>
-                <a:schemeClr val="bg1">
-                  <a:lumMod val="85000"/>
-                </a:schemeClr>
-              </a:solidFill>
-              <a:ln>
-                <a:noFill/>
-              </a:ln>
-            </p:spPr>
-            <p:style>
-              <a:lnRef idx="1">
-                <a:schemeClr val="accent3"/>
-              </a:lnRef>
-              <a:fillRef idx="2">
-                <a:schemeClr val="accent3"/>
-              </a:fillRef>
-              <a:effectRef idx="1">
-                <a:schemeClr val="accent3"/>
-              </a:effectRef>
-              <a:fontRef idx="minor">
-                <a:schemeClr val="dk1"/>
-              </a:fontRef>
-            </p:style>
-            <p:txBody>
-              <a:bodyPr rtlCol="0" anchor="ctr" anchorCtr="0"/>
-              <a:lstStyle/>
-              <a:p>
-                <a:pPr algn="ctr"/>
-                <a:r>
-                  <a:rPr lang="en-US" altLang="ko-KR" dirty="0"/>
-                  <a:t>AR </a:t>
-                </a:r>
-                <a:r>
-                  <a:rPr lang="ko-KR" altLang="en-US" dirty="0"/>
-                  <a:t>화면</a:t>
-                </a:r>
-                <a:endParaRPr lang="en-US" altLang="ko-KR" dirty="0"/>
-              </a:p>
-            </p:txBody>
-          </p:sp>
-          <p:sp>
-            <p:nvSpPr>
-              <p:cNvPr id="173" name="타원 172">
-                <a:extLst>
-                  <a:ext uri="{FF2B5EF4-FFF2-40B4-BE49-F238E27FC236}">
-                    <a16:creationId xmlns:a16="http://schemas.microsoft.com/office/drawing/2014/main" id="{A91719C6-CDDD-437E-B7E6-989A08278A8E}"/>
-                  </a:ext>
-                </a:extLst>
-              </p:cNvPr>
-              <p:cNvSpPr/>
-              <p:nvPr/>
-            </p:nvSpPr>
-            <p:spPr>
-              <a:xfrm>
-                <a:off x="1145997" y="1883015"/>
-                <a:ext cx="635412" cy="467252"/>
-              </a:xfrm>
-              <a:prstGeom prst="ellipse">
-                <a:avLst/>
-              </a:prstGeom>
-            </p:spPr>
-            <p:style>
-              <a:lnRef idx="2">
-                <a:schemeClr val="accent1">
-                  <a:shade val="50000"/>
-                </a:schemeClr>
-              </a:lnRef>
-              <a:fillRef idx="1">
-                <a:schemeClr val="accent1"/>
-              </a:fillRef>
-              <a:effectRef idx="0">
-                <a:schemeClr val="accent1"/>
-              </a:effectRef>
-              <a:fontRef idx="minor">
-                <a:schemeClr val="lt1"/>
-              </a:fontRef>
-            </p:style>
-            <p:txBody>
-              <a:bodyPr rtlCol="0" anchor="ctr"/>
-              <a:lstStyle/>
-              <a:p>
-                <a:pPr algn="ctr"/>
-                <a:r>
-                  <a:rPr lang="ko-KR" altLang="en-US" sz="1000" dirty="0"/>
-                  <a:t>설정</a:t>
-                </a:r>
-              </a:p>
-            </p:txBody>
-          </p:sp>
-          <p:sp>
-            <p:nvSpPr>
-              <p:cNvPr id="174" name="타원 173">
-                <a:extLst>
-                  <a:ext uri="{FF2B5EF4-FFF2-40B4-BE49-F238E27FC236}">
-                    <a16:creationId xmlns:a16="http://schemas.microsoft.com/office/drawing/2014/main" id="{ECB7BB7A-E6F4-4E24-9A66-D4BF7E4C10DD}"/>
-                  </a:ext>
-                </a:extLst>
-              </p:cNvPr>
-              <p:cNvSpPr/>
-              <p:nvPr/>
-            </p:nvSpPr>
-            <p:spPr>
-              <a:xfrm>
-                <a:off x="1055065" y="2470861"/>
-                <a:ext cx="817277" cy="467252"/>
-              </a:xfrm>
-              <a:prstGeom prst="ellipse">
-                <a:avLst/>
-              </a:prstGeom>
-            </p:spPr>
-            <p:style>
-              <a:lnRef idx="2">
-                <a:schemeClr val="accent1">
-                  <a:shade val="50000"/>
-                </a:schemeClr>
-              </a:lnRef>
-              <a:fillRef idx="1">
-                <a:schemeClr val="accent1"/>
-              </a:fillRef>
-              <a:effectRef idx="0">
-                <a:schemeClr val="accent1"/>
-              </a:effectRef>
-              <a:fontRef idx="minor">
-                <a:schemeClr val="lt1"/>
-              </a:fontRef>
-            </p:style>
-            <p:txBody>
-              <a:bodyPr rtlCol="0" anchor="ctr"/>
-              <a:lstStyle/>
-              <a:p>
-                <a:pPr algn="ctr"/>
-                <a:r>
-                  <a:rPr lang="ko-KR" altLang="en-US" sz="1000" dirty="0"/>
-                  <a:t>주관식</a:t>
-                </a:r>
-              </a:p>
-            </p:txBody>
-          </p:sp>
-        </p:grpSp>
-        <p:sp>
-          <p:nvSpPr>
-            <p:cNvPr id="175" name="타원 174">
-              <a:extLst>
-                <a:ext uri="{FF2B5EF4-FFF2-40B4-BE49-F238E27FC236}">
-                  <a16:creationId xmlns:a16="http://schemas.microsoft.com/office/drawing/2014/main" id="{D5B12138-BAA3-4A11-8359-FB9A1426E405}"/>
-                </a:ext>
-              </a:extLst>
-            </p:cNvPr>
-            <p:cNvSpPr/>
-            <p:nvPr/>
-          </p:nvSpPr>
-          <p:spPr>
-            <a:xfrm>
-              <a:off x="1034342" y="2776324"/>
-              <a:ext cx="817277" cy="506475"/>
-            </a:xfrm>
-            <a:prstGeom prst="ellipse">
-              <a:avLst/>
-            </a:prstGeom>
-          </p:spPr>
-          <p:style>
-            <a:lnRef idx="2">
-              <a:schemeClr val="accent1">
-                <a:shade val="50000"/>
-              </a:schemeClr>
-            </a:lnRef>
-            <a:fillRef idx="1">
-              <a:schemeClr val="accent1"/>
-            </a:fillRef>
-            <a:effectRef idx="0">
-              <a:schemeClr val="accent1"/>
-            </a:effectRef>
-            <a:fontRef idx="minor">
-              <a:schemeClr val="lt1"/>
-            </a:fontRef>
-          </p:style>
-          <p:txBody>
-            <a:bodyPr rtlCol="0" anchor="ctr"/>
-            <a:lstStyle/>
-            <a:p>
-              <a:pPr algn="ctr"/>
-              <a:r>
-                <a:rPr lang="en-US" altLang="ko-KR" sz="1000" dirty="0"/>
-                <a:t>QR</a:t>
-              </a:r>
-            </a:p>
-            <a:p>
-              <a:pPr algn="ctr"/>
-              <a:r>
-                <a:rPr lang="ko-KR" altLang="en-US" sz="1000" dirty="0"/>
-                <a:t>코드</a:t>
-              </a:r>
-            </a:p>
-          </p:txBody>
-        </p:sp>
-      </p:grpSp>
-      <p:grpSp>
-        <p:nvGrpSpPr>
-          <p:cNvPr id="157" name="그룹 156">
-            <a:extLst>
-              <a:ext uri="{FF2B5EF4-FFF2-40B4-BE49-F238E27FC236}">
-                <a16:creationId xmlns:a16="http://schemas.microsoft.com/office/drawing/2014/main" id="{082627BB-5167-4154-8510-6E0831BE3740}"/>
-              </a:ext>
-            </a:extLst>
-          </p:cNvPr>
-          <p:cNvGrpSpPr/>
-          <p:nvPr/>
-        </p:nvGrpSpPr>
-        <p:grpSpPr>
-          <a:xfrm>
-            <a:off x="6963182" y="2137767"/>
-            <a:ext cx="2951017" cy="4654561"/>
-            <a:chOff x="1004982" y="1111809"/>
-            <a:chExt cx="2951017" cy="4654561"/>
-          </a:xfrm>
-        </p:grpSpPr>
-        <p:sp>
-          <p:nvSpPr>
-            <p:cNvPr id="158" name="직사각형 157">
-              <a:extLst>
-                <a:ext uri="{FF2B5EF4-FFF2-40B4-BE49-F238E27FC236}">
-                  <a16:creationId xmlns:a16="http://schemas.microsoft.com/office/drawing/2014/main" id="{44C6A8F8-EC17-48F3-901B-B1E9257BC7A6}"/>
-                </a:ext>
-              </a:extLst>
-            </p:cNvPr>
-            <p:cNvSpPr/>
-            <p:nvPr/>
-          </p:nvSpPr>
-          <p:spPr>
-            <a:xfrm>
-              <a:off x="2072640" y="1111809"/>
-              <a:ext cx="1067658" cy="423634"/>
+              <a:off x="2152649" y="1092824"/>
+              <a:ext cx="1481027" cy="359940"/>
             </a:xfrm>
             <a:prstGeom prst="rect">
               <a:avLst/>
@@ -5819,302 +5559,7 @@
             <a:p>
               <a:pPr algn="ctr"/>
               <a:r>
-                <a:rPr lang="en-US" altLang="ko-KR"/>
-                <a:t>QR </a:t>
-              </a:r>
-              <a:r>
-                <a:rPr lang="ko-KR" altLang="en-US" dirty="0"/>
-                <a:t>코드</a:t>
-              </a:r>
-              <a:endParaRPr lang="en-US" altLang="ko-KR" dirty="0"/>
-            </a:p>
-          </p:txBody>
-        </p:sp>
-        <p:sp>
-          <p:nvSpPr>
-            <p:cNvPr id="159" name="직사각형 158">
-              <a:extLst>
-                <a:ext uri="{FF2B5EF4-FFF2-40B4-BE49-F238E27FC236}">
-                  <a16:creationId xmlns:a16="http://schemas.microsoft.com/office/drawing/2014/main" id="{6C879087-6758-46F6-A71C-325E4A3A6B62}"/>
-                </a:ext>
-              </a:extLst>
-            </p:cNvPr>
-            <p:cNvSpPr/>
-            <p:nvPr/>
-          </p:nvSpPr>
-          <p:spPr>
-            <a:xfrm>
-              <a:off x="1004982" y="1111809"/>
-              <a:ext cx="1067658" cy="423634"/>
-            </a:xfrm>
-            <a:prstGeom prst="rect">
-              <a:avLst/>
-            </a:prstGeom>
-            <a:solidFill>
-              <a:schemeClr val="bg1">
-                <a:lumMod val="85000"/>
-              </a:schemeClr>
-            </a:solidFill>
-            <a:ln>
-              <a:noFill/>
-            </a:ln>
-          </p:spPr>
-          <p:style>
-            <a:lnRef idx="1">
-              <a:schemeClr val="accent3"/>
-            </a:lnRef>
-            <a:fillRef idx="2">
-              <a:schemeClr val="accent3"/>
-            </a:fillRef>
-            <a:effectRef idx="1">
-              <a:schemeClr val="accent3"/>
-            </a:effectRef>
-            <a:fontRef idx="minor">
-              <a:schemeClr val="dk1"/>
-            </a:fontRef>
-          </p:style>
-          <p:txBody>
-            <a:bodyPr rtlCol="0" anchor="ctr" anchorCtr="0"/>
-            <a:lstStyle/>
-            <a:p>
-              <a:pPr algn="ctr"/>
-              <a:r>
                 <a:rPr lang="en-US" altLang="ko-KR" dirty="0"/>
-                <a:t>AR </a:t>
-              </a:r>
-              <a:r>
-                <a:rPr lang="ko-KR" altLang="en-US" dirty="0"/>
-                <a:t>화면</a:t>
-              </a:r>
-              <a:endParaRPr lang="en-US" altLang="ko-KR" dirty="0"/>
-            </a:p>
-          </p:txBody>
-        </p:sp>
-        <p:sp>
-          <p:nvSpPr>
-            <p:cNvPr id="160" name="직사각형 159">
-              <a:extLst>
-                <a:ext uri="{FF2B5EF4-FFF2-40B4-BE49-F238E27FC236}">
-                  <a16:creationId xmlns:a16="http://schemas.microsoft.com/office/drawing/2014/main" id="{B39179AC-AD7F-47B0-B12D-0A7175ACDB39}"/>
-                </a:ext>
-              </a:extLst>
-            </p:cNvPr>
-            <p:cNvSpPr/>
-            <p:nvPr/>
-          </p:nvSpPr>
-          <p:spPr>
-            <a:xfrm>
-              <a:off x="1006537" y="1471749"/>
-              <a:ext cx="2949462" cy="4294621"/>
-            </a:xfrm>
-            <a:prstGeom prst="rect">
-              <a:avLst/>
-            </a:prstGeom>
-            <a:solidFill>
-              <a:schemeClr val="bg1">
-                <a:lumMod val="95000"/>
-              </a:schemeClr>
-            </a:solidFill>
-            <a:ln>
-              <a:noFill/>
-            </a:ln>
-          </p:spPr>
-          <p:style>
-            <a:lnRef idx="1">
-              <a:schemeClr val="accent3"/>
-            </a:lnRef>
-            <a:fillRef idx="2">
-              <a:schemeClr val="accent3"/>
-            </a:fillRef>
-            <a:effectRef idx="1">
-              <a:schemeClr val="accent3"/>
-            </a:effectRef>
-            <a:fontRef idx="minor">
-              <a:schemeClr val="dk1"/>
-            </a:fontRef>
-          </p:style>
-          <p:txBody>
-            <a:bodyPr rtlCol="0" anchor="ctr" anchorCtr="0"/>
-            <a:lstStyle/>
-            <a:p>
-              <a:pPr algn="ctr"/>
-              <a:r>
-                <a:rPr lang="ko-KR" altLang="en-US"/>
-                <a:t>주관식 창</a:t>
-              </a:r>
-              <a:endParaRPr lang="en-US" altLang="ko-KR" dirty="0"/>
-            </a:p>
-          </p:txBody>
-        </p:sp>
-        <p:sp>
-          <p:nvSpPr>
-            <p:cNvPr id="161" name="타원 160">
-              <a:extLst>
-                <a:ext uri="{FF2B5EF4-FFF2-40B4-BE49-F238E27FC236}">
-                  <a16:creationId xmlns:a16="http://schemas.microsoft.com/office/drawing/2014/main" id="{79B0961E-5927-419E-96DA-C7507E36399A}"/>
-                </a:ext>
-              </a:extLst>
-            </p:cNvPr>
-            <p:cNvSpPr/>
-            <p:nvPr/>
-          </p:nvSpPr>
-          <p:spPr>
-            <a:xfrm>
-              <a:off x="1145997" y="1883015"/>
-              <a:ext cx="635412" cy="467252"/>
-            </a:xfrm>
-            <a:prstGeom prst="ellipse">
-              <a:avLst/>
-            </a:prstGeom>
-          </p:spPr>
-          <p:style>
-            <a:lnRef idx="2">
-              <a:schemeClr val="accent1">
-                <a:shade val="50000"/>
-              </a:schemeClr>
-            </a:lnRef>
-            <a:fillRef idx="1">
-              <a:schemeClr val="accent1"/>
-            </a:fillRef>
-            <a:effectRef idx="0">
-              <a:schemeClr val="accent1"/>
-            </a:effectRef>
-            <a:fontRef idx="minor">
-              <a:schemeClr val="lt1"/>
-            </a:fontRef>
-          </p:style>
-          <p:txBody>
-            <a:bodyPr rtlCol="0" anchor="ctr"/>
-            <a:lstStyle/>
-            <a:p>
-              <a:pPr algn="ctr"/>
-              <a:r>
-                <a:rPr lang="ko-KR" altLang="en-US" sz="1000" dirty="0"/>
-                <a:t>설정</a:t>
-              </a:r>
-            </a:p>
-          </p:txBody>
-        </p:sp>
-        <p:sp>
-          <p:nvSpPr>
-            <p:cNvPr id="162" name="타원 161">
-              <a:extLst>
-                <a:ext uri="{FF2B5EF4-FFF2-40B4-BE49-F238E27FC236}">
-                  <a16:creationId xmlns:a16="http://schemas.microsoft.com/office/drawing/2014/main" id="{E7A4698E-2DBA-4B1F-9618-A98AC19783D9}"/>
-                </a:ext>
-              </a:extLst>
-            </p:cNvPr>
-            <p:cNvSpPr/>
-            <p:nvPr/>
-          </p:nvSpPr>
-          <p:spPr>
-            <a:xfrm>
-              <a:off x="1055065" y="2470861"/>
-              <a:ext cx="817277" cy="467252"/>
-            </a:xfrm>
-            <a:prstGeom prst="ellipse">
-              <a:avLst/>
-            </a:prstGeom>
-          </p:spPr>
-          <p:style>
-            <a:lnRef idx="2">
-              <a:schemeClr val="accent1">
-                <a:shade val="50000"/>
-              </a:schemeClr>
-            </a:lnRef>
-            <a:fillRef idx="1">
-              <a:schemeClr val="accent1"/>
-            </a:fillRef>
-            <a:effectRef idx="0">
-              <a:schemeClr val="accent1"/>
-            </a:effectRef>
-            <a:fontRef idx="minor">
-              <a:schemeClr val="lt1"/>
-            </a:fontRef>
-          </p:style>
-          <p:txBody>
-            <a:bodyPr rtlCol="0" anchor="ctr"/>
-            <a:lstStyle/>
-            <a:p>
-              <a:pPr algn="ctr"/>
-              <a:r>
-                <a:rPr lang="ko-KR" altLang="en-US" sz="1000" dirty="0"/>
-                <a:t>주관식</a:t>
-              </a:r>
-            </a:p>
-          </p:txBody>
-        </p:sp>
-      </p:grpSp>
-      <p:grpSp>
-        <p:nvGrpSpPr>
-          <p:cNvPr id="156" name="그룹 155">
-            <a:extLst>
-              <a:ext uri="{FF2B5EF4-FFF2-40B4-BE49-F238E27FC236}">
-                <a16:creationId xmlns:a16="http://schemas.microsoft.com/office/drawing/2014/main" id="{3C0E1063-EF28-4AEA-A75B-A137CD429A16}"/>
-              </a:ext>
-            </a:extLst>
-          </p:cNvPr>
-          <p:cNvGrpSpPr/>
-          <p:nvPr/>
-        </p:nvGrpSpPr>
-        <p:grpSpPr>
-          <a:xfrm>
-            <a:off x="9071915" y="2126660"/>
-            <a:ext cx="2951017" cy="4654561"/>
-            <a:chOff x="1004982" y="1111809"/>
-            <a:chExt cx="2951017" cy="4654561"/>
-          </a:xfrm>
-        </p:grpSpPr>
-        <p:sp>
-          <p:nvSpPr>
-            <p:cNvPr id="155" name="직사각형 154">
-              <a:extLst>
-                <a:ext uri="{FF2B5EF4-FFF2-40B4-BE49-F238E27FC236}">
-                  <a16:creationId xmlns:a16="http://schemas.microsoft.com/office/drawing/2014/main" id="{B2F6E63F-8D35-4BB6-933E-A0E982AB85BD}"/>
-                </a:ext>
-              </a:extLst>
-            </p:cNvPr>
-            <p:cNvSpPr/>
-            <p:nvPr/>
-          </p:nvSpPr>
-          <p:spPr>
-            <a:xfrm>
-              <a:off x="2072640" y="1111809"/>
-              <a:ext cx="1067658" cy="423634"/>
-            </a:xfrm>
-            <a:prstGeom prst="rect">
-              <a:avLst/>
-            </a:prstGeom>
-            <a:solidFill>
-              <a:schemeClr val="bg1">
-                <a:lumMod val="65000"/>
-              </a:schemeClr>
-            </a:solidFill>
-            <a:ln>
-              <a:noFill/>
-            </a:ln>
-          </p:spPr>
-          <p:style>
-            <a:lnRef idx="1">
-              <a:schemeClr val="accent3"/>
-            </a:lnRef>
-            <a:fillRef idx="2">
-              <a:schemeClr val="accent3"/>
-            </a:fillRef>
-            <a:effectRef idx="1">
-              <a:schemeClr val="accent3"/>
-            </a:effectRef>
-            <a:fontRef idx="minor">
-              <a:schemeClr val="dk1"/>
-            </a:fontRef>
-          </p:style>
-          <p:txBody>
-            <a:bodyPr rtlCol="0" anchor="ctr" anchorCtr="0"/>
-            <a:lstStyle/>
-            <a:p>
-              <a:pPr algn="ctr"/>
-              <a:r>
-                <a:rPr lang="en-US" altLang="ko-KR"/>
                 <a:t>QR </a:t>
               </a:r>
               <a:r>
@@ -6139,8 +5584,8 @@
           </p:nvSpPr>
           <p:spPr>
             <a:xfrm>
-              <a:off x="1004982" y="1111809"/>
-              <a:ext cx="1067658" cy="423634"/>
+              <a:off x="684212" y="1092824"/>
+              <a:ext cx="1468437" cy="359940"/>
             </a:xfrm>
             <a:prstGeom prst="rect">
               <a:avLst/>
@@ -6199,7 +5644,7 @@
           </p:nvSpPr>
           <p:spPr>
             <a:xfrm>
-              <a:off x="1006537" y="1471749"/>
+              <a:off x="689021" y="1452764"/>
               <a:ext cx="2949462" cy="4294621"/>
             </a:xfrm>
             <a:prstGeom prst="rect">
@@ -6245,104 +5690,6 @@
             </a:p>
           </p:txBody>
         </p:sp>
-        <p:sp>
-          <p:nvSpPr>
-            <p:cNvPr id="152" name="타원 151">
-              <a:extLst>
-                <a:ext uri="{FF2B5EF4-FFF2-40B4-BE49-F238E27FC236}">
-                  <a16:creationId xmlns:a16="http://schemas.microsoft.com/office/drawing/2014/main" id="{C2D81988-C654-4F7A-A601-65C55D4F0498}"/>
-                </a:ext>
-              </a:extLst>
-            </p:cNvPr>
-            <p:cNvSpPr/>
-            <p:nvPr/>
-          </p:nvSpPr>
-          <p:spPr>
-            <a:xfrm>
-              <a:off x="1145997" y="1883015"/>
-              <a:ext cx="635412" cy="467252"/>
-            </a:xfrm>
-            <a:prstGeom prst="ellipse">
-              <a:avLst/>
-            </a:prstGeom>
-          </p:spPr>
-          <p:style>
-            <a:lnRef idx="2">
-              <a:schemeClr val="accent1">
-                <a:shade val="50000"/>
-              </a:schemeClr>
-            </a:lnRef>
-            <a:fillRef idx="1">
-              <a:schemeClr val="accent1"/>
-            </a:fillRef>
-            <a:effectRef idx="0">
-              <a:schemeClr val="accent1"/>
-            </a:effectRef>
-            <a:fontRef idx="minor">
-              <a:schemeClr val="lt1"/>
-            </a:fontRef>
-          </p:style>
-          <p:txBody>
-            <a:bodyPr rtlCol="0" anchor="ctr"/>
-            <a:lstStyle/>
-            <a:p>
-              <a:pPr algn="ctr"/>
-              <a:r>
-                <a:rPr lang="ko-KR" altLang="en-US" sz="1000" dirty="0"/>
-                <a:t>설정</a:t>
-              </a:r>
-            </a:p>
-          </p:txBody>
-        </p:sp>
-        <p:sp>
-          <p:nvSpPr>
-            <p:cNvPr id="154" name="타원 153">
-              <a:extLst>
-                <a:ext uri="{FF2B5EF4-FFF2-40B4-BE49-F238E27FC236}">
-                  <a16:creationId xmlns:a16="http://schemas.microsoft.com/office/drawing/2014/main" id="{74C36AD7-C793-4A42-A002-62ECB67519DA}"/>
-                </a:ext>
-              </a:extLst>
-            </p:cNvPr>
-            <p:cNvSpPr/>
-            <p:nvPr/>
-          </p:nvSpPr>
-          <p:spPr>
-            <a:xfrm>
-              <a:off x="1055065" y="2470861"/>
-              <a:ext cx="817277" cy="467252"/>
-            </a:xfrm>
-            <a:prstGeom prst="ellipse">
-              <a:avLst/>
-            </a:prstGeom>
-          </p:spPr>
-          <p:style>
-            <a:lnRef idx="2">
-              <a:schemeClr val="accent1">
-                <a:shade val="50000"/>
-              </a:schemeClr>
-            </a:lnRef>
-            <a:fillRef idx="1">
-              <a:schemeClr val="accent1"/>
-            </a:fillRef>
-            <a:effectRef idx="0">
-              <a:schemeClr val="accent1"/>
-            </a:effectRef>
-            <a:fontRef idx="minor">
-              <a:schemeClr val="lt1"/>
-            </a:fontRef>
-          </p:style>
-          <p:txBody>
-            <a:bodyPr rtlCol="0" anchor="ctr"/>
-            <a:lstStyle/>
-            <a:p>
-              <a:pPr algn="ctr"/>
-              <a:r>
-                <a:rPr lang="ko-KR" altLang="en-US" sz="1000" dirty="0"/>
-                <a:t>주관식</a:t>
-              </a:r>
-            </a:p>
-          </p:txBody>
-        </p:sp>
       </p:grpSp>
       <p:sp>
         <p:nvSpPr>
@@ -6358,7 +5705,7 @@
         </p:nvSpPr>
         <p:spPr>
           <a:xfrm>
-            <a:off x="1004982" y="1118122"/>
+            <a:off x="684213" y="1092258"/>
             <a:ext cx="2951017" cy="4655127"/>
           </a:xfrm>
           <a:prstGeom prst="rect">
@@ -6410,8 +5757,8 @@
         </p:nvSpPr>
         <p:spPr>
           <a:xfrm>
-            <a:off x="1715747" y="461947"/>
-            <a:ext cx="1420582" cy="369332"/>
+            <a:off x="7695142" y="190697"/>
+            <a:ext cx="1189749" cy="369332"/>
           </a:xfrm>
           <a:prstGeom prst="rect">
             <a:avLst/>
@@ -6426,7 +5773,7 @@
           <a:p>
             <a:r>
               <a:rPr lang="ko-KR" altLang="en-US" dirty="0"/>
-              <a:t>실시간 랭킹</a:t>
+              <a:t>메인 메뉴</a:t>
             </a:r>
           </a:p>
         </p:txBody>
@@ -6445,7 +5792,7 @@
         </p:nvGrpSpPr>
         <p:grpSpPr>
           <a:xfrm>
-            <a:off x="8513322" y="304594"/>
+            <a:off x="7561564" y="938137"/>
             <a:ext cx="1978169" cy="2201138"/>
             <a:chOff x="2960543" y="2767444"/>
             <a:chExt cx="1978169" cy="2201138"/>
@@ -6595,6 +5942,125 @@
               <a:r>
                 <a:rPr lang="ko-KR" altLang="en-US" dirty="0"/>
                 <a:t>역대 기록 버튼</a:t>
+              </a:r>
+              <a:endParaRPr lang="en-US" altLang="ko-KR" dirty="0"/>
+            </a:p>
+          </p:txBody>
+        </p:sp>
+      </p:grpSp>
+      <p:grpSp>
+        <p:nvGrpSpPr>
+          <p:cNvPr id="128" name="그룹 127">
+            <a:extLst>
+              <a:ext uri="{FF2B5EF4-FFF2-40B4-BE49-F238E27FC236}">
+                <a16:creationId xmlns:a16="http://schemas.microsoft.com/office/drawing/2014/main" id="{44DB481A-101A-4349-A1F0-B0D57AB4E857}"/>
+              </a:ext>
+            </a:extLst>
+          </p:cNvPr>
+          <p:cNvGrpSpPr/>
+          <p:nvPr/>
+        </p:nvGrpSpPr>
+        <p:grpSpPr>
+          <a:xfrm>
+            <a:off x="6334448" y="4185632"/>
+            <a:ext cx="2930400" cy="2376477"/>
+            <a:chOff x="4487829" y="2378316"/>
+            <a:chExt cx="2494312" cy="2663072"/>
+          </a:xfrm>
+        </p:grpSpPr>
+        <p:sp>
+          <p:nvSpPr>
+            <p:cNvPr id="126" name="직사각형 125">
+              <a:extLst>
+                <a:ext uri="{FF2B5EF4-FFF2-40B4-BE49-F238E27FC236}">
+                  <a16:creationId xmlns:a16="http://schemas.microsoft.com/office/drawing/2014/main" id="{34AC872F-BC83-4CE2-BA11-9B7705F493FD}"/>
+                </a:ext>
+              </a:extLst>
+            </p:cNvPr>
+            <p:cNvSpPr/>
+            <p:nvPr/>
+          </p:nvSpPr>
+          <p:spPr>
+            <a:xfrm>
+              <a:off x="4487829" y="2378316"/>
+              <a:ext cx="2494312" cy="1331537"/>
+            </a:xfrm>
+            <a:prstGeom prst="rect">
+              <a:avLst/>
+            </a:prstGeom>
+            <a:ln/>
+          </p:spPr>
+          <p:style>
+            <a:lnRef idx="1">
+              <a:schemeClr val="accent3"/>
+            </a:lnRef>
+            <a:fillRef idx="2">
+              <a:schemeClr val="accent3"/>
+            </a:fillRef>
+            <a:effectRef idx="1">
+              <a:schemeClr val="accent3"/>
+            </a:effectRef>
+            <a:fontRef idx="minor">
+              <a:schemeClr val="dk1"/>
+            </a:fontRef>
+          </p:style>
+          <p:txBody>
+            <a:bodyPr rtlCol="0" anchor="ctr" anchorCtr="0"/>
+            <a:lstStyle/>
+            <a:p>
+              <a:pPr algn="ctr"/>
+              <a:r>
+                <a:rPr lang="ko-KR" altLang="en-US" dirty="0"/>
+                <a:t>새내기 대회</a:t>
+              </a:r>
+              <a:endParaRPr lang="en-US" altLang="ko-KR" dirty="0"/>
+            </a:p>
+          </p:txBody>
+        </p:sp>
+        <p:sp>
+          <p:nvSpPr>
+            <p:cNvPr id="127" name="직사각형 126">
+              <a:extLst>
+                <a:ext uri="{FF2B5EF4-FFF2-40B4-BE49-F238E27FC236}">
+                  <a16:creationId xmlns:a16="http://schemas.microsoft.com/office/drawing/2014/main" id="{6AFEF97F-925B-4AEC-ADEC-ECD8A1BD27EC}"/>
+                </a:ext>
+              </a:extLst>
+            </p:cNvPr>
+            <p:cNvSpPr/>
+            <p:nvPr/>
+          </p:nvSpPr>
+          <p:spPr>
+            <a:xfrm>
+              <a:off x="4487829" y="3709852"/>
+              <a:ext cx="2494312" cy="1331536"/>
+            </a:xfrm>
+            <a:prstGeom prst="rect">
+              <a:avLst/>
+            </a:prstGeom>
+            <a:ln/>
+          </p:spPr>
+          <p:style>
+            <a:lnRef idx="1">
+              <a:schemeClr val="accent3"/>
+            </a:lnRef>
+            <a:fillRef idx="2">
+              <a:schemeClr val="accent3"/>
+            </a:fillRef>
+            <a:effectRef idx="1">
+              <a:schemeClr val="accent3"/>
+            </a:effectRef>
+            <a:fontRef idx="minor">
+              <a:schemeClr val="dk1"/>
+            </a:fontRef>
+          </p:style>
+          <p:txBody>
+            <a:bodyPr rtlCol="0" anchor="ctr" anchorCtr="0"/>
+            <a:lstStyle/>
+            <a:p>
+              <a:pPr algn="ctr"/>
+              <a:r>
+                <a:rPr lang="ko-KR" altLang="en-US" dirty="0"/>
+                <a:t>상시 대회</a:t>
               </a:r>
               <a:endParaRPr lang="en-US" altLang="ko-KR" dirty="0"/>
             </a:p>
@@ -7807,181 +7273,41 @@
           </p:txBody>
         </p:sp>
       </p:grpSp>
-      <p:grpSp>
-        <p:nvGrpSpPr>
-          <p:cNvPr id="146" name="그룹 145">
+      <p:sp>
+        <p:nvSpPr>
+          <p:cNvPr id="145" name="TextBox 144">
             <a:extLst>
               <a:ext uri="{FF2B5EF4-FFF2-40B4-BE49-F238E27FC236}">
-                <a16:creationId xmlns:a16="http://schemas.microsoft.com/office/drawing/2014/main" id="{BB46384A-24A9-47C4-A58F-514B81F6E22D}"/>
+                <a16:creationId xmlns:a16="http://schemas.microsoft.com/office/drawing/2014/main" id="{A06A7710-853D-4B13-9DA6-138AEF315F48}"/>
               </a:ext>
             </a:extLst>
           </p:cNvPr>
-          <p:cNvGrpSpPr/>
+          <p:cNvSpPr txBox="1"/>
           <p:nvPr/>
-        </p:nvGrpSpPr>
-        <p:grpSpPr>
+        </p:nvSpPr>
+        <p:spPr>
           <a:xfrm>
-            <a:off x="8377948" y="70091"/>
-            <a:ext cx="2494312" cy="3131643"/>
-            <a:chOff x="4088270" y="2641606"/>
-            <a:chExt cx="2494312" cy="3131643"/>
+            <a:off x="3407287" y="26483"/>
+            <a:ext cx="1189749" cy="369332"/>
           </a:xfrm>
-        </p:grpSpPr>
-        <p:grpSp>
-          <p:nvGrpSpPr>
-            <p:cNvPr id="128" name="그룹 127">
-              <a:extLst>
-                <a:ext uri="{FF2B5EF4-FFF2-40B4-BE49-F238E27FC236}">
-                  <a16:creationId xmlns:a16="http://schemas.microsoft.com/office/drawing/2014/main" id="{44DB481A-101A-4349-A1F0-B0D57AB4E857}"/>
-                </a:ext>
-              </a:extLst>
-            </p:cNvPr>
-            <p:cNvGrpSpPr/>
-            <p:nvPr/>
-          </p:nvGrpSpPr>
-          <p:grpSpPr>
-            <a:xfrm>
-              <a:off x="4088270" y="3110177"/>
-              <a:ext cx="2494312" cy="2663072"/>
-              <a:chOff x="4487829" y="2378316"/>
-              <a:chExt cx="2494312" cy="2663072"/>
-            </a:xfrm>
-          </p:grpSpPr>
-          <p:sp>
-            <p:nvSpPr>
-              <p:cNvPr id="126" name="직사각형 125">
-                <a:extLst>
-                  <a:ext uri="{FF2B5EF4-FFF2-40B4-BE49-F238E27FC236}">
-                    <a16:creationId xmlns:a16="http://schemas.microsoft.com/office/drawing/2014/main" id="{34AC872F-BC83-4CE2-BA11-9B7705F493FD}"/>
-                  </a:ext>
-                </a:extLst>
-              </p:cNvPr>
-              <p:cNvSpPr/>
-              <p:nvPr/>
-            </p:nvSpPr>
-            <p:spPr>
-              <a:xfrm>
-                <a:off x="4487829" y="2378316"/>
-                <a:ext cx="2494312" cy="1331536"/>
-              </a:xfrm>
-              <a:prstGeom prst="rect">
-                <a:avLst/>
-              </a:prstGeom>
-              <a:ln/>
-            </p:spPr>
-            <p:style>
-              <a:lnRef idx="1">
-                <a:schemeClr val="accent3"/>
-              </a:lnRef>
-              <a:fillRef idx="2">
-                <a:schemeClr val="accent3"/>
-              </a:fillRef>
-              <a:effectRef idx="1">
-                <a:schemeClr val="accent3"/>
-              </a:effectRef>
-              <a:fontRef idx="minor">
-                <a:schemeClr val="dk1"/>
-              </a:fontRef>
-            </p:style>
-            <p:txBody>
-              <a:bodyPr rtlCol="0" anchor="ctr" anchorCtr="0"/>
-              <a:lstStyle/>
-              <a:p>
-                <a:pPr algn="ctr"/>
-                <a:r>
-                  <a:rPr lang="ko-KR" altLang="en-US" dirty="0"/>
-                  <a:t>새내기 대회</a:t>
-                </a:r>
-                <a:endParaRPr lang="en-US" altLang="ko-KR" dirty="0"/>
-              </a:p>
-            </p:txBody>
-          </p:sp>
-          <p:sp>
-            <p:nvSpPr>
-              <p:cNvPr id="127" name="직사각형 126">
-                <a:extLst>
-                  <a:ext uri="{FF2B5EF4-FFF2-40B4-BE49-F238E27FC236}">
-                    <a16:creationId xmlns:a16="http://schemas.microsoft.com/office/drawing/2014/main" id="{6AFEF97F-925B-4AEC-ADEC-ECD8A1BD27EC}"/>
-                  </a:ext>
-                </a:extLst>
-              </p:cNvPr>
-              <p:cNvSpPr/>
-              <p:nvPr/>
-            </p:nvSpPr>
-            <p:spPr>
-              <a:xfrm>
-                <a:off x="4487829" y="3709852"/>
-                <a:ext cx="2494312" cy="1331536"/>
-              </a:xfrm>
-              <a:prstGeom prst="rect">
-                <a:avLst/>
-              </a:prstGeom>
-              <a:ln/>
-            </p:spPr>
-            <p:style>
-              <a:lnRef idx="1">
-                <a:schemeClr val="accent3"/>
-              </a:lnRef>
-              <a:fillRef idx="2">
-                <a:schemeClr val="accent3"/>
-              </a:fillRef>
-              <a:effectRef idx="1">
-                <a:schemeClr val="accent3"/>
-              </a:effectRef>
-              <a:fontRef idx="minor">
-                <a:schemeClr val="dk1"/>
-              </a:fontRef>
-            </p:style>
-            <p:txBody>
-              <a:bodyPr rtlCol="0" anchor="ctr" anchorCtr="0"/>
-              <a:lstStyle/>
-              <a:p>
-                <a:pPr algn="ctr"/>
-                <a:r>
-                  <a:rPr lang="ko-KR" altLang="en-US" dirty="0"/>
-                  <a:t>상시 대회</a:t>
-                </a:r>
-                <a:endParaRPr lang="en-US" altLang="ko-KR" dirty="0"/>
-              </a:p>
-            </p:txBody>
-          </p:sp>
-        </p:grpSp>
-        <p:sp>
-          <p:nvSpPr>
-            <p:cNvPr id="145" name="TextBox 144">
-              <a:extLst>
-                <a:ext uri="{FF2B5EF4-FFF2-40B4-BE49-F238E27FC236}">
-                  <a16:creationId xmlns:a16="http://schemas.microsoft.com/office/drawing/2014/main" id="{A06A7710-853D-4B13-9DA6-138AEF315F48}"/>
-                </a:ext>
-              </a:extLst>
-            </p:cNvPr>
-            <p:cNvSpPr txBox="1"/>
-            <p:nvPr/>
-          </p:nvSpPr>
-          <p:spPr>
-            <a:xfrm>
-              <a:off x="4740551" y="2641606"/>
-              <a:ext cx="1189749" cy="369332"/>
-            </a:xfrm>
-            <a:prstGeom prst="rect">
-              <a:avLst/>
-            </a:prstGeom>
-            <a:noFill/>
-          </p:spPr>
-          <p:txBody>
-            <a:bodyPr wrap="none" rtlCol="0">
-              <a:spAutoFit/>
-            </a:bodyPr>
-            <a:lstStyle/>
-            <a:p>
-              <a:r>
-                <a:rPr lang="ko-KR" altLang="en-US" dirty="0"/>
-                <a:t>대회 목록</a:t>
-              </a:r>
-            </a:p>
-          </p:txBody>
-        </p:sp>
-      </p:grpSp>
+          <a:prstGeom prst="rect">
+            <a:avLst/>
+          </a:prstGeom>
+          <a:noFill/>
+        </p:spPr>
+        <p:txBody>
+          <a:bodyPr wrap="none" rtlCol="0">
+            <a:spAutoFit/>
+          </a:bodyPr>
+          <a:lstStyle/>
+          <a:p>
+            <a:r>
+              <a:rPr lang="ko-KR" altLang="en-US" dirty="0"/>
+              <a:t>대회 목록</a:t>
+            </a:r>
+          </a:p>
+        </p:txBody>
+      </p:sp>
       <p:grpSp>
         <p:nvGrpSpPr>
           <p:cNvPr id="135" name="그룹 134">
@@ -7996,8 +7322,8 @@
         </p:nvGrpSpPr>
         <p:grpSpPr>
           <a:xfrm>
-            <a:off x="8320059" y="59884"/>
-            <a:ext cx="2494312" cy="3132238"/>
+            <a:off x="7487718" y="3689126"/>
+            <a:ext cx="2952571" cy="3132238"/>
             <a:chOff x="6910641" y="2641011"/>
             <a:chExt cx="2494312" cy="3132238"/>
           </a:xfrm>
@@ -8036,8 +7362,8 @@
             </p:nvSpPr>
             <p:spPr>
               <a:xfrm>
-                <a:off x="4487829" y="2378316"/>
-                <a:ext cx="2494312" cy="1331536"/>
+                <a:off x="4487830" y="2378316"/>
+                <a:ext cx="2491686" cy="1331536"/>
               </a:xfrm>
               <a:prstGeom prst="rect">
                 <a:avLst/>
@@ -8774,6 +8100,678 @@
           </p:txBody>
         </p:sp>
       </p:grpSp>
+      <p:sp>
+        <p:nvSpPr>
+          <p:cNvPr id="2" name="직사각형 1">
+            <a:extLst>
+              <a:ext uri="{FF2B5EF4-FFF2-40B4-BE49-F238E27FC236}">
+                <a16:creationId xmlns:a16="http://schemas.microsoft.com/office/drawing/2014/main" id="{E25CEA98-4A32-49C3-AF09-E26EAC6B1C6C}"/>
+              </a:ext>
+            </a:extLst>
+          </p:cNvPr>
+          <p:cNvSpPr/>
+          <p:nvPr/>
+        </p:nvSpPr>
+        <p:spPr>
+          <a:xfrm>
+            <a:off x="414668" y="299725"/>
+            <a:ext cx="2951017" cy="530121"/>
+          </a:xfrm>
+          <a:prstGeom prst="rect">
+            <a:avLst/>
+          </a:prstGeom>
+        </p:spPr>
+        <p:style>
+          <a:lnRef idx="2">
+            <a:schemeClr val="accent3">
+              <a:shade val="50000"/>
+            </a:schemeClr>
+          </a:lnRef>
+          <a:fillRef idx="1">
+            <a:schemeClr val="accent3"/>
+          </a:fillRef>
+          <a:effectRef idx="0">
+            <a:schemeClr val="accent3"/>
+          </a:effectRef>
+          <a:fontRef idx="minor">
+            <a:schemeClr val="lt1"/>
+          </a:fontRef>
+        </p:style>
+        <p:txBody>
+          <a:bodyPr rtlCol="0" anchor="ctr"/>
+          <a:lstStyle/>
+          <a:p>
+            <a:pPr algn="ctr"/>
+            <a:r>
+              <a:rPr lang="ko-KR" altLang="en-US" dirty="0"/>
+              <a:t>상시 대회 목록</a:t>
+            </a:r>
+          </a:p>
+        </p:txBody>
+      </p:sp>
+      <p:grpSp>
+        <p:nvGrpSpPr>
+          <p:cNvPr id="20" name="그룹 19">
+            <a:extLst>
+              <a:ext uri="{FF2B5EF4-FFF2-40B4-BE49-F238E27FC236}">
+                <a16:creationId xmlns:a16="http://schemas.microsoft.com/office/drawing/2014/main" id="{188908DF-39B3-4988-AE80-893476791ECE}"/>
+              </a:ext>
+            </a:extLst>
+          </p:cNvPr>
+          <p:cNvGrpSpPr/>
+          <p:nvPr/>
+        </p:nvGrpSpPr>
+        <p:grpSpPr>
+          <a:xfrm>
+            <a:off x="10861910" y="3514778"/>
+            <a:ext cx="393566" cy="1408146"/>
+            <a:chOff x="853491" y="1228853"/>
+            <a:chExt cx="393566" cy="1408146"/>
+          </a:xfrm>
+        </p:grpSpPr>
+        <p:grpSp>
+          <p:nvGrpSpPr>
+            <p:cNvPr id="11" name="그룹 10">
+              <a:extLst>
+                <a:ext uri="{FF2B5EF4-FFF2-40B4-BE49-F238E27FC236}">
+                  <a16:creationId xmlns:a16="http://schemas.microsoft.com/office/drawing/2014/main" id="{890ECDCE-BB93-4061-BA85-3AE58F9473F7}"/>
+                </a:ext>
+              </a:extLst>
+            </p:cNvPr>
+            <p:cNvGrpSpPr/>
+            <p:nvPr/>
+          </p:nvGrpSpPr>
+          <p:grpSpPr>
+            <a:xfrm>
+              <a:off x="853491" y="1228853"/>
+              <a:ext cx="393566" cy="900856"/>
+              <a:chOff x="724523" y="1506167"/>
+              <a:chExt cx="393566" cy="900856"/>
+            </a:xfrm>
+          </p:grpSpPr>
+          <p:grpSp>
+            <p:nvGrpSpPr>
+              <p:cNvPr id="7" name="그룹 6">
+                <a:extLst>
+                  <a:ext uri="{FF2B5EF4-FFF2-40B4-BE49-F238E27FC236}">
+                    <a16:creationId xmlns:a16="http://schemas.microsoft.com/office/drawing/2014/main" id="{E17E7F37-BF39-41E2-B9CE-36247B5763DE}"/>
+                  </a:ext>
+                </a:extLst>
+              </p:cNvPr>
+              <p:cNvGrpSpPr/>
+              <p:nvPr/>
+            </p:nvGrpSpPr>
+            <p:grpSpPr>
+              <a:xfrm>
+                <a:off x="724523" y="1506167"/>
+                <a:ext cx="393566" cy="393566"/>
+                <a:chOff x="3429577" y="1676530"/>
+                <a:chExt cx="393566" cy="393566"/>
+              </a:xfrm>
+            </p:grpSpPr>
+            <p:sp>
+              <p:nvSpPr>
+                <p:cNvPr id="3" name="타원 2">
+                  <a:extLst>
+                    <a:ext uri="{FF2B5EF4-FFF2-40B4-BE49-F238E27FC236}">
+                      <a16:creationId xmlns:a16="http://schemas.microsoft.com/office/drawing/2014/main" id="{2C417D02-1DA1-4974-AF9D-DC8C1F08AD90}"/>
+                    </a:ext>
+                  </a:extLst>
+                </p:cNvPr>
+                <p:cNvSpPr/>
+                <p:nvPr/>
+              </p:nvSpPr>
+              <p:spPr>
+                <a:xfrm>
+                  <a:off x="3437629" y="1686069"/>
+                  <a:ext cx="369465" cy="369465"/>
+                </a:xfrm>
+                <a:prstGeom prst="ellipse">
+                  <a:avLst/>
+                </a:prstGeom>
+                <a:solidFill>
+                  <a:schemeClr val="bg1">
+                    <a:lumMod val="95000"/>
+                  </a:schemeClr>
+                </a:solidFill>
+                <a:ln>
+                  <a:noFill/>
+                </a:ln>
+              </p:spPr>
+              <p:style>
+                <a:lnRef idx="3">
+                  <a:schemeClr val="lt1"/>
+                </a:lnRef>
+                <a:fillRef idx="1">
+                  <a:schemeClr val="accent3"/>
+                </a:fillRef>
+                <a:effectRef idx="1">
+                  <a:schemeClr val="accent3"/>
+                </a:effectRef>
+                <a:fontRef idx="minor">
+                  <a:schemeClr val="lt1"/>
+                </a:fontRef>
+              </p:style>
+              <p:txBody>
+                <a:bodyPr rtlCol="0" anchor="ctr"/>
+                <a:lstStyle/>
+                <a:p>
+                  <a:pPr algn="ctr"/>
+                  <a:endParaRPr lang="ko-KR" altLang="en-US" sz="800" dirty="0"/>
+                </a:p>
+              </p:txBody>
+            </p:sp>
+            <p:pic>
+              <p:nvPicPr>
+                <p:cNvPr id="6" name="그래픽 5" descr="단일 톱니바퀴">
+                  <a:extLst>
+                    <a:ext uri="{FF2B5EF4-FFF2-40B4-BE49-F238E27FC236}">
+                      <a16:creationId xmlns:a16="http://schemas.microsoft.com/office/drawing/2014/main" id="{E172061E-8C3D-46E8-803E-1F3617BF7173}"/>
+                    </a:ext>
+                  </a:extLst>
+                </p:cNvPr>
+                <p:cNvPicPr>
+                  <a:picLocks noChangeAspect="1"/>
+                </p:cNvPicPr>
+                <p:nvPr/>
+              </p:nvPicPr>
+              <p:blipFill>
+                <a:blip r:embed="rId3">
+                  <a:extLst>
+                    <a:ext uri="{28A0092B-C50C-407E-A947-70E740481C1C}">
+                      <a14:useLocalDpi xmlns:a14="http://schemas.microsoft.com/office/drawing/2010/main" val="0"/>
+                    </a:ext>
+                    <a:ext uri="{96DAC541-7B7A-43D3-8B79-37D633B846F1}">
+                      <asvg:svgBlip xmlns:asvg="http://schemas.microsoft.com/office/drawing/2016/SVG/main" r:embed="rId4"/>
+                    </a:ext>
+                  </a:extLst>
+                </a:blip>
+                <a:stretch>
+                  <a:fillRect/>
+                </a:stretch>
+              </p:blipFill>
+              <p:spPr>
+                <a:xfrm>
+                  <a:off x="3429577" y="1676530"/>
+                  <a:ext cx="393566" cy="393566"/>
+                </a:xfrm>
+                <a:prstGeom prst="rect">
+                  <a:avLst/>
+                </a:prstGeom>
+              </p:spPr>
+            </p:pic>
+          </p:grpSp>
+          <p:grpSp>
+            <p:nvGrpSpPr>
+              <p:cNvPr id="10" name="그룹 9">
+                <a:extLst>
+                  <a:ext uri="{FF2B5EF4-FFF2-40B4-BE49-F238E27FC236}">
+                    <a16:creationId xmlns:a16="http://schemas.microsoft.com/office/drawing/2014/main" id="{DD7BFC9F-A8EC-4942-9481-34ABF84698B5}"/>
+                  </a:ext>
+                </a:extLst>
+              </p:cNvPr>
+              <p:cNvGrpSpPr/>
+              <p:nvPr/>
+            </p:nvGrpSpPr>
+            <p:grpSpPr>
+              <a:xfrm>
+                <a:off x="732575" y="2037558"/>
+                <a:ext cx="369465" cy="369465"/>
+                <a:chOff x="3900106" y="3218788"/>
+                <a:chExt cx="369465" cy="369465"/>
+              </a:xfrm>
+            </p:grpSpPr>
+            <p:sp>
+              <p:nvSpPr>
+                <p:cNvPr id="94" name="타원 93">
+                  <a:extLst>
+                    <a:ext uri="{FF2B5EF4-FFF2-40B4-BE49-F238E27FC236}">
+                      <a16:creationId xmlns:a16="http://schemas.microsoft.com/office/drawing/2014/main" id="{03DA23BC-7828-4A88-9775-7D88FC0FC1BA}"/>
+                    </a:ext>
+                  </a:extLst>
+                </p:cNvPr>
+                <p:cNvSpPr/>
+                <p:nvPr/>
+              </p:nvSpPr>
+              <p:spPr>
+                <a:xfrm>
+                  <a:off x="3900106" y="3218788"/>
+                  <a:ext cx="369465" cy="369465"/>
+                </a:xfrm>
+                <a:prstGeom prst="ellipse">
+                  <a:avLst/>
+                </a:prstGeom>
+                <a:solidFill>
+                  <a:schemeClr val="bg1">
+                    <a:lumMod val="95000"/>
+                  </a:schemeClr>
+                </a:solidFill>
+                <a:ln>
+                  <a:noFill/>
+                </a:ln>
+              </p:spPr>
+              <p:style>
+                <a:lnRef idx="3">
+                  <a:schemeClr val="lt1"/>
+                </a:lnRef>
+                <a:fillRef idx="1">
+                  <a:schemeClr val="accent3"/>
+                </a:fillRef>
+                <a:effectRef idx="1">
+                  <a:schemeClr val="accent3"/>
+                </a:effectRef>
+                <a:fontRef idx="minor">
+                  <a:schemeClr val="lt1"/>
+                </a:fontRef>
+              </p:style>
+              <p:txBody>
+                <a:bodyPr rtlCol="0" anchor="ctr"/>
+                <a:lstStyle/>
+                <a:p>
+                  <a:pPr algn="ctr"/>
+                  <a:endParaRPr lang="ko-KR" altLang="en-US" sz="800" dirty="0"/>
+                </a:p>
+              </p:txBody>
+            </p:sp>
+            <p:pic>
+              <p:nvPicPr>
+                <p:cNvPr id="9" name="그래픽 8" descr="RTL 목록">
+                  <a:extLst>
+                    <a:ext uri="{FF2B5EF4-FFF2-40B4-BE49-F238E27FC236}">
+                      <a16:creationId xmlns:a16="http://schemas.microsoft.com/office/drawing/2014/main" id="{88542E78-326E-459B-ABBB-21165E21F63C}"/>
+                    </a:ext>
+                  </a:extLst>
+                </p:cNvPr>
+                <p:cNvPicPr>
+                  <a:picLocks noChangeAspect="1"/>
+                </p:cNvPicPr>
+                <p:nvPr/>
+              </p:nvPicPr>
+              <p:blipFill>
+                <a:blip r:embed="rId5">
+                  <a:extLst>
+                    <a:ext uri="{28A0092B-C50C-407E-A947-70E740481C1C}">
+                      <a14:useLocalDpi xmlns:a14="http://schemas.microsoft.com/office/drawing/2010/main" val="0"/>
+                    </a:ext>
+                    <a:ext uri="{96DAC541-7B7A-43D3-8B79-37D633B846F1}">
+                      <asvg:svgBlip xmlns:asvg="http://schemas.microsoft.com/office/drawing/2016/SVG/main" r:embed="rId6"/>
+                    </a:ext>
+                  </a:extLst>
+                </a:blip>
+                <a:stretch>
+                  <a:fillRect/>
+                </a:stretch>
+              </p:blipFill>
+              <p:spPr>
+                <a:xfrm>
+                  <a:off x="3961360" y="3280041"/>
+                  <a:ext cx="246958" cy="246958"/>
+                </a:xfrm>
+                <a:prstGeom prst="rect">
+                  <a:avLst/>
+                </a:prstGeom>
+              </p:spPr>
+            </p:pic>
+          </p:grpSp>
+        </p:grpSp>
+        <p:grpSp>
+          <p:nvGrpSpPr>
+            <p:cNvPr id="19" name="그룹 18">
+              <a:extLst>
+                <a:ext uri="{FF2B5EF4-FFF2-40B4-BE49-F238E27FC236}">
+                  <a16:creationId xmlns:a16="http://schemas.microsoft.com/office/drawing/2014/main" id="{1F7F744F-E3E7-4BF2-B6BD-975F8B8F6884}"/>
+                </a:ext>
+              </a:extLst>
+            </p:cNvPr>
+            <p:cNvGrpSpPr/>
+            <p:nvPr/>
+          </p:nvGrpSpPr>
+          <p:grpSpPr>
+            <a:xfrm>
+              <a:off x="861543" y="2267534"/>
+              <a:ext cx="369465" cy="369465"/>
+              <a:chOff x="4033313" y="3561186"/>
+              <a:chExt cx="369465" cy="369465"/>
+            </a:xfrm>
+          </p:grpSpPr>
+          <p:sp>
+            <p:nvSpPr>
+              <p:cNvPr id="123" name="타원 122">
+                <a:extLst>
+                  <a:ext uri="{FF2B5EF4-FFF2-40B4-BE49-F238E27FC236}">
+                    <a16:creationId xmlns:a16="http://schemas.microsoft.com/office/drawing/2014/main" id="{F8142F1A-004F-4432-8C17-1F27F4B16594}"/>
+                  </a:ext>
+                </a:extLst>
+              </p:cNvPr>
+              <p:cNvSpPr/>
+              <p:nvPr/>
+            </p:nvSpPr>
+            <p:spPr>
+              <a:xfrm>
+                <a:off x="4033313" y="3561186"/>
+                <a:ext cx="369465" cy="369465"/>
+              </a:xfrm>
+              <a:prstGeom prst="ellipse">
+                <a:avLst/>
+              </a:prstGeom>
+              <a:solidFill>
+                <a:schemeClr val="bg1">
+                  <a:lumMod val="95000"/>
+                </a:schemeClr>
+              </a:solidFill>
+              <a:ln>
+                <a:noFill/>
+              </a:ln>
+            </p:spPr>
+            <p:style>
+              <a:lnRef idx="3">
+                <a:schemeClr val="lt1"/>
+              </a:lnRef>
+              <a:fillRef idx="1">
+                <a:schemeClr val="accent3"/>
+              </a:fillRef>
+              <a:effectRef idx="1">
+                <a:schemeClr val="accent3"/>
+              </a:effectRef>
+              <a:fontRef idx="minor">
+                <a:schemeClr val="lt1"/>
+              </a:fontRef>
+            </p:style>
+            <p:txBody>
+              <a:bodyPr rtlCol="0" anchor="ctr"/>
+              <a:lstStyle/>
+              <a:p>
+                <a:pPr algn="ctr"/>
+                <a:endParaRPr lang="ko-KR" altLang="en-US" sz="800" dirty="0"/>
+              </a:p>
+            </p:txBody>
+          </p:sp>
+          <p:pic>
+            <p:nvPicPr>
+              <p:cNvPr id="18" name="그래픽 17" descr="바코드">
+                <a:extLst>
+                  <a:ext uri="{FF2B5EF4-FFF2-40B4-BE49-F238E27FC236}">
+                    <a16:creationId xmlns:a16="http://schemas.microsoft.com/office/drawing/2014/main" id="{B22E59C9-586A-4757-8B68-F1F93213A6A8}"/>
+                  </a:ext>
+                </a:extLst>
+              </p:cNvPr>
+              <p:cNvPicPr>
+                <a:picLocks noChangeAspect="1"/>
+              </p:cNvPicPr>
+              <p:nvPr/>
+            </p:nvPicPr>
+            <p:blipFill>
+              <a:blip r:embed="rId7">
+                <a:extLst>
+                  <a:ext uri="{28A0092B-C50C-407E-A947-70E740481C1C}">
+                    <a14:useLocalDpi xmlns:a14="http://schemas.microsoft.com/office/drawing/2010/main" val="0"/>
+                  </a:ext>
+                  <a:ext uri="{96DAC541-7B7A-43D3-8B79-37D633B846F1}">
+                    <asvg:svgBlip xmlns:asvg="http://schemas.microsoft.com/office/drawing/2016/SVG/main" r:embed="rId8"/>
+                  </a:ext>
+                </a:extLst>
+              </a:blip>
+              <a:stretch>
+                <a:fillRect/>
+              </a:stretch>
+            </p:blipFill>
+            <p:spPr>
+              <a:xfrm>
+                <a:off x="4086824" y="3611351"/>
+                <a:ext cx="262441" cy="262441"/>
+              </a:xfrm>
+              <a:prstGeom prst="rect">
+                <a:avLst/>
+              </a:prstGeom>
+            </p:spPr>
+          </p:pic>
+        </p:grpSp>
+      </p:grpSp>
+      <p:grpSp>
+        <p:nvGrpSpPr>
+          <p:cNvPr id="124" name="그룹 123">
+            <a:extLst>
+              <a:ext uri="{FF2B5EF4-FFF2-40B4-BE49-F238E27FC236}">
+                <a16:creationId xmlns:a16="http://schemas.microsoft.com/office/drawing/2014/main" id="{6648A834-4440-4348-ACCE-696BA0410E64}"/>
+              </a:ext>
+            </a:extLst>
+          </p:cNvPr>
+          <p:cNvGrpSpPr/>
+          <p:nvPr/>
+        </p:nvGrpSpPr>
+        <p:grpSpPr>
+          <a:xfrm>
+            <a:off x="11482886" y="3608030"/>
+            <a:ext cx="393566" cy="900856"/>
+            <a:chOff x="724523" y="1506167"/>
+            <a:chExt cx="393566" cy="900856"/>
+          </a:xfrm>
+        </p:grpSpPr>
+        <p:grpSp>
+          <p:nvGrpSpPr>
+            <p:cNvPr id="125" name="그룹 124">
+              <a:extLst>
+                <a:ext uri="{FF2B5EF4-FFF2-40B4-BE49-F238E27FC236}">
+                  <a16:creationId xmlns:a16="http://schemas.microsoft.com/office/drawing/2014/main" id="{FF507317-3AD5-4D15-822C-84482898AC13}"/>
+                </a:ext>
+              </a:extLst>
+            </p:cNvPr>
+            <p:cNvGrpSpPr/>
+            <p:nvPr/>
+          </p:nvGrpSpPr>
+          <p:grpSpPr>
+            <a:xfrm>
+              <a:off x="724523" y="1506167"/>
+              <a:ext cx="393566" cy="393566"/>
+              <a:chOff x="3429577" y="1676530"/>
+              <a:chExt cx="393566" cy="393566"/>
+            </a:xfrm>
+          </p:grpSpPr>
+          <p:sp>
+            <p:nvSpPr>
+              <p:cNvPr id="143" name="타원 142">
+                <a:extLst>
+                  <a:ext uri="{FF2B5EF4-FFF2-40B4-BE49-F238E27FC236}">
+                    <a16:creationId xmlns:a16="http://schemas.microsoft.com/office/drawing/2014/main" id="{A7FC173D-F1DB-4353-9ABD-196A8471F586}"/>
+                  </a:ext>
+                </a:extLst>
+              </p:cNvPr>
+              <p:cNvSpPr/>
+              <p:nvPr/>
+            </p:nvSpPr>
+            <p:spPr>
+              <a:xfrm>
+                <a:off x="3437629" y="1686069"/>
+                <a:ext cx="369465" cy="369465"/>
+              </a:xfrm>
+              <a:prstGeom prst="ellipse">
+                <a:avLst/>
+              </a:prstGeom>
+              <a:solidFill>
+                <a:schemeClr val="bg1">
+                  <a:lumMod val="95000"/>
+                </a:schemeClr>
+              </a:solidFill>
+              <a:ln>
+                <a:noFill/>
+              </a:ln>
+            </p:spPr>
+            <p:style>
+              <a:lnRef idx="3">
+                <a:schemeClr val="lt1"/>
+              </a:lnRef>
+              <a:fillRef idx="1">
+                <a:schemeClr val="accent3"/>
+              </a:fillRef>
+              <a:effectRef idx="1">
+                <a:schemeClr val="accent3"/>
+              </a:effectRef>
+              <a:fontRef idx="minor">
+                <a:schemeClr val="lt1"/>
+              </a:fontRef>
+            </p:style>
+            <p:txBody>
+              <a:bodyPr rtlCol="0" anchor="ctr"/>
+              <a:lstStyle/>
+              <a:p>
+                <a:pPr algn="ctr"/>
+                <a:endParaRPr lang="ko-KR" altLang="en-US" sz="800" dirty="0"/>
+              </a:p>
+            </p:txBody>
+          </p:sp>
+          <p:pic>
+            <p:nvPicPr>
+              <p:cNvPr id="149" name="그래픽 148" descr="단일 톱니바퀴">
+                <a:extLst>
+                  <a:ext uri="{FF2B5EF4-FFF2-40B4-BE49-F238E27FC236}">
+                    <a16:creationId xmlns:a16="http://schemas.microsoft.com/office/drawing/2014/main" id="{DEE4B1BD-8A78-4840-8A8D-F1BCA149F767}"/>
+                  </a:ext>
+                </a:extLst>
+              </p:cNvPr>
+              <p:cNvPicPr>
+                <a:picLocks noChangeAspect="1"/>
+              </p:cNvPicPr>
+              <p:nvPr/>
+            </p:nvPicPr>
+            <p:blipFill>
+              <a:blip r:embed="rId3">
+                <a:extLst>
+                  <a:ext uri="{28A0092B-C50C-407E-A947-70E740481C1C}">
+                    <a14:useLocalDpi xmlns:a14="http://schemas.microsoft.com/office/drawing/2010/main" val="0"/>
+                  </a:ext>
+                  <a:ext uri="{96DAC541-7B7A-43D3-8B79-37D633B846F1}">
+                    <asvg:svgBlip xmlns:asvg="http://schemas.microsoft.com/office/drawing/2016/SVG/main" r:embed="rId4"/>
+                  </a:ext>
+                </a:extLst>
+              </a:blip>
+              <a:stretch>
+                <a:fillRect/>
+              </a:stretch>
+            </p:blipFill>
+            <p:spPr>
+              <a:xfrm>
+                <a:off x="3429577" y="1676530"/>
+                <a:ext cx="393566" cy="393566"/>
+              </a:xfrm>
+              <a:prstGeom prst="rect">
+                <a:avLst/>
+              </a:prstGeom>
+            </p:spPr>
+          </p:pic>
+        </p:grpSp>
+        <p:grpSp>
+          <p:nvGrpSpPr>
+            <p:cNvPr id="132" name="그룹 131">
+              <a:extLst>
+                <a:ext uri="{FF2B5EF4-FFF2-40B4-BE49-F238E27FC236}">
+                  <a16:creationId xmlns:a16="http://schemas.microsoft.com/office/drawing/2014/main" id="{A9482F0A-C91A-4BBE-98E7-D06E198F11D8}"/>
+                </a:ext>
+              </a:extLst>
+            </p:cNvPr>
+            <p:cNvGrpSpPr/>
+            <p:nvPr/>
+          </p:nvGrpSpPr>
+          <p:grpSpPr>
+            <a:xfrm>
+              <a:off x="732575" y="2037558"/>
+              <a:ext cx="369465" cy="369465"/>
+              <a:chOff x="3900106" y="3218788"/>
+              <a:chExt cx="369465" cy="369465"/>
+            </a:xfrm>
+          </p:grpSpPr>
+          <p:sp>
+            <p:nvSpPr>
+              <p:cNvPr id="133" name="타원 132">
+                <a:extLst>
+                  <a:ext uri="{FF2B5EF4-FFF2-40B4-BE49-F238E27FC236}">
+                    <a16:creationId xmlns:a16="http://schemas.microsoft.com/office/drawing/2014/main" id="{35A65B97-2AE3-4070-8F8C-947C1D16D19E}"/>
+                  </a:ext>
+                </a:extLst>
+              </p:cNvPr>
+              <p:cNvSpPr/>
+              <p:nvPr/>
+            </p:nvSpPr>
+            <p:spPr>
+              <a:xfrm>
+                <a:off x="3900106" y="3218788"/>
+                <a:ext cx="369465" cy="369465"/>
+              </a:xfrm>
+              <a:prstGeom prst="ellipse">
+                <a:avLst/>
+              </a:prstGeom>
+              <a:solidFill>
+                <a:schemeClr val="bg1">
+                  <a:lumMod val="95000"/>
+                </a:schemeClr>
+              </a:solidFill>
+              <a:ln>
+                <a:noFill/>
+              </a:ln>
+            </p:spPr>
+            <p:style>
+              <a:lnRef idx="3">
+                <a:schemeClr val="lt1"/>
+              </a:lnRef>
+              <a:fillRef idx="1">
+                <a:schemeClr val="accent3"/>
+              </a:fillRef>
+              <a:effectRef idx="1">
+                <a:schemeClr val="accent3"/>
+              </a:effectRef>
+              <a:fontRef idx="minor">
+                <a:schemeClr val="lt1"/>
+              </a:fontRef>
+            </p:style>
+            <p:txBody>
+              <a:bodyPr rtlCol="0" anchor="ctr"/>
+              <a:lstStyle/>
+              <a:p>
+                <a:pPr algn="ctr"/>
+                <a:endParaRPr lang="ko-KR" altLang="en-US" sz="800" dirty="0"/>
+              </a:p>
+            </p:txBody>
+          </p:sp>
+          <p:pic>
+            <p:nvPicPr>
+              <p:cNvPr id="140" name="그래픽 139" descr="RTL 목록">
+                <a:extLst>
+                  <a:ext uri="{FF2B5EF4-FFF2-40B4-BE49-F238E27FC236}">
+                    <a16:creationId xmlns:a16="http://schemas.microsoft.com/office/drawing/2014/main" id="{46E21433-1ADE-43FD-ADB8-23690E899D21}"/>
+                  </a:ext>
+                </a:extLst>
+              </p:cNvPr>
+              <p:cNvPicPr>
+                <a:picLocks noChangeAspect="1"/>
+              </p:cNvPicPr>
+              <p:nvPr/>
+            </p:nvPicPr>
+            <p:blipFill>
+              <a:blip r:embed="rId5">
+                <a:extLst>
+                  <a:ext uri="{28A0092B-C50C-407E-A947-70E740481C1C}">
+                    <a14:useLocalDpi xmlns:a14="http://schemas.microsoft.com/office/drawing/2010/main" val="0"/>
+                  </a:ext>
+                  <a:ext uri="{96DAC541-7B7A-43D3-8B79-37D633B846F1}">
+                    <asvg:svgBlip xmlns:asvg="http://schemas.microsoft.com/office/drawing/2016/SVG/main" r:embed="rId6"/>
+                  </a:ext>
+                </a:extLst>
+              </a:blip>
+              <a:stretch>
+                <a:fillRect/>
+              </a:stretch>
+            </p:blipFill>
+            <p:spPr>
+              <a:xfrm>
+                <a:off x="3961360" y="3280041"/>
+                <a:ext cx="246958" cy="246958"/>
+              </a:xfrm>
+              <a:prstGeom prst="rect">
+                <a:avLst/>
+              </a:prstGeom>
+            </p:spPr>
+          </p:pic>
+        </p:grpSp>
+      </p:grpSp>
     </p:spTree>
     <p:extLst>
       <p:ext uri="{BB962C8B-B14F-4D97-AF65-F5344CB8AC3E}">

--- a/report/씬 용.pptx
+++ b/report/씬 용.pptx
@@ -5256,7 +5256,7 @@
         </p:nvGrpSpPr>
         <p:grpSpPr>
           <a:xfrm>
-            <a:off x="3769969" y="2225446"/>
+            <a:off x="4001201" y="1767208"/>
             <a:ext cx="2951016" cy="4653478"/>
             <a:chOff x="710018" y="1452764"/>
             <a:chExt cx="2906280" cy="4653478"/>
@@ -5444,7 +5444,7 @@
         </p:nvSpPr>
         <p:spPr>
           <a:xfrm>
-            <a:off x="4957804" y="2311103"/>
+            <a:off x="5914161" y="2057224"/>
             <a:ext cx="2941033" cy="4655127"/>
           </a:xfrm>
           <a:prstGeom prst="rect">
@@ -5504,7 +5504,7 @@
         </p:nvGrpSpPr>
         <p:grpSpPr>
           <a:xfrm>
-            <a:off x="7202270" y="2483347"/>
+            <a:off x="7574571" y="2068604"/>
             <a:ext cx="2954271" cy="4654561"/>
             <a:chOff x="684212" y="1092824"/>
             <a:chExt cx="2954271" cy="4654561"/>
@@ -5691,58 +5691,6 @@
           </p:txBody>
         </p:sp>
       </p:grpSp>
-      <p:sp>
-        <p:nvSpPr>
-          <p:cNvPr id="4" name="직사각형 3">
-            <a:extLst>
-              <a:ext uri="{FF2B5EF4-FFF2-40B4-BE49-F238E27FC236}">
-                <a16:creationId xmlns:a16="http://schemas.microsoft.com/office/drawing/2014/main" id="{748405CA-1778-4B92-AC52-F64354B60E8A}"/>
-              </a:ext>
-            </a:extLst>
-          </p:cNvPr>
-          <p:cNvSpPr/>
-          <p:nvPr/>
-        </p:nvSpPr>
-        <p:spPr>
-          <a:xfrm>
-            <a:off x="684213" y="1092258"/>
-            <a:ext cx="2951017" cy="4655127"/>
-          </a:xfrm>
-          <a:prstGeom prst="rect">
-            <a:avLst/>
-          </a:prstGeom>
-          <a:noFill/>
-          <a:ln>
-            <a:solidFill>
-              <a:schemeClr val="tx1"/>
-            </a:solidFill>
-          </a:ln>
-        </p:spPr>
-        <p:style>
-          <a:lnRef idx="2">
-            <a:schemeClr val="accent1">
-              <a:shade val="50000"/>
-            </a:schemeClr>
-          </a:lnRef>
-          <a:fillRef idx="1">
-            <a:schemeClr val="accent1"/>
-          </a:fillRef>
-          <a:effectRef idx="0">
-            <a:schemeClr val="accent1"/>
-          </a:effectRef>
-          <a:fontRef idx="minor">
-            <a:schemeClr val="lt1"/>
-          </a:fontRef>
-        </p:style>
-        <p:txBody>
-          <a:bodyPr rtlCol="0" anchor="ctr"/>
-          <a:lstStyle/>
-          <a:p>
-            <a:pPr algn="ctr"/>
-            <a:endParaRPr lang="ko-KR" altLang="en-US"/>
-          </a:p>
-        </p:txBody>
-      </p:sp>
       <p:sp>
         <p:nvSpPr>
           <p:cNvPr id="38" name="TextBox 37">
@@ -8151,10 +8099,10 @@
       </p:sp>
       <p:grpSp>
         <p:nvGrpSpPr>
-          <p:cNvPr id="20" name="그룹 19">
+          <p:cNvPr id="21" name="그룹 20">
             <a:extLst>
               <a:ext uri="{FF2B5EF4-FFF2-40B4-BE49-F238E27FC236}">
-                <a16:creationId xmlns:a16="http://schemas.microsoft.com/office/drawing/2014/main" id="{188908DF-39B3-4988-AE80-893476791ECE}"/>
+                <a16:creationId xmlns:a16="http://schemas.microsoft.com/office/drawing/2014/main" id="{FF766D72-9F3B-4403-A93A-44E1407F86FD}"/>
               </a:ext>
             </a:extLst>
           </p:cNvPr>
@@ -8163,18 +8111,18 @@
         </p:nvGrpSpPr>
         <p:grpSpPr>
           <a:xfrm>
-            <a:off x="10861910" y="3514778"/>
-            <a:ext cx="393566" cy="1408146"/>
-            <a:chOff x="853491" y="1228853"/>
-            <a:chExt cx="393566" cy="1408146"/>
+            <a:off x="11628407" y="4469522"/>
+            <a:ext cx="393854" cy="1331574"/>
+            <a:chOff x="11482886" y="3608030"/>
+            <a:chExt cx="393854" cy="1331574"/>
           </a:xfrm>
         </p:grpSpPr>
         <p:grpSp>
           <p:nvGrpSpPr>
-            <p:cNvPr id="11" name="그룹 10">
+            <p:cNvPr id="124" name="그룹 123">
               <a:extLst>
                 <a:ext uri="{FF2B5EF4-FFF2-40B4-BE49-F238E27FC236}">
-                  <a16:creationId xmlns:a16="http://schemas.microsoft.com/office/drawing/2014/main" id="{890ECDCE-BB93-4061-BA85-3AE58F9473F7}"/>
+                  <a16:creationId xmlns:a16="http://schemas.microsoft.com/office/drawing/2014/main" id="{6648A834-4440-4348-ACCE-696BA0410E64}"/>
                 </a:ext>
               </a:extLst>
             </p:cNvPr>
@@ -8183,7 +8131,7 @@
           </p:nvGrpSpPr>
           <p:grpSpPr>
             <a:xfrm>
-              <a:off x="853491" y="1228853"/>
+              <a:off x="11482886" y="3608030"/>
               <a:ext cx="393566" cy="900856"/>
               <a:chOff x="724523" y="1506167"/>
               <a:chExt cx="393566" cy="900856"/>
@@ -8191,10 +8139,10 @@
           </p:grpSpPr>
           <p:grpSp>
             <p:nvGrpSpPr>
-              <p:cNvPr id="7" name="그룹 6">
+              <p:cNvPr id="125" name="그룹 124">
                 <a:extLst>
                   <a:ext uri="{FF2B5EF4-FFF2-40B4-BE49-F238E27FC236}">
-                    <a16:creationId xmlns:a16="http://schemas.microsoft.com/office/drawing/2014/main" id="{E17E7F37-BF39-41E2-B9CE-36247B5763DE}"/>
+                    <a16:creationId xmlns:a16="http://schemas.microsoft.com/office/drawing/2014/main" id="{FF507317-3AD5-4D15-822C-84482898AC13}"/>
                   </a:ext>
                 </a:extLst>
               </p:cNvPr>
@@ -8211,10 +8159,10 @@
             </p:grpSpPr>
             <p:sp>
               <p:nvSpPr>
-                <p:cNvPr id="3" name="타원 2">
+                <p:cNvPr id="143" name="타원 142">
                   <a:extLst>
                     <a:ext uri="{FF2B5EF4-FFF2-40B4-BE49-F238E27FC236}">
-                      <a16:creationId xmlns:a16="http://schemas.microsoft.com/office/drawing/2014/main" id="{2C417D02-1DA1-4974-AF9D-DC8C1F08AD90}"/>
+                      <a16:creationId xmlns:a16="http://schemas.microsoft.com/office/drawing/2014/main" id="{A7FC173D-F1DB-4353-9ABD-196A8471F586}"/>
                     </a:ext>
                   </a:extLst>
                 </p:cNvPr>
@@ -8263,10 +8211,10 @@
             </p:sp>
             <p:pic>
               <p:nvPicPr>
-                <p:cNvPr id="6" name="그래픽 5" descr="단일 톱니바퀴">
+                <p:cNvPr id="149" name="그래픽 148" descr="단일 톱니바퀴">
                   <a:extLst>
                     <a:ext uri="{FF2B5EF4-FFF2-40B4-BE49-F238E27FC236}">
-                      <a16:creationId xmlns:a16="http://schemas.microsoft.com/office/drawing/2014/main" id="{E172061E-8C3D-46E8-803E-1F3617BF7173}"/>
+                      <a16:creationId xmlns:a16="http://schemas.microsoft.com/office/drawing/2014/main" id="{DEE4B1BD-8A78-4840-8A8D-F1BCA149F767}"/>
                     </a:ext>
                   </a:extLst>
                 </p:cNvPr>
@@ -8303,10 +8251,10 @@
           </p:grpSp>
           <p:grpSp>
             <p:nvGrpSpPr>
-              <p:cNvPr id="10" name="그룹 9">
+              <p:cNvPr id="132" name="그룹 131">
                 <a:extLst>
                   <a:ext uri="{FF2B5EF4-FFF2-40B4-BE49-F238E27FC236}">
-                    <a16:creationId xmlns:a16="http://schemas.microsoft.com/office/drawing/2014/main" id="{DD7BFC9F-A8EC-4942-9481-34ABF84698B5}"/>
+                    <a16:creationId xmlns:a16="http://schemas.microsoft.com/office/drawing/2014/main" id="{A9482F0A-C91A-4BBE-98E7-D06E198F11D8}"/>
                   </a:ext>
                 </a:extLst>
               </p:cNvPr>
@@ -8323,10 +8271,10 @@
             </p:grpSpPr>
             <p:sp>
               <p:nvSpPr>
-                <p:cNvPr id="94" name="타원 93">
+                <p:cNvPr id="133" name="타원 132">
                   <a:extLst>
                     <a:ext uri="{FF2B5EF4-FFF2-40B4-BE49-F238E27FC236}">
-                      <a16:creationId xmlns:a16="http://schemas.microsoft.com/office/drawing/2014/main" id="{03DA23BC-7828-4A88-9775-7D88FC0FC1BA}"/>
+                      <a16:creationId xmlns:a16="http://schemas.microsoft.com/office/drawing/2014/main" id="{35A65B97-2AE3-4070-8F8C-947C1D16D19E}"/>
                     </a:ext>
                   </a:extLst>
                 </p:cNvPr>
@@ -8375,10 +8323,10 @@
             </p:sp>
             <p:pic>
               <p:nvPicPr>
-                <p:cNvPr id="9" name="그래픽 8" descr="RTL 목록">
+                <p:cNvPr id="140" name="그래픽 139" descr="RTL 목록">
                   <a:extLst>
                     <a:ext uri="{FF2B5EF4-FFF2-40B4-BE49-F238E27FC236}">
-                      <a16:creationId xmlns:a16="http://schemas.microsoft.com/office/drawing/2014/main" id="{88542E78-326E-459B-ABBB-21165E21F63C}"/>
+                      <a16:creationId xmlns:a16="http://schemas.microsoft.com/office/drawing/2014/main" id="{46E21433-1ADE-43FD-ADB8-23690E899D21}"/>
                     </a:ext>
                   </a:extLst>
                 </p:cNvPr>
@@ -8416,10 +8364,10 @@
         </p:grpSp>
         <p:grpSp>
           <p:nvGrpSpPr>
-            <p:cNvPr id="19" name="그룹 18">
+            <p:cNvPr id="17" name="그룹 16">
               <a:extLst>
                 <a:ext uri="{FF2B5EF4-FFF2-40B4-BE49-F238E27FC236}">
-                  <a16:creationId xmlns:a16="http://schemas.microsoft.com/office/drawing/2014/main" id="{1F7F744F-E3E7-4BF2-B6BD-975F8B8F6884}"/>
+                  <a16:creationId xmlns:a16="http://schemas.microsoft.com/office/drawing/2014/main" id="{A9C577F6-12D0-4DC5-8169-B1399D94C7AC}"/>
                 </a:ext>
               </a:extLst>
             </p:cNvPr>
@@ -8428,18 +8376,18 @@
           </p:nvGrpSpPr>
           <p:grpSpPr>
             <a:xfrm>
-              <a:off x="861543" y="2267534"/>
+              <a:off x="11507275" y="4570139"/>
               <a:ext cx="369465" cy="369465"/>
-              <a:chOff x="4033313" y="3561186"/>
+              <a:chOff x="11507275" y="4570139"/>
               <a:chExt cx="369465" cy="369465"/>
             </a:xfrm>
           </p:grpSpPr>
           <p:sp>
             <p:nvSpPr>
-              <p:cNvPr id="123" name="타원 122">
+              <p:cNvPr id="92" name="타원 91">
                 <a:extLst>
                   <a:ext uri="{FF2B5EF4-FFF2-40B4-BE49-F238E27FC236}">
-                    <a16:creationId xmlns:a16="http://schemas.microsoft.com/office/drawing/2014/main" id="{F8142F1A-004F-4432-8C17-1F27F4B16594}"/>
+                    <a16:creationId xmlns:a16="http://schemas.microsoft.com/office/drawing/2014/main" id="{177BF884-474B-4FD4-8BC0-E5DA3396ECEF}"/>
                   </a:ext>
                 </a:extLst>
               </p:cNvPr>
@@ -8448,7 +8396,7 @@
             </p:nvSpPr>
             <p:spPr>
               <a:xfrm>
-                <a:off x="4033313" y="3561186"/>
+                <a:off x="11507275" y="4570139"/>
                 <a:ext cx="369465" cy="369465"/>
               </a:xfrm>
               <a:prstGeom prst="ellipse">
@@ -8488,10 +8436,10 @@
           </p:sp>
           <p:pic>
             <p:nvPicPr>
-              <p:cNvPr id="18" name="그래픽 17" descr="바코드">
+              <p:cNvPr id="8" name="그래픽 7" descr="사용자">
                 <a:extLst>
                   <a:ext uri="{FF2B5EF4-FFF2-40B4-BE49-F238E27FC236}">
-                    <a16:creationId xmlns:a16="http://schemas.microsoft.com/office/drawing/2014/main" id="{B22E59C9-586A-4757-8B68-F1F93213A6A8}"/>
+                    <a16:creationId xmlns:a16="http://schemas.microsoft.com/office/drawing/2014/main" id="{7E141887-C989-42A3-B94B-93C048BEB364}"/>
                   </a:ext>
                 </a:extLst>
               </p:cNvPr>
@@ -8517,8 +8465,8 @@
             </p:blipFill>
             <p:spPr>
               <a:xfrm>
-                <a:off x="4086824" y="3611351"/>
-                <a:ext cx="262441" cy="262441"/>
+                <a:off x="11543004" y="4600440"/>
+                <a:ext cx="308861" cy="308861"/>
               </a:xfrm>
               <a:prstGeom prst="rect">
                 <a:avLst/>
@@ -8529,10 +8477,10 @@
       </p:grpSp>
       <p:grpSp>
         <p:nvGrpSpPr>
-          <p:cNvPr id="124" name="그룹 123">
+          <p:cNvPr id="22" name="그룹 21">
             <a:extLst>
               <a:ext uri="{FF2B5EF4-FFF2-40B4-BE49-F238E27FC236}">
-                <a16:creationId xmlns:a16="http://schemas.microsoft.com/office/drawing/2014/main" id="{6648A834-4440-4348-ACCE-696BA0410E64}"/>
+                <a16:creationId xmlns:a16="http://schemas.microsoft.com/office/drawing/2014/main" id="{F8DEA6B1-F55D-41AC-95BB-C46A73D051D7}"/>
               </a:ext>
             </a:extLst>
           </p:cNvPr>
@@ -8541,18 +8489,18 @@
         </p:nvGrpSpPr>
         <p:grpSpPr>
           <a:xfrm>
-            <a:off x="11482886" y="3608030"/>
-            <a:ext cx="393566" cy="900856"/>
-            <a:chOff x="724523" y="1506167"/>
-            <a:chExt cx="393566" cy="900856"/>
+            <a:off x="11027078" y="4542665"/>
+            <a:ext cx="393566" cy="1844803"/>
+            <a:chOff x="10861910" y="3514778"/>
+            <a:chExt cx="393566" cy="1844803"/>
           </a:xfrm>
         </p:grpSpPr>
         <p:grpSp>
           <p:nvGrpSpPr>
-            <p:cNvPr id="125" name="그룹 124">
+            <p:cNvPr id="20" name="그룹 19">
               <a:extLst>
                 <a:ext uri="{FF2B5EF4-FFF2-40B4-BE49-F238E27FC236}">
-                  <a16:creationId xmlns:a16="http://schemas.microsoft.com/office/drawing/2014/main" id="{FF507317-3AD5-4D15-822C-84482898AC13}"/>
+                  <a16:creationId xmlns:a16="http://schemas.microsoft.com/office/drawing/2014/main" id="{188908DF-39B3-4988-AE80-893476791ECE}"/>
                 </a:ext>
               </a:extLst>
             </p:cNvPr>
@@ -8561,18 +8509,396 @@
           </p:nvGrpSpPr>
           <p:grpSpPr>
             <a:xfrm>
-              <a:off x="724523" y="1506167"/>
-              <a:ext cx="393566" cy="393566"/>
-              <a:chOff x="3429577" y="1676530"/>
-              <a:chExt cx="393566" cy="393566"/>
+              <a:off x="10861910" y="3514778"/>
+              <a:ext cx="393566" cy="1408146"/>
+              <a:chOff x="853491" y="1228853"/>
+              <a:chExt cx="393566" cy="1408146"/>
+            </a:xfrm>
+          </p:grpSpPr>
+          <p:grpSp>
+            <p:nvGrpSpPr>
+              <p:cNvPr id="11" name="그룹 10">
+                <a:extLst>
+                  <a:ext uri="{FF2B5EF4-FFF2-40B4-BE49-F238E27FC236}">
+                    <a16:creationId xmlns:a16="http://schemas.microsoft.com/office/drawing/2014/main" id="{890ECDCE-BB93-4061-BA85-3AE58F9473F7}"/>
+                  </a:ext>
+                </a:extLst>
+              </p:cNvPr>
+              <p:cNvGrpSpPr/>
+              <p:nvPr/>
+            </p:nvGrpSpPr>
+            <p:grpSpPr>
+              <a:xfrm>
+                <a:off x="853491" y="1228853"/>
+                <a:ext cx="393566" cy="900856"/>
+                <a:chOff x="724523" y="1506167"/>
+                <a:chExt cx="393566" cy="900856"/>
+              </a:xfrm>
+            </p:grpSpPr>
+            <p:grpSp>
+              <p:nvGrpSpPr>
+                <p:cNvPr id="7" name="그룹 6">
+                  <a:extLst>
+                    <a:ext uri="{FF2B5EF4-FFF2-40B4-BE49-F238E27FC236}">
+                      <a16:creationId xmlns:a16="http://schemas.microsoft.com/office/drawing/2014/main" id="{E17E7F37-BF39-41E2-B9CE-36247B5763DE}"/>
+                    </a:ext>
+                  </a:extLst>
+                </p:cNvPr>
+                <p:cNvGrpSpPr/>
+                <p:nvPr/>
+              </p:nvGrpSpPr>
+              <p:grpSpPr>
+                <a:xfrm>
+                  <a:off x="724523" y="1506167"/>
+                  <a:ext cx="393566" cy="393566"/>
+                  <a:chOff x="3429577" y="1676530"/>
+                  <a:chExt cx="393566" cy="393566"/>
+                </a:xfrm>
+              </p:grpSpPr>
+              <p:sp>
+                <p:nvSpPr>
+                  <p:cNvPr id="3" name="타원 2">
+                    <a:extLst>
+                      <a:ext uri="{FF2B5EF4-FFF2-40B4-BE49-F238E27FC236}">
+                        <a16:creationId xmlns:a16="http://schemas.microsoft.com/office/drawing/2014/main" id="{2C417D02-1DA1-4974-AF9D-DC8C1F08AD90}"/>
+                      </a:ext>
+                    </a:extLst>
+                  </p:cNvPr>
+                  <p:cNvSpPr/>
+                  <p:nvPr/>
+                </p:nvSpPr>
+                <p:spPr>
+                  <a:xfrm>
+                    <a:off x="3437629" y="1686069"/>
+                    <a:ext cx="369465" cy="369465"/>
+                  </a:xfrm>
+                  <a:prstGeom prst="ellipse">
+                    <a:avLst/>
+                  </a:prstGeom>
+                  <a:solidFill>
+                    <a:schemeClr val="bg1">
+                      <a:lumMod val="95000"/>
+                    </a:schemeClr>
+                  </a:solidFill>
+                  <a:ln>
+                    <a:noFill/>
+                  </a:ln>
+                </p:spPr>
+                <p:style>
+                  <a:lnRef idx="3">
+                    <a:schemeClr val="lt1"/>
+                  </a:lnRef>
+                  <a:fillRef idx="1">
+                    <a:schemeClr val="accent3"/>
+                  </a:fillRef>
+                  <a:effectRef idx="1">
+                    <a:schemeClr val="accent3"/>
+                  </a:effectRef>
+                  <a:fontRef idx="minor">
+                    <a:schemeClr val="lt1"/>
+                  </a:fontRef>
+                </p:style>
+                <p:txBody>
+                  <a:bodyPr rtlCol="0" anchor="ctr"/>
+                  <a:lstStyle/>
+                  <a:p>
+                    <a:pPr algn="ctr"/>
+                    <a:endParaRPr lang="ko-KR" altLang="en-US" sz="800" dirty="0"/>
+                  </a:p>
+                </p:txBody>
+              </p:sp>
+              <p:pic>
+                <p:nvPicPr>
+                  <p:cNvPr id="6" name="그래픽 5" descr="단일 톱니바퀴">
+                    <a:extLst>
+                      <a:ext uri="{FF2B5EF4-FFF2-40B4-BE49-F238E27FC236}">
+                        <a16:creationId xmlns:a16="http://schemas.microsoft.com/office/drawing/2014/main" id="{E172061E-8C3D-46E8-803E-1F3617BF7173}"/>
+                      </a:ext>
+                    </a:extLst>
+                  </p:cNvPr>
+                  <p:cNvPicPr>
+                    <a:picLocks noChangeAspect="1"/>
+                  </p:cNvPicPr>
+                  <p:nvPr/>
+                </p:nvPicPr>
+                <p:blipFill>
+                  <a:blip r:embed="rId3">
+                    <a:extLst>
+                      <a:ext uri="{28A0092B-C50C-407E-A947-70E740481C1C}">
+                        <a14:useLocalDpi xmlns:a14="http://schemas.microsoft.com/office/drawing/2010/main" val="0"/>
+                      </a:ext>
+                      <a:ext uri="{96DAC541-7B7A-43D3-8B79-37D633B846F1}">
+                        <asvg:svgBlip xmlns:asvg="http://schemas.microsoft.com/office/drawing/2016/SVG/main" r:embed="rId4"/>
+                      </a:ext>
+                    </a:extLst>
+                  </a:blip>
+                  <a:stretch>
+                    <a:fillRect/>
+                  </a:stretch>
+                </p:blipFill>
+                <p:spPr>
+                  <a:xfrm>
+                    <a:off x="3429577" y="1676530"/>
+                    <a:ext cx="393566" cy="393566"/>
+                  </a:xfrm>
+                  <a:prstGeom prst="rect">
+                    <a:avLst/>
+                  </a:prstGeom>
+                </p:spPr>
+              </p:pic>
+            </p:grpSp>
+            <p:grpSp>
+              <p:nvGrpSpPr>
+                <p:cNvPr id="10" name="그룹 9">
+                  <a:extLst>
+                    <a:ext uri="{FF2B5EF4-FFF2-40B4-BE49-F238E27FC236}">
+                      <a16:creationId xmlns:a16="http://schemas.microsoft.com/office/drawing/2014/main" id="{DD7BFC9F-A8EC-4942-9481-34ABF84698B5}"/>
+                    </a:ext>
+                  </a:extLst>
+                </p:cNvPr>
+                <p:cNvGrpSpPr/>
+                <p:nvPr/>
+              </p:nvGrpSpPr>
+              <p:grpSpPr>
+                <a:xfrm>
+                  <a:off x="732575" y="2037558"/>
+                  <a:ext cx="369465" cy="369465"/>
+                  <a:chOff x="3900106" y="3218788"/>
+                  <a:chExt cx="369465" cy="369465"/>
+                </a:xfrm>
+              </p:grpSpPr>
+              <p:sp>
+                <p:nvSpPr>
+                  <p:cNvPr id="94" name="타원 93">
+                    <a:extLst>
+                      <a:ext uri="{FF2B5EF4-FFF2-40B4-BE49-F238E27FC236}">
+                        <a16:creationId xmlns:a16="http://schemas.microsoft.com/office/drawing/2014/main" id="{03DA23BC-7828-4A88-9775-7D88FC0FC1BA}"/>
+                      </a:ext>
+                    </a:extLst>
+                  </p:cNvPr>
+                  <p:cNvSpPr/>
+                  <p:nvPr/>
+                </p:nvSpPr>
+                <p:spPr>
+                  <a:xfrm>
+                    <a:off x="3900106" y="3218788"/>
+                    <a:ext cx="369465" cy="369465"/>
+                  </a:xfrm>
+                  <a:prstGeom prst="ellipse">
+                    <a:avLst/>
+                  </a:prstGeom>
+                  <a:solidFill>
+                    <a:schemeClr val="bg1">
+                      <a:lumMod val="95000"/>
+                    </a:schemeClr>
+                  </a:solidFill>
+                  <a:ln>
+                    <a:noFill/>
+                  </a:ln>
+                </p:spPr>
+                <p:style>
+                  <a:lnRef idx="3">
+                    <a:schemeClr val="lt1"/>
+                  </a:lnRef>
+                  <a:fillRef idx="1">
+                    <a:schemeClr val="accent3"/>
+                  </a:fillRef>
+                  <a:effectRef idx="1">
+                    <a:schemeClr val="accent3"/>
+                  </a:effectRef>
+                  <a:fontRef idx="minor">
+                    <a:schemeClr val="lt1"/>
+                  </a:fontRef>
+                </p:style>
+                <p:txBody>
+                  <a:bodyPr rtlCol="0" anchor="ctr"/>
+                  <a:lstStyle/>
+                  <a:p>
+                    <a:pPr algn="ctr"/>
+                    <a:endParaRPr lang="ko-KR" altLang="en-US" sz="800" dirty="0"/>
+                  </a:p>
+                </p:txBody>
+              </p:sp>
+              <p:pic>
+                <p:nvPicPr>
+                  <p:cNvPr id="9" name="그래픽 8" descr="RTL 목록">
+                    <a:extLst>
+                      <a:ext uri="{FF2B5EF4-FFF2-40B4-BE49-F238E27FC236}">
+                        <a16:creationId xmlns:a16="http://schemas.microsoft.com/office/drawing/2014/main" id="{88542E78-326E-459B-ABBB-21165E21F63C}"/>
+                      </a:ext>
+                    </a:extLst>
+                  </p:cNvPr>
+                  <p:cNvPicPr>
+                    <a:picLocks noChangeAspect="1"/>
+                  </p:cNvPicPr>
+                  <p:nvPr/>
+                </p:nvPicPr>
+                <p:blipFill>
+                  <a:blip r:embed="rId5">
+                    <a:extLst>
+                      <a:ext uri="{28A0092B-C50C-407E-A947-70E740481C1C}">
+                        <a14:useLocalDpi xmlns:a14="http://schemas.microsoft.com/office/drawing/2010/main" val="0"/>
+                      </a:ext>
+                      <a:ext uri="{96DAC541-7B7A-43D3-8B79-37D633B846F1}">
+                        <asvg:svgBlip xmlns:asvg="http://schemas.microsoft.com/office/drawing/2016/SVG/main" r:embed="rId6"/>
+                      </a:ext>
+                    </a:extLst>
+                  </a:blip>
+                  <a:stretch>
+                    <a:fillRect/>
+                  </a:stretch>
+                </p:blipFill>
+                <p:spPr>
+                  <a:xfrm>
+                    <a:off x="3961360" y="3280041"/>
+                    <a:ext cx="246958" cy="246958"/>
+                  </a:xfrm>
+                  <a:prstGeom prst="rect">
+                    <a:avLst/>
+                  </a:prstGeom>
+                </p:spPr>
+              </p:pic>
+            </p:grpSp>
+          </p:grpSp>
+          <p:grpSp>
+            <p:nvGrpSpPr>
+              <p:cNvPr id="19" name="그룹 18">
+                <a:extLst>
+                  <a:ext uri="{FF2B5EF4-FFF2-40B4-BE49-F238E27FC236}">
+                    <a16:creationId xmlns:a16="http://schemas.microsoft.com/office/drawing/2014/main" id="{1F7F744F-E3E7-4BF2-B6BD-975F8B8F6884}"/>
+                  </a:ext>
+                </a:extLst>
+              </p:cNvPr>
+              <p:cNvGrpSpPr/>
+              <p:nvPr/>
+            </p:nvGrpSpPr>
+            <p:grpSpPr>
+              <a:xfrm>
+                <a:off x="861543" y="2267534"/>
+                <a:ext cx="369465" cy="369465"/>
+                <a:chOff x="4033313" y="3561186"/>
+                <a:chExt cx="369465" cy="369465"/>
+              </a:xfrm>
+            </p:grpSpPr>
+            <p:sp>
+              <p:nvSpPr>
+                <p:cNvPr id="123" name="타원 122">
+                  <a:extLst>
+                    <a:ext uri="{FF2B5EF4-FFF2-40B4-BE49-F238E27FC236}">
+                      <a16:creationId xmlns:a16="http://schemas.microsoft.com/office/drawing/2014/main" id="{F8142F1A-004F-4432-8C17-1F27F4B16594}"/>
+                    </a:ext>
+                  </a:extLst>
+                </p:cNvPr>
+                <p:cNvSpPr/>
+                <p:nvPr/>
+              </p:nvSpPr>
+              <p:spPr>
+                <a:xfrm>
+                  <a:off x="4033313" y="3561186"/>
+                  <a:ext cx="369465" cy="369465"/>
+                </a:xfrm>
+                <a:prstGeom prst="ellipse">
+                  <a:avLst/>
+                </a:prstGeom>
+                <a:solidFill>
+                  <a:schemeClr val="bg1">
+                    <a:lumMod val="95000"/>
+                  </a:schemeClr>
+                </a:solidFill>
+                <a:ln>
+                  <a:noFill/>
+                </a:ln>
+              </p:spPr>
+              <p:style>
+                <a:lnRef idx="3">
+                  <a:schemeClr val="lt1"/>
+                </a:lnRef>
+                <a:fillRef idx="1">
+                  <a:schemeClr val="accent3"/>
+                </a:fillRef>
+                <a:effectRef idx="1">
+                  <a:schemeClr val="accent3"/>
+                </a:effectRef>
+                <a:fontRef idx="minor">
+                  <a:schemeClr val="lt1"/>
+                </a:fontRef>
+              </p:style>
+              <p:txBody>
+                <a:bodyPr rtlCol="0" anchor="ctr"/>
+                <a:lstStyle/>
+                <a:p>
+                  <a:pPr algn="ctr"/>
+                  <a:endParaRPr lang="ko-KR" altLang="en-US" sz="800" dirty="0"/>
+                </a:p>
+              </p:txBody>
+            </p:sp>
+            <p:pic>
+              <p:nvPicPr>
+                <p:cNvPr id="18" name="그래픽 17" descr="바코드">
+                  <a:extLst>
+                    <a:ext uri="{FF2B5EF4-FFF2-40B4-BE49-F238E27FC236}">
+                      <a16:creationId xmlns:a16="http://schemas.microsoft.com/office/drawing/2014/main" id="{B22E59C9-586A-4757-8B68-F1F93213A6A8}"/>
+                    </a:ext>
+                  </a:extLst>
+                </p:cNvPr>
+                <p:cNvPicPr>
+                  <a:picLocks noChangeAspect="1"/>
+                </p:cNvPicPr>
+                <p:nvPr/>
+              </p:nvPicPr>
+              <p:blipFill>
+                <a:blip r:embed="rId9">
+                  <a:extLst>
+                    <a:ext uri="{28A0092B-C50C-407E-A947-70E740481C1C}">
+                      <a14:useLocalDpi xmlns:a14="http://schemas.microsoft.com/office/drawing/2010/main" val="0"/>
+                    </a:ext>
+                    <a:ext uri="{96DAC541-7B7A-43D3-8B79-37D633B846F1}">
+                      <asvg:svgBlip xmlns:asvg="http://schemas.microsoft.com/office/drawing/2016/SVG/main" r:embed="rId10"/>
+                    </a:ext>
+                  </a:extLst>
+                </a:blip>
+                <a:stretch>
+                  <a:fillRect/>
+                </a:stretch>
+              </p:blipFill>
+              <p:spPr>
+                <a:xfrm>
+                  <a:off x="4086824" y="3611351"/>
+                  <a:ext cx="262441" cy="262441"/>
+                </a:xfrm>
+                <a:prstGeom prst="rect">
+                  <a:avLst/>
+                </a:prstGeom>
+              </p:spPr>
+            </p:pic>
+          </p:grpSp>
+        </p:grpSp>
+        <p:grpSp>
+          <p:nvGrpSpPr>
+            <p:cNvPr id="97" name="그룹 96">
+              <a:extLst>
+                <a:ext uri="{FF2B5EF4-FFF2-40B4-BE49-F238E27FC236}">
+                  <a16:creationId xmlns:a16="http://schemas.microsoft.com/office/drawing/2014/main" id="{4C88499D-1DB3-485C-8F46-EC78D7344F8E}"/>
+                </a:ext>
+              </a:extLst>
+            </p:cNvPr>
+            <p:cNvGrpSpPr/>
+            <p:nvPr/>
+          </p:nvGrpSpPr>
+          <p:grpSpPr>
+            <a:xfrm>
+              <a:off x="10869962" y="4990116"/>
+              <a:ext cx="369465" cy="369465"/>
+              <a:chOff x="11507275" y="4570139"/>
+              <a:chExt cx="369465" cy="369465"/>
             </a:xfrm>
           </p:grpSpPr>
           <p:sp>
             <p:nvSpPr>
-              <p:cNvPr id="143" name="타원 142">
+              <p:cNvPr id="98" name="타원 97">
                 <a:extLst>
                   <a:ext uri="{FF2B5EF4-FFF2-40B4-BE49-F238E27FC236}">
-                    <a16:creationId xmlns:a16="http://schemas.microsoft.com/office/drawing/2014/main" id="{A7FC173D-F1DB-4353-9ABD-196A8471F586}"/>
+                    <a16:creationId xmlns:a16="http://schemas.microsoft.com/office/drawing/2014/main" id="{A6BB4662-7A21-4EB2-9772-1D46FF979103}"/>
                   </a:ext>
                 </a:extLst>
               </p:cNvPr>
@@ -8581,7 +8907,7 @@
             </p:nvSpPr>
             <p:spPr>
               <a:xfrm>
-                <a:off x="3437629" y="1686069"/>
+                <a:off x="11507275" y="4570139"/>
                 <a:ext cx="369465" cy="369465"/>
               </a:xfrm>
               <a:prstGeom prst="ellipse">
@@ -8621,10 +8947,10 @@
           </p:sp>
           <p:pic>
             <p:nvPicPr>
-              <p:cNvPr id="149" name="그래픽 148" descr="단일 톱니바퀴">
+              <p:cNvPr id="99" name="그래픽 98" descr="사용자">
                 <a:extLst>
                   <a:ext uri="{FF2B5EF4-FFF2-40B4-BE49-F238E27FC236}">
-                    <a16:creationId xmlns:a16="http://schemas.microsoft.com/office/drawing/2014/main" id="{DEE4B1BD-8A78-4840-8A8D-F1BCA149F767}"/>
+                    <a16:creationId xmlns:a16="http://schemas.microsoft.com/office/drawing/2014/main" id="{46135CDA-40DA-417A-AC4D-A9A08CCC7ED3}"/>
                   </a:ext>
                 </a:extLst>
               </p:cNvPr>
@@ -8634,13 +8960,13 @@
               <p:nvPr/>
             </p:nvPicPr>
             <p:blipFill>
-              <a:blip r:embed="rId3">
+              <a:blip r:embed="rId7">
                 <a:extLst>
                   <a:ext uri="{28A0092B-C50C-407E-A947-70E740481C1C}">
                     <a14:useLocalDpi xmlns:a14="http://schemas.microsoft.com/office/drawing/2010/main" val="0"/>
                   </a:ext>
                   <a:ext uri="{96DAC541-7B7A-43D3-8B79-37D633B846F1}">
-                    <asvg:svgBlip xmlns:asvg="http://schemas.microsoft.com/office/drawing/2016/SVG/main" r:embed="rId4"/>
+                    <asvg:svgBlip xmlns:asvg="http://schemas.microsoft.com/office/drawing/2016/SVG/main" r:embed="rId8"/>
                   </a:ext>
                 </a:extLst>
               </a:blip>
@@ -8650,8 +8976,8 @@
             </p:blipFill>
             <p:spPr>
               <a:xfrm>
-                <a:off x="3429577" y="1676530"/>
-                <a:ext cx="393566" cy="393566"/>
+                <a:off x="11543004" y="4600440"/>
+                <a:ext cx="308861" cy="308861"/>
               </a:xfrm>
               <a:prstGeom prst="rect">
                 <a:avLst/>
@@ -8659,12 +8985,33 @@
             </p:spPr>
           </p:pic>
         </p:grpSp>
+      </p:grpSp>
+      <p:grpSp>
+        <p:nvGrpSpPr>
+          <p:cNvPr id="41" name="그룹 40">
+            <a:extLst>
+              <a:ext uri="{FF2B5EF4-FFF2-40B4-BE49-F238E27FC236}">
+                <a16:creationId xmlns:a16="http://schemas.microsoft.com/office/drawing/2014/main" id="{5B52D242-003A-43EA-87C4-DDB19D1B7C7A}"/>
+              </a:ext>
+            </a:extLst>
+          </p:cNvPr>
+          <p:cNvGrpSpPr/>
+          <p:nvPr/>
+        </p:nvGrpSpPr>
+        <p:grpSpPr>
+          <a:xfrm>
+            <a:off x="4679964" y="2077334"/>
+            <a:ext cx="2963365" cy="4210656"/>
+            <a:chOff x="673473" y="1090215"/>
+            <a:chExt cx="2963365" cy="4210656"/>
+          </a:xfrm>
+        </p:grpSpPr>
         <p:grpSp>
           <p:nvGrpSpPr>
-            <p:cNvPr id="132" name="그룹 131">
+            <p:cNvPr id="27" name="그룹 26">
               <a:extLst>
                 <a:ext uri="{FF2B5EF4-FFF2-40B4-BE49-F238E27FC236}">
-                  <a16:creationId xmlns:a16="http://schemas.microsoft.com/office/drawing/2014/main" id="{A9482F0A-C91A-4BBE-98E7-D06E198F11D8}"/>
+                  <a16:creationId xmlns:a16="http://schemas.microsoft.com/office/drawing/2014/main" id="{7132FF3F-DB84-411D-8E4B-11B6A7884CEB}"/>
                 </a:ext>
               </a:extLst>
             </p:cNvPr>
@@ -8673,105 +9020,2132 @@
           </p:nvGrpSpPr>
           <p:grpSpPr>
             <a:xfrm>
-              <a:off x="732575" y="2037558"/>
-              <a:ext cx="369465" cy="369465"/>
-              <a:chOff x="3900106" y="3218788"/>
-              <a:chExt cx="369465" cy="369465"/>
+              <a:off x="673473" y="1596893"/>
+              <a:ext cx="2959225" cy="3645856"/>
+              <a:chOff x="695346" y="1655333"/>
+              <a:chExt cx="2959225" cy="3645856"/>
             </a:xfrm>
           </p:grpSpPr>
-          <p:sp>
-            <p:nvSpPr>
-              <p:cNvPr id="133" name="타원 132">
+          <p:grpSp>
+            <p:nvGrpSpPr>
+              <p:cNvPr id="25" name="그룹 24">
                 <a:extLst>
                   <a:ext uri="{FF2B5EF4-FFF2-40B4-BE49-F238E27FC236}">
-                    <a16:creationId xmlns:a16="http://schemas.microsoft.com/office/drawing/2014/main" id="{35A65B97-2AE3-4070-8F8C-947C1D16D19E}"/>
+                    <a16:creationId xmlns:a16="http://schemas.microsoft.com/office/drawing/2014/main" id="{9CB4FF68-6D7B-49E7-8AF7-413C893FDD34}"/>
                   </a:ext>
                 </a:extLst>
               </p:cNvPr>
-              <p:cNvSpPr/>
+              <p:cNvGrpSpPr/>
               <p:nvPr/>
-            </p:nvSpPr>
-            <p:spPr>
+            </p:nvGrpSpPr>
+            <p:grpSpPr>
               <a:xfrm>
-                <a:off x="3900106" y="3218788"/>
-                <a:ext cx="369465" cy="369465"/>
+                <a:off x="695346" y="1655333"/>
+                <a:ext cx="2955772" cy="944501"/>
+                <a:chOff x="695346" y="1655333"/>
+                <a:chExt cx="2955772" cy="1468774"/>
               </a:xfrm>
-              <a:prstGeom prst="ellipse">
-                <a:avLst/>
-              </a:prstGeom>
-              <a:solidFill>
-                <a:schemeClr val="bg1">
-                  <a:lumMod val="95000"/>
-                </a:schemeClr>
-              </a:solidFill>
-              <a:ln>
-                <a:noFill/>
-              </a:ln>
-            </p:spPr>
-            <p:style>
-              <a:lnRef idx="3">
-                <a:schemeClr val="lt1"/>
-              </a:lnRef>
-              <a:fillRef idx="1">
-                <a:schemeClr val="accent3"/>
-              </a:fillRef>
-              <a:effectRef idx="1">
-                <a:schemeClr val="accent3"/>
-              </a:effectRef>
-              <a:fontRef idx="minor">
-                <a:schemeClr val="lt1"/>
-              </a:fontRef>
-            </p:style>
-            <p:txBody>
-              <a:bodyPr rtlCol="0" anchor="ctr"/>
-              <a:lstStyle/>
-              <a:p>
-                <a:pPr algn="ctr"/>
-                <a:endParaRPr lang="ko-KR" altLang="en-US" sz="800" dirty="0"/>
-              </a:p>
-            </p:txBody>
-          </p:sp>
-          <p:pic>
-            <p:nvPicPr>
-              <p:cNvPr id="140" name="그래픽 139" descr="RTL 목록">
+            </p:grpSpPr>
+            <p:grpSp>
+              <p:nvGrpSpPr>
+                <p:cNvPr id="151" name="그룹 150">
+                  <a:extLst>
+                    <a:ext uri="{FF2B5EF4-FFF2-40B4-BE49-F238E27FC236}">
+                      <a16:creationId xmlns:a16="http://schemas.microsoft.com/office/drawing/2014/main" id="{2970E38B-594E-4634-85C4-AFCC0FA5D319}"/>
+                    </a:ext>
+                  </a:extLst>
+                </p:cNvPr>
+                <p:cNvGrpSpPr/>
+                <p:nvPr/>
+              </p:nvGrpSpPr>
+              <p:grpSpPr>
+                <a:xfrm>
+                  <a:off x="700100" y="1655333"/>
+                  <a:ext cx="2951018" cy="992739"/>
+                  <a:chOff x="931224" y="1823019"/>
+                  <a:chExt cx="2951018" cy="992739"/>
+                </a:xfrm>
+              </p:grpSpPr>
+              <p:grpSp>
+                <p:nvGrpSpPr>
+                  <p:cNvPr id="152" name="그룹 151">
+                    <a:extLst>
+                      <a:ext uri="{FF2B5EF4-FFF2-40B4-BE49-F238E27FC236}">
+                        <a16:creationId xmlns:a16="http://schemas.microsoft.com/office/drawing/2014/main" id="{96DFEE83-3D01-4731-B790-7536C0B26C04}"/>
+                      </a:ext>
+                    </a:extLst>
+                  </p:cNvPr>
+                  <p:cNvGrpSpPr/>
+                  <p:nvPr/>
+                </p:nvGrpSpPr>
+                <p:grpSpPr>
+                  <a:xfrm>
+                    <a:off x="931225" y="1823019"/>
+                    <a:ext cx="2951017" cy="497340"/>
+                    <a:chOff x="931225" y="1823019"/>
+                    <a:chExt cx="2951017" cy="497340"/>
+                  </a:xfrm>
+                </p:grpSpPr>
+                <p:sp>
+                  <p:nvSpPr>
+                    <p:cNvPr id="158" name="직사각형 157">
+                      <a:extLst>
+                        <a:ext uri="{FF2B5EF4-FFF2-40B4-BE49-F238E27FC236}">
+                          <a16:creationId xmlns:a16="http://schemas.microsoft.com/office/drawing/2014/main" id="{6ED73535-A9BB-4411-AFAD-EF9CEC9E9F4E}"/>
+                        </a:ext>
+                      </a:extLst>
+                    </p:cNvPr>
+                    <p:cNvSpPr/>
+                    <p:nvPr/>
+                  </p:nvSpPr>
+                  <p:spPr>
+                    <a:xfrm>
+                      <a:off x="1306286" y="1823019"/>
+                      <a:ext cx="1738908" cy="497340"/>
+                    </a:xfrm>
+                    <a:prstGeom prst="rect">
+                      <a:avLst/>
+                    </a:prstGeom>
+                    <a:ln>
+                      <a:noFill/>
+                    </a:ln>
+                  </p:spPr>
+                  <p:style>
+                    <a:lnRef idx="2">
+                      <a:schemeClr val="accent1">
+                        <a:shade val="50000"/>
+                      </a:schemeClr>
+                    </a:lnRef>
+                    <a:fillRef idx="1">
+                      <a:schemeClr val="accent1"/>
+                    </a:fillRef>
+                    <a:effectRef idx="0">
+                      <a:schemeClr val="accent1"/>
+                    </a:effectRef>
+                    <a:fontRef idx="minor">
+                      <a:schemeClr val="lt1"/>
+                    </a:fontRef>
+                  </p:style>
+                  <p:txBody>
+                    <a:bodyPr rtlCol="0" anchor="ctr"/>
+                    <a:lstStyle/>
+                    <a:p>
+                      <a:pPr algn="ctr"/>
+                      <a:r>
+                        <a:rPr lang="en-US" altLang="ko-KR" dirty="0"/>
+                        <a:t>Player 1</a:t>
+                      </a:r>
+                      <a:endParaRPr lang="ko-KR" altLang="en-US" dirty="0"/>
+                    </a:p>
+                  </p:txBody>
+                </p:sp>
+                <p:sp>
+                  <p:nvSpPr>
+                    <p:cNvPr id="159" name="직사각형 158">
+                      <a:extLst>
+                        <a:ext uri="{FF2B5EF4-FFF2-40B4-BE49-F238E27FC236}">
+                          <a16:creationId xmlns:a16="http://schemas.microsoft.com/office/drawing/2014/main" id="{68AEE856-01AD-43F0-81E3-4C139576B9E4}"/>
+                        </a:ext>
+                      </a:extLst>
+                    </p:cNvPr>
+                    <p:cNvSpPr/>
+                    <p:nvPr/>
+                  </p:nvSpPr>
+                  <p:spPr>
+                    <a:xfrm>
+                      <a:off x="931225" y="1823019"/>
+                      <a:ext cx="375061" cy="497340"/>
+                    </a:xfrm>
+                    <a:prstGeom prst="rect">
+                      <a:avLst/>
+                    </a:prstGeom>
+                    <a:ln>
+                      <a:noFill/>
+                    </a:ln>
+                  </p:spPr>
+                  <p:style>
+                    <a:lnRef idx="2">
+                      <a:schemeClr val="accent1">
+                        <a:shade val="50000"/>
+                      </a:schemeClr>
+                    </a:lnRef>
+                    <a:fillRef idx="1">
+                      <a:schemeClr val="accent1"/>
+                    </a:fillRef>
+                    <a:effectRef idx="0">
+                      <a:schemeClr val="accent1"/>
+                    </a:effectRef>
+                    <a:fontRef idx="minor">
+                      <a:schemeClr val="lt1"/>
+                    </a:fontRef>
+                  </p:style>
+                  <p:txBody>
+                    <a:bodyPr rtlCol="0" anchor="ctr"/>
+                    <a:lstStyle/>
+                    <a:p>
+                      <a:pPr algn="ctr"/>
+                      <a:r>
+                        <a:rPr lang="en-US" altLang="ko-KR" dirty="0"/>
+                        <a:t>1</a:t>
+                      </a:r>
+                      <a:endParaRPr lang="ko-KR" altLang="en-US" dirty="0"/>
+                    </a:p>
+                  </p:txBody>
+                </p:sp>
+                <p:sp>
+                  <p:nvSpPr>
+                    <p:cNvPr id="161" name="직사각형 160">
+                      <a:extLst>
+                        <a:ext uri="{FF2B5EF4-FFF2-40B4-BE49-F238E27FC236}">
+                          <a16:creationId xmlns:a16="http://schemas.microsoft.com/office/drawing/2014/main" id="{7F216FD5-A270-4A2C-817C-AC769E9C0862}"/>
+                        </a:ext>
+                      </a:extLst>
+                    </p:cNvPr>
+                    <p:cNvSpPr/>
+                    <p:nvPr/>
+                  </p:nvSpPr>
+                  <p:spPr>
+                    <a:xfrm>
+                      <a:off x="3045194" y="1823019"/>
+                      <a:ext cx="837048" cy="497340"/>
+                    </a:xfrm>
+                    <a:prstGeom prst="rect">
+                      <a:avLst/>
+                    </a:prstGeom>
+                    <a:ln>
+                      <a:noFill/>
+                    </a:ln>
+                  </p:spPr>
+                  <p:style>
+                    <a:lnRef idx="2">
+                      <a:schemeClr val="accent1">
+                        <a:shade val="50000"/>
+                      </a:schemeClr>
+                    </a:lnRef>
+                    <a:fillRef idx="1">
+                      <a:schemeClr val="accent1"/>
+                    </a:fillRef>
+                    <a:effectRef idx="0">
+                      <a:schemeClr val="accent1"/>
+                    </a:effectRef>
+                    <a:fontRef idx="minor">
+                      <a:schemeClr val="lt1"/>
+                    </a:fontRef>
+                  </p:style>
+                  <p:txBody>
+                    <a:bodyPr rtlCol="0" anchor="ctr"/>
+                    <a:lstStyle/>
+                    <a:p>
+                      <a:pPr algn="ctr"/>
+                      <a:r>
+                        <a:rPr lang="en-US" altLang="ko-KR" dirty="0"/>
+                        <a:t>95</a:t>
+                      </a:r>
+                      <a:endParaRPr lang="ko-KR" altLang="en-US" dirty="0"/>
+                    </a:p>
+                  </p:txBody>
+                </p:sp>
+              </p:grpSp>
+              <p:grpSp>
+                <p:nvGrpSpPr>
+                  <p:cNvPr id="153" name="그룹 152">
+                    <a:extLst>
+                      <a:ext uri="{FF2B5EF4-FFF2-40B4-BE49-F238E27FC236}">
+                        <a16:creationId xmlns:a16="http://schemas.microsoft.com/office/drawing/2014/main" id="{46759121-0813-4339-AC5B-D057EE7E6A57}"/>
+                      </a:ext>
+                    </a:extLst>
+                  </p:cNvPr>
+                  <p:cNvGrpSpPr/>
+                  <p:nvPr/>
+                </p:nvGrpSpPr>
+                <p:grpSpPr>
+                  <a:xfrm>
+                    <a:off x="931224" y="2318418"/>
+                    <a:ext cx="2951017" cy="497340"/>
+                    <a:chOff x="931225" y="1749190"/>
+                    <a:chExt cx="2951017" cy="497340"/>
+                  </a:xfrm>
+                </p:grpSpPr>
+                <p:sp>
+                  <p:nvSpPr>
+                    <p:cNvPr id="154" name="직사각형 153">
+                      <a:extLst>
+                        <a:ext uri="{FF2B5EF4-FFF2-40B4-BE49-F238E27FC236}">
+                          <a16:creationId xmlns:a16="http://schemas.microsoft.com/office/drawing/2014/main" id="{12782363-5E72-403B-9BAB-C9E5D2CF236D}"/>
+                        </a:ext>
+                      </a:extLst>
+                    </p:cNvPr>
+                    <p:cNvSpPr/>
+                    <p:nvPr/>
+                  </p:nvSpPr>
+                  <p:spPr>
+                    <a:xfrm>
+                      <a:off x="1306286" y="1749190"/>
+                      <a:ext cx="1738908" cy="497340"/>
+                    </a:xfrm>
+                    <a:prstGeom prst="rect">
+                      <a:avLst/>
+                    </a:prstGeom>
+                    <a:ln>
+                      <a:noFill/>
+                    </a:ln>
+                  </p:spPr>
+                  <p:style>
+                    <a:lnRef idx="2">
+                      <a:schemeClr val="accent1">
+                        <a:shade val="50000"/>
+                      </a:schemeClr>
+                    </a:lnRef>
+                    <a:fillRef idx="1">
+                      <a:schemeClr val="accent1"/>
+                    </a:fillRef>
+                    <a:effectRef idx="0">
+                      <a:schemeClr val="accent1"/>
+                    </a:effectRef>
+                    <a:fontRef idx="minor">
+                      <a:schemeClr val="lt1"/>
+                    </a:fontRef>
+                  </p:style>
+                  <p:txBody>
+                    <a:bodyPr rtlCol="0" anchor="ctr"/>
+                    <a:lstStyle/>
+                    <a:p>
+                      <a:pPr algn="ctr"/>
+                      <a:r>
+                        <a:rPr lang="en-US" altLang="ko-KR" dirty="0"/>
+                        <a:t>Player 5</a:t>
+                      </a:r>
+                      <a:endParaRPr lang="ko-KR" altLang="en-US" dirty="0"/>
+                    </a:p>
+                  </p:txBody>
+                </p:sp>
+                <p:sp>
+                  <p:nvSpPr>
+                    <p:cNvPr id="156" name="직사각형 155">
+                      <a:extLst>
+                        <a:ext uri="{FF2B5EF4-FFF2-40B4-BE49-F238E27FC236}">
+                          <a16:creationId xmlns:a16="http://schemas.microsoft.com/office/drawing/2014/main" id="{ED499A25-403D-44E1-88C7-5BCFCC3A2025}"/>
+                        </a:ext>
+                      </a:extLst>
+                    </p:cNvPr>
+                    <p:cNvSpPr/>
+                    <p:nvPr/>
+                  </p:nvSpPr>
+                  <p:spPr>
+                    <a:xfrm>
+                      <a:off x="931225" y="1749190"/>
+                      <a:ext cx="375061" cy="497340"/>
+                    </a:xfrm>
+                    <a:prstGeom prst="rect">
+                      <a:avLst/>
+                    </a:prstGeom>
+                    <a:ln>
+                      <a:noFill/>
+                    </a:ln>
+                  </p:spPr>
+                  <p:style>
+                    <a:lnRef idx="2">
+                      <a:schemeClr val="accent1">
+                        <a:shade val="50000"/>
+                      </a:schemeClr>
+                    </a:lnRef>
+                    <a:fillRef idx="1">
+                      <a:schemeClr val="accent1"/>
+                    </a:fillRef>
+                    <a:effectRef idx="0">
+                      <a:schemeClr val="accent1"/>
+                    </a:effectRef>
+                    <a:fontRef idx="minor">
+                      <a:schemeClr val="lt1"/>
+                    </a:fontRef>
+                  </p:style>
+                  <p:txBody>
+                    <a:bodyPr rtlCol="0" anchor="ctr"/>
+                    <a:lstStyle/>
+                    <a:p>
+                      <a:pPr algn="ctr"/>
+                      <a:r>
+                        <a:rPr lang="en-US" altLang="ko-KR" dirty="0"/>
+                        <a:t>2</a:t>
+                      </a:r>
+                      <a:endParaRPr lang="ko-KR" altLang="en-US" dirty="0"/>
+                    </a:p>
+                  </p:txBody>
+                </p:sp>
+                <p:sp>
+                  <p:nvSpPr>
+                    <p:cNvPr id="157" name="직사각형 156">
+                      <a:extLst>
+                        <a:ext uri="{FF2B5EF4-FFF2-40B4-BE49-F238E27FC236}">
+                          <a16:creationId xmlns:a16="http://schemas.microsoft.com/office/drawing/2014/main" id="{52AB3EE1-A0DA-4418-8795-9AD147405B7F}"/>
+                        </a:ext>
+                      </a:extLst>
+                    </p:cNvPr>
+                    <p:cNvSpPr/>
+                    <p:nvPr/>
+                  </p:nvSpPr>
+                  <p:spPr>
+                    <a:xfrm>
+                      <a:off x="3045194" y="1749190"/>
+                      <a:ext cx="837048" cy="497340"/>
+                    </a:xfrm>
+                    <a:prstGeom prst="rect">
+                      <a:avLst/>
+                    </a:prstGeom>
+                    <a:ln>
+                      <a:noFill/>
+                    </a:ln>
+                  </p:spPr>
+                  <p:style>
+                    <a:lnRef idx="2">
+                      <a:schemeClr val="accent1">
+                        <a:shade val="50000"/>
+                      </a:schemeClr>
+                    </a:lnRef>
+                    <a:fillRef idx="1">
+                      <a:schemeClr val="accent1"/>
+                    </a:fillRef>
+                    <a:effectRef idx="0">
+                      <a:schemeClr val="accent1"/>
+                    </a:effectRef>
+                    <a:fontRef idx="minor">
+                      <a:schemeClr val="lt1"/>
+                    </a:fontRef>
+                  </p:style>
+                  <p:txBody>
+                    <a:bodyPr rtlCol="0" anchor="ctr"/>
+                    <a:lstStyle/>
+                    <a:p>
+                      <a:pPr algn="ctr"/>
+                      <a:r>
+                        <a:rPr lang="en-US" altLang="ko-KR" dirty="0"/>
+                        <a:t>84</a:t>
+                      </a:r>
+                      <a:endParaRPr lang="ko-KR" altLang="en-US" dirty="0"/>
+                    </a:p>
+                  </p:txBody>
+                </p:sp>
+              </p:grpSp>
+            </p:grpSp>
+            <p:grpSp>
+              <p:nvGrpSpPr>
+                <p:cNvPr id="24" name="그룹 23">
+                  <a:extLst>
+                    <a:ext uri="{FF2B5EF4-FFF2-40B4-BE49-F238E27FC236}">
+                      <a16:creationId xmlns:a16="http://schemas.microsoft.com/office/drawing/2014/main" id="{802E4976-E6E7-4982-A1E4-4B0206FBD028}"/>
+                    </a:ext>
+                  </a:extLst>
+                </p:cNvPr>
+                <p:cNvGrpSpPr/>
+                <p:nvPr/>
+              </p:nvGrpSpPr>
+              <p:grpSpPr>
+                <a:xfrm>
+                  <a:off x="695346" y="2626764"/>
+                  <a:ext cx="2951017" cy="497343"/>
+                  <a:chOff x="695346" y="2626764"/>
+                  <a:chExt cx="2951017" cy="497343"/>
+                </a:xfrm>
+              </p:grpSpPr>
+              <p:sp>
+                <p:nvSpPr>
+                  <p:cNvPr id="162" name="직사각형 161">
+                    <a:extLst>
+                      <a:ext uri="{FF2B5EF4-FFF2-40B4-BE49-F238E27FC236}">
+                        <a16:creationId xmlns:a16="http://schemas.microsoft.com/office/drawing/2014/main" id="{FC97C7B5-7680-4832-904E-984D1AE4CF10}"/>
+                      </a:ext>
+                    </a:extLst>
+                  </p:cNvPr>
+                  <p:cNvSpPr/>
+                  <p:nvPr/>
+                </p:nvSpPr>
+                <p:spPr>
+                  <a:xfrm>
+                    <a:off x="1070407" y="2626765"/>
+                    <a:ext cx="1738908" cy="497340"/>
+                  </a:xfrm>
+                  <a:prstGeom prst="rect">
+                    <a:avLst/>
+                  </a:prstGeom>
+                  <a:ln>
+                    <a:noFill/>
+                  </a:ln>
+                </p:spPr>
+                <p:style>
+                  <a:lnRef idx="2">
+                    <a:schemeClr val="accent1">
+                      <a:shade val="50000"/>
+                    </a:schemeClr>
+                  </a:lnRef>
+                  <a:fillRef idx="1">
+                    <a:schemeClr val="accent1"/>
+                  </a:fillRef>
+                  <a:effectRef idx="0">
+                    <a:schemeClr val="accent1"/>
+                  </a:effectRef>
+                  <a:fontRef idx="minor">
+                    <a:schemeClr val="lt1"/>
+                  </a:fontRef>
+                </p:style>
+                <p:txBody>
+                  <a:bodyPr rtlCol="0" anchor="ctr"/>
+                  <a:lstStyle/>
+                  <a:p>
+                    <a:pPr algn="ctr"/>
+                    <a:r>
+                      <a:rPr lang="en-US" altLang="ko-KR" dirty="0"/>
+                      <a:t>Player 2</a:t>
+                    </a:r>
+                    <a:endParaRPr lang="ko-KR" altLang="en-US" dirty="0"/>
+                  </a:p>
+                </p:txBody>
+              </p:sp>
+              <p:sp>
+                <p:nvSpPr>
+                  <p:cNvPr id="163" name="직사각형 162">
+                    <a:extLst>
+                      <a:ext uri="{FF2B5EF4-FFF2-40B4-BE49-F238E27FC236}">
+                        <a16:creationId xmlns:a16="http://schemas.microsoft.com/office/drawing/2014/main" id="{70D405B9-D8AF-4D42-9D1F-EF69F7389D3C}"/>
+                      </a:ext>
+                    </a:extLst>
+                  </p:cNvPr>
+                  <p:cNvSpPr/>
+                  <p:nvPr/>
+                </p:nvSpPr>
+                <p:spPr>
+                  <a:xfrm>
+                    <a:off x="695346" y="2626767"/>
+                    <a:ext cx="375061" cy="497340"/>
+                  </a:xfrm>
+                  <a:prstGeom prst="rect">
+                    <a:avLst/>
+                  </a:prstGeom>
+                  <a:ln>
+                    <a:noFill/>
+                  </a:ln>
+                </p:spPr>
+                <p:style>
+                  <a:lnRef idx="2">
+                    <a:schemeClr val="accent1">
+                      <a:shade val="50000"/>
+                    </a:schemeClr>
+                  </a:lnRef>
+                  <a:fillRef idx="1">
+                    <a:schemeClr val="accent1"/>
+                  </a:fillRef>
+                  <a:effectRef idx="0">
+                    <a:schemeClr val="accent1"/>
+                  </a:effectRef>
+                  <a:fontRef idx="minor">
+                    <a:schemeClr val="lt1"/>
+                  </a:fontRef>
+                </p:style>
+                <p:txBody>
+                  <a:bodyPr rtlCol="0" anchor="ctr"/>
+                  <a:lstStyle/>
+                  <a:p>
+                    <a:pPr algn="ctr"/>
+                    <a:r>
+                      <a:rPr lang="en-US" altLang="ko-KR" dirty="0"/>
+                      <a:t>3</a:t>
+                    </a:r>
+                    <a:endParaRPr lang="ko-KR" altLang="en-US" dirty="0"/>
+                  </a:p>
+                </p:txBody>
+              </p:sp>
+              <p:sp>
+                <p:nvSpPr>
+                  <p:cNvPr id="164" name="직사각형 163">
+                    <a:extLst>
+                      <a:ext uri="{FF2B5EF4-FFF2-40B4-BE49-F238E27FC236}">
+                        <a16:creationId xmlns:a16="http://schemas.microsoft.com/office/drawing/2014/main" id="{196619A9-06A0-4AD5-B38E-1060BEAF9E5A}"/>
+                      </a:ext>
+                    </a:extLst>
+                  </p:cNvPr>
+                  <p:cNvSpPr/>
+                  <p:nvPr/>
+                </p:nvSpPr>
+                <p:spPr>
+                  <a:xfrm>
+                    <a:off x="2809315" y="2626764"/>
+                    <a:ext cx="837048" cy="497340"/>
+                  </a:xfrm>
+                  <a:prstGeom prst="rect">
+                    <a:avLst/>
+                  </a:prstGeom>
+                  <a:ln>
+                    <a:noFill/>
+                  </a:ln>
+                </p:spPr>
+                <p:style>
+                  <a:lnRef idx="2">
+                    <a:schemeClr val="accent1">
+                      <a:shade val="50000"/>
+                    </a:schemeClr>
+                  </a:lnRef>
+                  <a:fillRef idx="1">
+                    <a:schemeClr val="accent1"/>
+                  </a:fillRef>
+                  <a:effectRef idx="0">
+                    <a:schemeClr val="accent1"/>
+                  </a:effectRef>
+                  <a:fontRef idx="minor">
+                    <a:schemeClr val="lt1"/>
+                  </a:fontRef>
+                </p:style>
+                <p:txBody>
+                  <a:bodyPr rtlCol="0" anchor="ctr"/>
+                  <a:lstStyle/>
+                  <a:p>
+                    <a:pPr algn="ctr"/>
+                    <a:r>
+                      <a:rPr lang="en-US" altLang="ko-KR" dirty="0"/>
+                      <a:t>82</a:t>
+                    </a:r>
+                    <a:endParaRPr lang="ko-KR" altLang="en-US" dirty="0"/>
+                  </a:p>
+                </p:txBody>
+              </p:sp>
+            </p:grpSp>
+          </p:grpSp>
+          <p:grpSp>
+            <p:nvGrpSpPr>
+              <p:cNvPr id="209" name="그룹 208">
                 <a:extLst>
                   <a:ext uri="{FF2B5EF4-FFF2-40B4-BE49-F238E27FC236}">
-                    <a16:creationId xmlns:a16="http://schemas.microsoft.com/office/drawing/2014/main" id="{46E21433-1ADE-43FD-ADB8-23690E899D21}"/>
+                    <a16:creationId xmlns:a16="http://schemas.microsoft.com/office/drawing/2014/main" id="{D1F9F1C7-F236-4F21-B8A7-C31DF2260EAB}"/>
                   </a:ext>
                 </a:extLst>
               </p:cNvPr>
-              <p:cNvPicPr>
-                <a:picLocks noChangeAspect="1"/>
-              </p:cNvPicPr>
+              <p:cNvGrpSpPr/>
               <p:nvPr/>
-            </p:nvPicPr>
-            <p:blipFill>
-              <a:blip r:embed="rId5">
+            </p:nvGrpSpPr>
+            <p:grpSpPr>
+              <a:xfrm>
+                <a:off x="698191" y="2993963"/>
+                <a:ext cx="2956380" cy="939841"/>
+                <a:chOff x="698191" y="1697627"/>
+                <a:chExt cx="2956380" cy="1461528"/>
+              </a:xfrm>
+            </p:grpSpPr>
+            <p:grpSp>
+              <p:nvGrpSpPr>
+                <p:cNvPr id="210" name="그룹 209">
+                  <a:extLst>
+                    <a:ext uri="{FF2B5EF4-FFF2-40B4-BE49-F238E27FC236}">
+                      <a16:creationId xmlns:a16="http://schemas.microsoft.com/office/drawing/2014/main" id="{9B0E2BF9-B64F-470F-ADFB-307C37E36AF5}"/>
+                    </a:ext>
+                  </a:extLst>
+                </p:cNvPr>
+                <p:cNvGrpSpPr/>
+                <p:nvPr/>
+              </p:nvGrpSpPr>
+              <p:grpSpPr>
+                <a:xfrm>
+                  <a:off x="703553" y="1697627"/>
+                  <a:ext cx="2951018" cy="968812"/>
+                  <a:chOff x="934677" y="1865313"/>
+                  <a:chExt cx="2951018" cy="968812"/>
+                </a:xfrm>
+              </p:grpSpPr>
+              <p:grpSp>
+                <p:nvGrpSpPr>
+                  <p:cNvPr id="215" name="그룹 214">
+                    <a:extLst>
+                      <a:ext uri="{FF2B5EF4-FFF2-40B4-BE49-F238E27FC236}">
+                        <a16:creationId xmlns:a16="http://schemas.microsoft.com/office/drawing/2014/main" id="{A371D26A-1410-4F60-AB3D-F8AAA1F74693}"/>
+                      </a:ext>
+                    </a:extLst>
+                  </p:cNvPr>
+                  <p:cNvGrpSpPr/>
+                  <p:nvPr/>
+                </p:nvGrpSpPr>
+                <p:grpSpPr>
+                  <a:xfrm>
+                    <a:off x="934678" y="1865313"/>
+                    <a:ext cx="2951017" cy="497341"/>
+                    <a:chOff x="934678" y="1865313"/>
+                    <a:chExt cx="2951017" cy="497341"/>
+                  </a:xfrm>
+                </p:grpSpPr>
+                <p:sp>
+                  <p:nvSpPr>
+                    <p:cNvPr id="220" name="직사각형 219">
+                      <a:extLst>
+                        <a:ext uri="{FF2B5EF4-FFF2-40B4-BE49-F238E27FC236}">
+                          <a16:creationId xmlns:a16="http://schemas.microsoft.com/office/drawing/2014/main" id="{A6852805-93BA-4D9F-B8D7-77A0E0549CF1}"/>
+                        </a:ext>
+                      </a:extLst>
+                    </p:cNvPr>
+                    <p:cNvSpPr/>
+                    <p:nvPr/>
+                  </p:nvSpPr>
+                  <p:spPr>
+                    <a:xfrm>
+                      <a:off x="1309739" y="1865313"/>
+                      <a:ext cx="1738908" cy="497341"/>
+                    </a:xfrm>
+                    <a:prstGeom prst="rect">
+                      <a:avLst/>
+                    </a:prstGeom>
+                    <a:ln>
+                      <a:noFill/>
+                    </a:ln>
+                  </p:spPr>
+                  <p:style>
+                    <a:lnRef idx="2">
+                      <a:schemeClr val="accent1">
+                        <a:shade val="50000"/>
+                      </a:schemeClr>
+                    </a:lnRef>
+                    <a:fillRef idx="1">
+                      <a:schemeClr val="accent1"/>
+                    </a:fillRef>
+                    <a:effectRef idx="0">
+                      <a:schemeClr val="accent1"/>
+                    </a:effectRef>
+                    <a:fontRef idx="minor">
+                      <a:schemeClr val="lt1"/>
+                    </a:fontRef>
+                  </p:style>
+                  <p:txBody>
+                    <a:bodyPr rtlCol="0" anchor="ctr"/>
+                    <a:lstStyle/>
+                    <a:p>
+                      <a:pPr algn="ctr"/>
+                      <a:r>
+                        <a:rPr lang="en-US" altLang="ko-KR" dirty="0"/>
+                        <a:t>Player 3</a:t>
+                      </a:r>
+                      <a:endParaRPr lang="ko-KR" altLang="en-US" dirty="0"/>
+                    </a:p>
+                  </p:txBody>
+                </p:sp>
+                <p:sp>
+                  <p:nvSpPr>
+                    <p:cNvPr id="221" name="직사각형 220">
+                      <a:extLst>
+                        <a:ext uri="{FF2B5EF4-FFF2-40B4-BE49-F238E27FC236}">
+                          <a16:creationId xmlns:a16="http://schemas.microsoft.com/office/drawing/2014/main" id="{BF54FEEF-8300-4A2B-9F26-02C5FE3A9911}"/>
+                        </a:ext>
+                      </a:extLst>
+                    </p:cNvPr>
+                    <p:cNvSpPr/>
+                    <p:nvPr/>
+                  </p:nvSpPr>
+                  <p:spPr>
+                    <a:xfrm>
+                      <a:off x="934678" y="1865313"/>
+                      <a:ext cx="375061" cy="497341"/>
+                    </a:xfrm>
+                    <a:prstGeom prst="rect">
+                      <a:avLst/>
+                    </a:prstGeom>
+                    <a:ln>
+                      <a:noFill/>
+                    </a:ln>
+                  </p:spPr>
+                  <p:style>
+                    <a:lnRef idx="2">
+                      <a:schemeClr val="accent1">
+                        <a:shade val="50000"/>
+                      </a:schemeClr>
+                    </a:lnRef>
+                    <a:fillRef idx="1">
+                      <a:schemeClr val="accent1"/>
+                    </a:fillRef>
+                    <a:effectRef idx="0">
+                      <a:schemeClr val="accent1"/>
+                    </a:effectRef>
+                    <a:fontRef idx="minor">
+                      <a:schemeClr val="lt1"/>
+                    </a:fontRef>
+                  </p:style>
+                  <p:txBody>
+                    <a:bodyPr rtlCol="0" anchor="ctr"/>
+                    <a:lstStyle/>
+                    <a:p>
+                      <a:pPr algn="ctr"/>
+                      <a:r>
+                        <a:rPr lang="en-US" altLang="ko-KR" dirty="0"/>
+                        <a:t>7</a:t>
+                      </a:r>
+                      <a:endParaRPr lang="ko-KR" altLang="en-US" dirty="0"/>
+                    </a:p>
+                  </p:txBody>
+                </p:sp>
+                <p:sp>
+                  <p:nvSpPr>
+                    <p:cNvPr id="222" name="직사각형 221">
+                      <a:extLst>
+                        <a:ext uri="{FF2B5EF4-FFF2-40B4-BE49-F238E27FC236}">
+                          <a16:creationId xmlns:a16="http://schemas.microsoft.com/office/drawing/2014/main" id="{B1AC5F0F-AC10-42C1-856E-2F658C310B49}"/>
+                        </a:ext>
+                      </a:extLst>
+                    </p:cNvPr>
+                    <p:cNvSpPr/>
+                    <p:nvPr/>
+                  </p:nvSpPr>
+                  <p:spPr>
+                    <a:xfrm>
+                      <a:off x="3048647" y="1865313"/>
+                      <a:ext cx="837048" cy="497339"/>
+                    </a:xfrm>
+                    <a:prstGeom prst="rect">
+                      <a:avLst/>
+                    </a:prstGeom>
+                    <a:ln>
+                      <a:noFill/>
+                    </a:ln>
+                  </p:spPr>
+                  <p:style>
+                    <a:lnRef idx="2">
+                      <a:schemeClr val="accent1">
+                        <a:shade val="50000"/>
+                      </a:schemeClr>
+                    </a:lnRef>
+                    <a:fillRef idx="1">
+                      <a:schemeClr val="accent1"/>
+                    </a:fillRef>
+                    <a:effectRef idx="0">
+                      <a:schemeClr val="accent1"/>
+                    </a:effectRef>
+                    <a:fontRef idx="minor">
+                      <a:schemeClr val="lt1"/>
+                    </a:fontRef>
+                  </p:style>
+                  <p:txBody>
+                    <a:bodyPr rtlCol="0" anchor="ctr"/>
+                    <a:lstStyle/>
+                    <a:p>
+                      <a:pPr algn="ctr"/>
+                      <a:r>
+                        <a:rPr lang="en-US" altLang="ko-KR" dirty="0"/>
+                        <a:t>60</a:t>
+                      </a:r>
+                      <a:endParaRPr lang="ko-KR" altLang="en-US" dirty="0"/>
+                    </a:p>
+                  </p:txBody>
+                </p:sp>
+              </p:grpSp>
+              <p:grpSp>
+                <p:nvGrpSpPr>
+                  <p:cNvPr id="216" name="그룹 215">
+                    <a:extLst>
+                      <a:ext uri="{FF2B5EF4-FFF2-40B4-BE49-F238E27FC236}">
+                        <a16:creationId xmlns:a16="http://schemas.microsoft.com/office/drawing/2014/main" id="{453D30C0-B0E2-4C3C-ABBF-AB931D0AC4DA}"/>
+                      </a:ext>
+                    </a:extLst>
+                  </p:cNvPr>
+                  <p:cNvGrpSpPr/>
+                  <p:nvPr/>
+                </p:nvGrpSpPr>
+                <p:grpSpPr>
+                  <a:xfrm>
+                    <a:off x="934677" y="2336782"/>
+                    <a:ext cx="2947564" cy="497343"/>
+                    <a:chOff x="934678" y="1767554"/>
+                    <a:chExt cx="2947564" cy="497343"/>
+                  </a:xfrm>
+                </p:grpSpPr>
+                <p:sp>
+                  <p:nvSpPr>
+                    <p:cNvPr id="217" name="직사각형 216">
+                      <a:extLst>
+                        <a:ext uri="{FF2B5EF4-FFF2-40B4-BE49-F238E27FC236}">
+                          <a16:creationId xmlns:a16="http://schemas.microsoft.com/office/drawing/2014/main" id="{ECB60A42-AB68-4792-B746-78C987EE691A}"/>
+                        </a:ext>
+                      </a:extLst>
+                    </p:cNvPr>
+                    <p:cNvSpPr/>
+                    <p:nvPr/>
+                  </p:nvSpPr>
+                  <p:spPr>
+                    <a:xfrm>
+                      <a:off x="1306286" y="1767554"/>
+                      <a:ext cx="1738908" cy="497339"/>
+                    </a:xfrm>
+                    <a:prstGeom prst="rect">
+                      <a:avLst/>
+                    </a:prstGeom>
+                    <a:ln>
+                      <a:noFill/>
+                    </a:ln>
+                  </p:spPr>
+                  <p:style>
+                    <a:lnRef idx="2">
+                      <a:schemeClr val="accent1">
+                        <a:shade val="50000"/>
+                      </a:schemeClr>
+                    </a:lnRef>
+                    <a:fillRef idx="1">
+                      <a:schemeClr val="accent1"/>
+                    </a:fillRef>
+                    <a:effectRef idx="0">
+                      <a:schemeClr val="accent1"/>
+                    </a:effectRef>
+                    <a:fontRef idx="minor">
+                      <a:schemeClr val="lt1"/>
+                    </a:fontRef>
+                  </p:style>
+                  <p:txBody>
+                    <a:bodyPr rtlCol="0" anchor="ctr"/>
+                    <a:lstStyle/>
+                    <a:p>
+                      <a:pPr algn="ctr"/>
+                      <a:r>
+                        <a:rPr lang="en-US" altLang="ko-KR" dirty="0"/>
+                        <a:t>Player 9</a:t>
+                      </a:r>
+                      <a:endParaRPr lang="ko-KR" altLang="en-US" dirty="0"/>
+                    </a:p>
+                  </p:txBody>
+                </p:sp>
+                <p:sp>
+                  <p:nvSpPr>
+                    <p:cNvPr id="218" name="직사각형 217">
+                      <a:extLst>
+                        <a:ext uri="{FF2B5EF4-FFF2-40B4-BE49-F238E27FC236}">
+                          <a16:creationId xmlns:a16="http://schemas.microsoft.com/office/drawing/2014/main" id="{0994F0CB-A58E-4321-B116-BF4C4A046A31}"/>
+                        </a:ext>
+                      </a:extLst>
+                    </p:cNvPr>
+                    <p:cNvSpPr/>
+                    <p:nvPr/>
+                  </p:nvSpPr>
+                  <p:spPr>
+                    <a:xfrm>
+                      <a:off x="934678" y="1767556"/>
+                      <a:ext cx="375061" cy="497340"/>
+                    </a:xfrm>
+                    <a:prstGeom prst="rect">
+                      <a:avLst/>
+                    </a:prstGeom>
+                    <a:ln>
+                      <a:noFill/>
+                    </a:ln>
+                  </p:spPr>
+                  <p:style>
+                    <a:lnRef idx="2">
+                      <a:schemeClr val="accent1">
+                        <a:shade val="50000"/>
+                      </a:schemeClr>
+                    </a:lnRef>
+                    <a:fillRef idx="1">
+                      <a:schemeClr val="accent1"/>
+                    </a:fillRef>
+                    <a:effectRef idx="0">
+                      <a:schemeClr val="accent1"/>
+                    </a:effectRef>
+                    <a:fontRef idx="minor">
+                      <a:schemeClr val="lt1"/>
+                    </a:fontRef>
+                  </p:style>
+                  <p:txBody>
+                    <a:bodyPr rtlCol="0" anchor="ctr"/>
+                    <a:lstStyle/>
+                    <a:p>
+                      <a:pPr algn="ctr"/>
+                      <a:r>
+                        <a:rPr lang="en-US" altLang="ko-KR" dirty="0"/>
+                        <a:t>8</a:t>
+                      </a:r>
+                      <a:endParaRPr lang="ko-KR" altLang="en-US" dirty="0"/>
+                    </a:p>
+                  </p:txBody>
+                </p:sp>
+                <p:sp>
+                  <p:nvSpPr>
+                    <p:cNvPr id="219" name="직사각형 218">
+                      <a:extLst>
+                        <a:ext uri="{FF2B5EF4-FFF2-40B4-BE49-F238E27FC236}">
+                          <a16:creationId xmlns:a16="http://schemas.microsoft.com/office/drawing/2014/main" id="{8AA32F6A-A592-443E-B4C6-4308A25C9081}"/>
+                        </a:ext>
+                      </a:extLst>
+                    </p:cNvPr>
+                    <p:cNvSpPr/>
+                    <p:nvPr/>
+                  </p:nvSpPr>
+                  <p:spPr>
+                    <a:xfrm>
+                      <a:off x="3045194" y="1767556"/>
+                      <a:ext cx="837048" cy="497341"/>
+                    </a:xfrm>
+                    <a:prstGeom prst="rect">
+                      <a:avLst/>
+                    </a:prstGeom>
+                    <a:ln>
+                      <a:noFill/>
+                    </a:ln>
+                  </p:spPr>
+                  <p:style>
+                    <a:lnRef idx="2">
+                      <a:schemeClr val="accent1">
+                        <a:shade val="50000"/>
+                      </a:schemeClr>
+                    </a:lnRef>
+                    <a:fillRef idx="1">
+                      <a:schemeClr val="accent1"/>
+                    </a:fillRef>
+                    <a:effectRef idx="0">
+                      <a:schemeClr val="accent1"/>
+                    </a:effectRef>
+                    <a:fontRef idx="minor">
+                      <a:schemeClr val="lt1"/>
+                    </a:fontRef>
+                  </p:style>
+                  <p:txBody>
+                    <a:bodyPr rtlCol="0" anchor="ctr"/>
+                    <a:lstStyle/>
+                    <a:p>
+                      <a:pPr algn="ctr"/>
+                      <a:r>
+                        <a:rPr lang="en-US" altLang="ko-KR" dirty="0"/>
+                        <a:t>57</a:t>
+                      </a:r>
+                      <a:endParaRPr lang="ko-KR" altLang="en-US" dirty="0"/>
+                    </a:p>
+                  </p:txBody>
+                </p:sp>
+              </p:grpSp>
+            </p:grpSp>
+            <p:grpSp>
+              <p:nvGrpSpPr>
+                <p:cNvPr id="211" name="그룹 210">
+                  <a:extLst>
+                    <a:ext uri="{FF2B5EF4-FFF2-40B4-BE49-F238E27FC236}">
+                      <a16:creationId xmlns:a16="http://schemas.microsoft.com/office/drawing/2014/main" id="{9DB9069C-F344-472E-8B25-96EBC2955B38}"/>
+                    </a:ext>
+                  </a:extLst>
+                </p:cNvPr>
+                <p:cNvGrpSpPr/>
+                <p:nvPr/>
+              </p:nvGrpSpPr>
+              <p:grpSpPr>
+                <a:xfrm>
+                  <a:off x="698191" y="2661812"/>
+                  <a:ext cx="2947564" cy="497343"/>
+                  <a:chOff x="698191" y="2661812"/>
+                  <a:chExt cx="2947564" cy="497343"/>
+                </a:xfrm>
+              </p:grpSpPr>
+              <p:sp>
+                <p:nvSpPr>
+                  <p:cNvPr id="212" name="직사각형 211">
+                    <a:extLst>
+                      <a:ext uri="{FF2B5EF4-FFF2-40B4-BE49-F238E27FC236}">
+                        <a16:creationId xmlns:a16="http://schemas.microsoft.com/office/drawing/2014/main" id="{D2C217B3-28B2-41E0-9EE0-E3101A9D2CB6}"/>
+                      </a:ext>
+                    </a:extLst>
+                  </p:cNvPr>
+                  <p:cNvSpPr/>
+                  <p:nvPr/>
+                </p:nvSpPr>
+                <p:spPr>
+                  <a:xfrm>
+                    <a:off x="1069799" y="2661815"/>
+                    <a:ext cx="1738908" cy="497340"/>
+                  </a:xfrm>
+                  <a:prstGeom prst="rect">
+                    <a:avLst/>
+                  </a:prstGeom>
+                  <a:ln>
+                    <a:noFill/>
+                  </a:ln>
+                </p:spPr>
+                <p:style>
+                  <a:lnRef idx="2">
+                    <a:schemeClr val="accent1">
+                      <a:shade val="50000"/>
+                    </a:schemeClr>
+                  </a:lnRef>
+                  <a:fillRef idx="1">
+                    <a:schemeClr val="accent1"/>
+                  </a:fillRef>
+                  <a:effectRef idx="0">
+                    <a:schemeClr val="accent1"/>
+                  </a:effectRef>
+                  <a:fontRef idx="minor">
+                    <a:schemeClr val="lt1"/>
+                  </a:fontRef>
+                </p:style>
+                <p:txBody>
+                  <a:bodyPr rtlCol="0" anchor="ctr"/>
+                  <a:lstStyle/>
+                  <a:p>
+                    <a:pPr algn="ctr"/>
+                    <a:r>
+                      <a:rPr lang="en-US" altLang="ko-KR" dirty="0"/>
+                      <a:t>Player 20</a:t>
+                    </a:r>
+                    <a:endParaRPr lang="ko-KR" altLang="en-US" dirty="0"/>
+                  </a:p>
+                </p:txBody>
+              </p:sp>
+              <p:sp>
+                <p:nvSpPr>
+                  <p:cNvPr id="213" name="직사각형 212">
+                    <a:extLst>
+                      <a:ext uri="{FF2B5EF4-FFF2-40B4-BE49-F238E27FC236}">
+                        <a16:creationId xmlns:a16="http://schemas.microsoft.com/office/drawing/2014/main" id="{101A5461-C988-4D5B-8FA4-55110C479516}"/>
+                      </a:ext>
+                    </a:extLst>
+                  </p:cNvPr>
+                  <p:cNvSpPr/>
+                  <p:nvPr/>
+                </p:nvSpPr>
+                <p:spPr>
+                  <a:xfrm>
+                    <a:off x="698191" y="2661814"/>
+                    <a:ext cx="375061" cy="497341"/>
+                  </a:xfrm>
+                  <a:prstGeom prst="rect">
+                    <a:avLst/>
+                  </a:prstGeom>
+                  <a:ln>
+                    <a:noFill/>
+                  </a:ln>
+                </p:spPr>
+                <p:style>
+                  <a:lnRef idx="2">
+                    <a:schemeClr val="accent1">
+                      <a:shade val="50000"/>
+                    </a:schemeClr>
+                  </a:lnRef>
+                  <a:fillRef idx="1">
+                    <a:schemeClr val="accent1"/>
+                  </a:fillRef>
+                  <a:effectRef idx="0">
+                    <a:schemeClr val="accent1"/>
+                  </a:effectRef>
+                  <a:fontRef idx="minor">
+                    <a:schemeClr val="lt1"/>
+                  </a:fontRef>
+                </p:style>
+                <p:txBody>
+                  <a:bodyPr rtlCol="0" anchor="ctr"/>
+                  <a:lstStyle/>
+                  <a:p>
+                    <a:pPr algn="ctr"/>
+                    <a:r>
+                      <a:rPr lang="en-US" altLang="ko-KR" dirty="0"/>
+                      <a:t>9</a:t>
+                    </a:r>
+                    <a:endParaRPr lang="ko-KR" altLang="en-US" dirty="0"/>
+                  </a:p>
+                </p:txBody>
+              </p:sp>
+              <p:sp>
+                <p:nvSpPr>
+                  <p:cNvPr id="214" name="직사각형 213">
+                    <a:extLst>
+                      <a:ext uri="{FF2B5EF4-FFF2-40B4-BE49-F238E27FC236}">
+                        <a16:creationId xmlns:a16="http://schemas.microsoft.com/office/drawing/2014/main" id="{8E2C6655-5E7E-481A-8CE6-D6465C9A9828}"/>
+                      </a:ext>
+                    </a:extLst>
+                  </p:cNvPr>
+                  <p:cNvSpPr/>
+                  <p:nvPr/>
+                </p:nvSpPr>
+                <p:spPr>
+                  <a:xfrm>
+                    <a:off x="2808707" y="2661812"/>
+                    <a:ext cx="837048" cy="497340"/>
+                  </a:xfrm>
+                  <a:prstGeom prst="rect">
+                    <a:avLst/>
+                  </a:prstGeom>
+                  <a:ln>
+                    <a:noFill/>
+                  </a:ln>
+                </p:spPr>
+                <p:style>
+                  <a:lnRef idx="2">
+                    <a:schemeClr val="accent1">
+                      <a:shade val="50000"/>
+                    </a:schemeClr>
+                  </a:lnRef>
+                  <a:fillRef idx="1">
+                    <a:schemeClr val="accent1"/>
+                  </a:fillRef>
+                  <a:effectRef idx="0">
+                    <a:schemeClr val="accent1"/>
+                  </a:effectRef>
+                  <a:fontRef idx="minor">
+                    <a:schemeClr val="lt1"/>
+                  </a:fontRef>
+                </p:style>
+                <p:txBody>
+                  <a:bodyPr rtlCol="0" anchor="ctr"/>
+                  <a:lstStyle/>
+                  <a:p>
+                    <a:pPr algn="ctr"/>
+                    <a:r>
+                      <a:rPr lang="en-US" altLang="ko-KR" dirty="0"/>
+                      <a:t>50</a:t>
+                    </a:r>
+                    <a:endParaRPr lang="ko-KR" altLang="en-US" dirty="0"/>
+                  </a:p>
+                </p:txBody>
+              </p:sp>
+            </p:grpSp>
+          </p:grpSp>
+          <p:grpSp>
+            <p:nvGrpSpPr>
+              <p:cNvPr id="223" name="그룹 222">
                 <a:extLst>
-                  <a:ext uri="{28A0092B-C50C-407E-A947-70E740481C1C}">
-                    <a14:useLocalDpi xmlns:a14="http://schemas.microsoft.com/office/drawing/2010/main" val="0"/>
-                  </a:ext>
-                  <a:ext uri="{96DAC541-7B7A-43D3-8B79-37D633B846F1}">
-                    <asvg:svgBlip xmlns:asvg="http://schemas.microsoft.com/office/drawing/2016/SVG/main" r:embed="rId6"/>
+                  <a:ext uri="{FF2B5EF4-FFF2-40B4-BE49-F238E27FC236}">
+                    <a16:creationId xmlns:a16="http://schemas.microsoft.com/office/drawing/2014/main" id="{00CAEDAA-336C-4223-B014-8864B27CC7E0}"/>
                   </a:ext>
                 </a:extLst>
-              </a:blip>
-              <a:stretch>
-                <a:fillRect/>
-              </a:stretch>
-            </p:blipFill>
-            <p:spPr>
+              </p:cNvPr>
+              <p:cNvGrpSpPr/>
+              <p:nvPr/>
+            </p:nvGrpSpPr>
+            <p:grpSpPr>
               <a:xfrm>
-                <a:off x="3961360" y="3280041"/>
-                <a:ext cx="246958" cy="246958"/>
+                <a:off x="702318" y="4344711"/>
+                <a:ext cx="2951150" cy="956478"/>
+                <a:chOff x="705771" y="1330049"/>
+                <a:chExt cx="2951150" cy="1487400"/>
               </a:xfrm>
-              <a:prstGeom prst="rect">
-                <a:avLst/>
-              </a:prstGeom>
-            </p:spPr>
-          </p:pic>
+            </p:grpSpPr>
+            <p:grpSp>
+              <p:nvGrpSpPr>
+                <p:cNvPr id="224" name="그룹 223">
+                  <a:extLst>
+                    <a:ext uri="{FF2B5EF4-FFF2-40B4-BE49-F238E27FC236}">
+                      <a16:creationId xmlns:a16="http://schemas.microsoft.com/office/drawing/2014/main" id="{5A57A127-D659-41CD-A945-FCE2B035735A}"/>
+                    </a:ext>
+                  </a:extLst>
+                </p:cNvPr>
+                <p:cNvGrpSpPr/>
+                <p:nvPr/>
+              </p:nvGrpSpPr>
+              <p:grpSpPr>
+                <a:xfrm>
+                  <a:off x="709356" y="1330049"/>
+                  <a:ext cx="2947565" cy="990066"/>
+                  <a:chOff x="940480" y="1497735"/>
+                  <a:chExt cx="2947565" cy="990066"/>
+                </a:xfrm>
+              </p:grpSpPr>
+              <p:grpSp>
+                <p:nvGrpSpPr>
+                  <p:cNvPr id="229" name="그룹 228">
+                    <a:extLst>
+                      <a:ext uri="{FF2B5EF4-FFF2-40B4-BE49-F238E27FC236}">
+                        <a16:creationId xmlns:a16="http://schemas.microsoft.com/office/drawing/2014/main" id="{4059EA68-E974-4C29-B629-46D6C442FE94}"/>
+                      </a:ext>
+                    </a:extLst>
+                  </p:cNvPr>
+                  <p:cNvGrpSpPr/>
+                  <p:nvPr/>
+                </p:nvGrpSpPr>
+                <p:grpSpPr>
+                  <a:xfrm>
+                    <a:off x="940481" y="1497735"/>
+                    <a:ext cx="2947564" cy="497343"/>
+                    <a:chOff x="940481" y="1497735"/>
+                    <a:chExt cx="2947564" cy="497343"/>
+                  </a:xfrm>
+                </p:grpSpPr>
+                <p:sp>
+                  <p:nvSpPr>
+                    <p:cNvPr id="234" name="직사각형 233">
+                      <a:extLst>
+                        <a:ext uri="{FF2B5EF4-FFF2-40B4-BE49-F238E27FC236}">
+                          <a16:creationId xmlns:a16="http://schemas.microsoft.com/office/drawing/2014/main" id="{1336AF32-7877-4B4B-BA00-D6EA8731BA68}"/>
+                        </a:ext>
+                      </a:extLst>
+                    </p:cNvPr>
+                    <p:cNvSpPr/>
+                    <p:nvPr/>
+                  </p:nvSpPr>
+                  <p:spPr>
+                    <a:xfrm>
+                      <a:off x="1312089" y="1497735"/>
+                      <a:ext cx="1738908" cy="497340"/>
+                    </a:xfrm>
+                    <a:prstGeom prst="rect">
+                      <a:avLst/>
+                    </a:prstGeom>
+                    <a:ln>
+                      <a:noFill/>
+                    </a:ln>
+                  </p:spPr>
+                  <p:style>
+                    <a:lnRef idx="2">
+                      <a:schemeClr val="accent1">
+                        <a:shade val="50000"/>
+                      </a:schemeClr>
+                    </a:lnRef>
+                    <a:fillRef idx="1">
+                      <a:schemeClr val="accent1"/>
+                    </a:fillRef>
+                    <a:effectRef idx="0">
+                      <a:schemeClr val="accent1"/>
+                    </a:effectRef>
+                    <a:fontRef idx="minor">
+                      <a:schemeClr val="lt1"/>
+                    </a:fontRef>
+                  </p:style>
+                  <p:txBody>
+                    <a:bodyPr rtlCol="0" anchor="ctr"/>
+                    <a:lstStyle/>
+                    <a:p>
+                      <a:pPr algn="ctr"/>
+                      <a:r>
+                        <a:rPr lang="en-US" altLang="ko-KR" dirty="0"/>
+                        <a:t>Player 13</a:t>
+                      </a:r>
+                      <a:endParaRPr lang="ko-KR" altLang="en-US" dirty="0"/>
+                    </a:p>
+                  </p:txBody>
+                </p:sp>
+                <p:sp>
+                  <p:nvSpPr>
+                    <p:cNvPr id="235" name="직사각형 234">
+                      <a:extLst>
+                        <a:ext uri="{FF2B5EF4-FFF2-40B4-BE49-F238E27FC236}">
+                          <a16:creationId xmlns:a16="http://schemas.microsoft.com/office/drawing/2014/main" id="{59C6204A-1C9A-477B-A7A4-84D275907B27}"/>
+                        </a:ext>
+                      </a:extLst>
+                    </p:cNvPr>
+                    <p:cNvSpPr/>
+                    <p:nvPr/>
+                  </p:nvSpPr>
+                  <p:spPr>
+                    <a:xfrm>
+                      <a:off x="940481" y="1497738"/>
+                      <a:ext cx="442393" cy="497340"/>
+                    </a:xfrm>
+                    <a:prstGeom prst="rect">
+                      <a:avLst/>
+                    </a:prstGeom>
+                    <a:ln>
+                      <a:noFill/>
+                    </a:ln>
+                  </p:spPr>
+                  <p:style>
+                    <a:lnRef idx="2">
+                      <a:schemeClr val="accent1">
+                        <a:shade val="50000"/>
+                      </a:schemeClr>
+                    </a:lnRef>
+                    <a:fillRef idx="1">
+                      <a:schemeClr val="accent1"/>
+                    </a:fillRef>
+                    <a:effectRef idx="0">
+                      <a:schemeClr val="accent1"/>
+                    </a:effectRef>
+                    <a:fontRef idx="minor">
+                      <a:schemeClr val="lt1"/>
+                    </a:fontRef>
+                  </p:style>
+                  <p:txBody>
+                    <a:bodyPr rtlCol="0" anchor="ctr"/>
+                    <a:lstStyle/>
+                    <a:p>
+                      <a:pPr algn="ctr"/>
+                      <a:r>
+                        <a:rPr lang="en-US" altLang="ko-KR" dirty="0"/>
+                        <a:t>11</a:t>
+                      </a:r>
+                      <a:endParaRPr lang="ko-KR" altLang="en-US" dirty="0"/>
+                    </a:p>
+                  </p:txBody>
+                </p:sp>
+                <p:sp>
+                  <p:nvSpPr>
+                    <p:cNvPr id="236" name="직사각형 235">
+                      <a:extLst>
+                        <a:ext uri="{FF2B5EF4-FFF2-40B4-BE49-F238E27FC236}">
+                          <a16:creationId xmlns:a16="http://schemas.microsoft.com/office/drawing/2014/main" id="{1F521386-018E-49DB-B4C7-D56CA02FBBEC}"/>
+                        </a:ext>
+                      </a:extLst>
+                    </p:cNvPr>
+                    <p:cNvSpPr/>
+                    <p:nvPr/>
+                  </p:nvSpPr>
+                  <p:spPr>
+                    <a:xfrm>
+                      <a:off x="3050997" y="1497738"/>
+                      <a:ext cx="837048" cy="497340"/>
+                    </a:xfrm>
+                    <a:prstGeom prst="rect">
+                      <a:avLst/>
+                    </a:prstGeom>
+                    <a:ln>
+                      <a:noFill/>
+                    </a:ln>
+                  </p:spPr>
+                  <p:style>
+                    <a:lnRef idx="2">
+                      <a:schemeClr val="accent1">
+                        <a:shade val="50000"/>
+                      </a:schemeClr>
+                    </a:lnRef>
+                    <a:fillRef idx="1">
+                      <a:schemeClr val="accent1"/>
+                    </a:fillRef>
+                    <a:effectRef idx="0">
+                      <a:schemeClr val="accent1"/>
+                    </a:effectRef>
+                    <a:fontRef idx="minor">
+                      <a:schemeClr val="lt1"/>
+                    </a:fontRef>
+                  </p:style>
+                  <p:txBody>
+                    <a:bodyPr rtlCol="0" anchor="ctr"/>
+                    <a:lstStyle/>
+                    <a:p>
+                      <a:pPr algn="ctr"/>
+                      <a:r>
+                        <a:rPr lang="en-US" altLang="ko-KR" dirty="0"/>
+                        <a:t>43</a:t>
+                      </a:r>
+                      <a:endParaRPr lang="ko-KR" altLang="en-US" dirty="0"/>
+                    </a:p>
+                  </p:txBody>
+                </p:sp>
+              </p:grpSp>
+              <p:grpSp>
+                <p:nvGrpSpPr>
+                  <p:cNvPr id="230" name="그룹 229">
+                    <a:extLst>
+                      <a:ext uri="{FF2B5EF4-FFF2-40B4-BE49-F238E27FC236}">
+                        <a16:creationId xmlns:a16="http://schemas.microsoft.com/office/drawing/2014/main" id="{D4374E4C-EC9A-44DD-91DA-08BB18F815CB}"/>
+                      </a:ext>
+                    </a:extLst>
+                  </p:cNvPr>
+                  <p:cNvGrpSpPr/>
+                  <p:nvPr/>
+                </p:nvGrpSpPr>
+                <p:grpSpPr>
+                  <a:xfrm>
+                    <a:off x="940480" y="1990460"/>
+                    <a:ext cx="2947564" cy="497341"/>
+                    <a:chOff x="940481" y="1421232"/>
+                    <a:chExt cx="2947564" cy="497341"/>
+                  </a:xfrm>
+                </p:grpSpPr>
+                <p:sp>
+                  <p:nvSpPr>
+                    <p:cNvPr id="231" name="직사각형 230">
+                      <a:extLst>
+                        <a:ext uri="{FF2B5EF4-FFF2-40B4-BE49-F238E27FC236}">
+                          <a16:creationId xmlns:a16="http://schemas.microsoft.com/office/drawing/2014/main" id="{B2D49AD9-D783-4940-8814-83B44CF72878}"/>
+                        </a:ext>
+                      </a:extLst>
+                    </p:cNvPr>
+                    <p:cNvSpPr/>
+                    <p:nvPr/>
+                  </p:nvSpPr>
+                  <p:spPr>
+                    <a:xfrm>
+                      <a:off x="1312089" y="1421232"/>
+                      <a:ext cx="1738908" cy="497339"/>
+                    </a:xfrm>
+                    <a:prstGeom prst="rect">
+                      <a:avLst/>
+                    </a:prstGeom>
+                    <a:ln>
+                      <a:noFill/>
+                    </a:ln>
+                  </p:spPr>
+                  <p:style>
+                    <a:lnRef idx="2">
+                      <a:schemeClr val="accent1">
+                        <a:shade val="50000"/>
+                      </a:schemeClr>
+                    </a:lnRef>
+                    <a:fillRef idx="1">
+                      <a:schemeClr val="accent1"/>
+                    </a:fillRef>
+                    <a:effectRef idx="0">
+                      <a:schemeClr val="accent1"/>
+                    </a:effectRef>
+                    <a:fontRef idx="minor">
+                      <a:schemeClr val="lt1"/>
+                    </a:fontRef>
+                  </p:style>
+                  <p:txBody>
+                    <a:bodyPr rtlCol="0" anchor="ctr"/>
+                    <a:lstStyle/>
+                    <a:p>
+                      <a:pPr algn="ctr"/>
+                      <a:r>
+                        <a:rPr lang="en-US" altLang="ko-KR" dirty="0"/>
+                        <a:t>Player 15</a:t>
+                      </a:r>
+                      <a:endParaRPr lang="ko-KR" altLang="en-US" dirty="0"/>
+                    </a:p>
+                  </p:txBody>
+                </p:sp>
+                <p:sp>
+                  <p:nvSpPr>
+                    <p:cNvPr id="232" name="직사각형 231">
+                      <a:extLst>
+                        <a:ext uri="{FF2B5EF4-FFF2-40B4-BE49-F238E27FC236}">
+                          <a16:creationId xmlns:a16="http://schemas.microsoft.com/office/drawing/2014/main" id="{0BC000FA-E32C-40D2-89B3-F7ED7BA2F428}"/>
+                        </a:ext>
+                      </a:extLst>
+                    </p:cNvPr>
+                    <p:cNvSpPr/>
+                    <p:nvPr/>
+                  </p:nvSpPr>
+                  <p:spPr>
+                    <a:xfrm>
+                      <a:off x="940481" y="1421234"/>
+                      <a:ext cx="442393" cy="497339"/>
+                    </a:xfrm>
+                    <a:prstGeom prst="rect">
+                      <a:avLst/>
+                    </a:prstGeom>
+                    <a:ln>
+                      <a:noFill/>
+                    </a:ln>
+                  </p:spPr>
+                  <p:style>
+                    <a:lnRef idx="2">
+                      <a:schemeClr val="accent1">
+                        <a:shade val="50000"/>
+                      </a:schemeClr>
+                    </a:lnRef>
+                    <a:fillRef idx="1">
+                      <a:schemeClr val="accent1"/>
+                    </a:fillRef>
+                    <a:effectRef idx="0">
+                      <a:schemeClr val="accent1"/>
+                    </a:effectRef>
+                    <a:fontRef idx="minor">
+                      <a:schemeClr val="lt1"/>
+                    </a:fontRef>
+                  </p:style>
+                  <p:txBody>
+                    <a:bodyPr rtlCol="0" anchor="ctr"/>
+                    <a:lstStyle/>
+                    <a:p>
+                      <a:pPr algn="ctr"/>
+                      <a:r>
+                        <a:rPr lang="en-US" altLang="ko-KR" dirty="0"/>
+                        <a:t>12</a:t>
+                      </a:r>
+                      <a:endParaRPr lang="ko-KR" altLang="en-US" dirty="0"/>
+                    </a:p>
+                  </p:txBody>
+                </p:sp>
+                <p:sp>
+                  <p:nvSpPr>
+                    <p:cNvPr id="233" name="직사각형 232">
+                      <a:extLst>
+                        <a:ext uri="{FF2B5EF4-FFF2-40B4-BE49-F238E27FC236}">
+                          <a16:creationId xmlns:a16="http://schemas.microsoft.com/office/drawing/2014/main" id="{DA7823A1-E6D6-4426-A0AC-A57D5F888159}"/>
+                        </a:ext>
+                      </a:extLst>
+                    </p:cNvPr>
+                    <p:cNvSpPr/>
+                    <p:nvPr/>
+                  </p:nvSpPr>
+                  <p:spPr>
+                    <a:xfrm>
+                      <a:off x="3050997" y="1421232"/>
+                      <a:ext cx="837048" cy="497338"/>
+                    </a:xfrm>
+                    <a:prstGeom prst="rect">
+                      <a:avLst/>
+                    </a:prstGeom>
+                    <a:ln>
+                      <a:noFill/>
+                    </a:ln>
+                  </p:spPr>
+                  <p:style>
+                    <a:lnRef idx="2">
+                      <a:schemeClr val="accent1">
+                        <a:shade val="50000"/>
+                      </a:schemeClr>
+                    </a:lnRef>
+                    <a:fillRef idx="1">
+                      <a:schemeClr val="accent1"/>
+                    </a:fillRef>
+                    <a:effectRef idx="0">
+                      <a:schemeClr val="accent1"/>
+                    </a:effectRef>
+                    <a:fontRef idx="minor">
+                      <a:schemeClr val="lt1"/>
+                    </a:fontRef>
+                  </p:style>
+                  <p:txBody>
+                    <a:bodyPr rtlCol="0" anchor="ctr"/>
+                    <a:lstStyle/>
+                    <a:p>
+                      <a:pPr algn="ctr"/>
+                      <a:r>
+                        <a:rPr lang="en-US" altLang="ko-KR" dirty="0"/>
+                        <a:t>40</a:t>
+                      </a:r>
+                      <a:endParaRPr lang="ko-KR" altLang="en-US" dirty="0"/>
+                    </a:p>
+                  </p:txBody>
+                </p:sp>
+              </p:grpSp>
+            </p:grpSp>
+            <p:grpSp>
+              <p:nvGrpSpPr>
+                <p:cNvPr id="225" name="그룹 224">
+                  <a:extLst>
+                    <a:ext uri="{FF2B5EF4-FFF2-40B4-BE49-F238E27FC236}">
+                      <a16:creationId xmlns:a16="http://schemas.microsoft.com/office/drawing/2014/main" id="{1B12C434-8DB7-4ECA-8F68-A035FF225F51}"/>
+                    </a:ext>
+                  </a:extLst>
+                </p:cNvPr>
+                <p:cNvGrpSpPr/>
+                <p:nvPr/>
+              </p:nvGrpSpPr>
+              <p:grpSpPr>
+                <a:xfrm>
+                  <a:off x="705771" y="2320110"/>
+                  <a:ext cx="2951017" cy="497339"/>
+                  <a:chOff x="705771" y="2320110"/>
+                  <a:chExt cx="2951017" cy="497339"/>
+                </a:xfrm>
+              </p:grpSpPr>
+              <p:sp>
+                <p:nvSpPr>
+                  <p:cNvPr id="226" name="직사각형 225">
+                    <a:extLst>
+                      <a:ext uri="{FF2B5EF4-FFF2-40B4-BE49-F238E27FC236}">
+                        <a16:creationId xmlns:a16="http://schemas.microsoft.com/office/drawing/2014/main" id="{E3D8945B-3430-4145-9D9B-A67FF9D05807}"/>
+                      </a:ext>
+                    </a:extLst>
+                  </p:cNvPr>
+                  <p:cNvSpPr/>
+                  <p:nvPr/>
+                </p:nvSpPr>
+                <p:spPr>
+                  <a:xfrm>
+                    <a:off x="1080832" y="2320110"/>
+                    <a:ext cx="1738908" cy="497339"/>
+                  </a:xfrm>
+                  <a:prstGeom prst="rect">
+                    <a:avLst/>
+                  </a:prstGeom>
+                  <a:ln>
+                    <a:noFill/>
+                  </a:ln>
+                </p:spPr>
+                <p:style>
+                  <a:lnRef idx="2">
+                    <a:schemeClr val="accent1">
+                      <a:shade val="50000"/>
+                    </a:schemeClr>
+                  </a:lnRef>
+                  <a:fillRef idx="1">
+                    <a:schemeClr val="accent1"/>
+                  </a:fillRef>
+                  <a:effectRef idx="0">
+                    <a:schemeClr val="accent1"/>
+                  </a:effectRef>
+                  <a:fontRef idx="minor">
+                    <a:schemeClr val="lt1"/>
+                  </a:fontRef>
+                </p:style>
+                <p:txBody>
+                  <a:bodyPr rtlCol="0" anchor="ctr"/>
+                  <a:lstStyle/>
+                  <a:p>
+                    <a:pPr algn="ctr"/>
+                    <a:r>
+                      <a:rPr lang="en-US" altLang="ko-KR" dirty="0"/>
+                      <a:t>Player 7</a:t>
+                    </a:r>
+                    <a:endParaRPr lang="ko-KR" altLang="en-US" dirty="0"/>
+                  </a:p>
+                </p:txBody>
+              </p:sp>
+              <p:sp>
+                <p:nvSpPr>
+                  <p:cNvPr id="227" name="직사각형 226">
+                    <a:extLst>
+                      <a:ext uri="{FF2B5EF4-FFF2-40B4-BE49-F238E27FC236}">
+                        <a16:creationId xmlns:a16="http://schemas.microsoft.com/office/drawing/2014/main" id="{C0D0E45B-122D-4658-9D43-55B687A524E8}"/>
+                      </a:ext>
+                    </a:extLst>
+                  </p:cNvPr>
+                  <p:cNvSpPr/>
+                  <p:nvPr/>
+                </p:nvSpPr>
+                <p:spPr>
+                  <a:xfrm>
+                    <a:off x="705771" y="2320110"/>
+                    <a:ext cx="442393" cy="497339"/>
+                  </a:xfrm>
+                  <a:prstGeom prst="rect">
+                    <a:avLst/>
+                  </a:prstGeom>
+                  <a:ln>
+                    <a:noFill/>
+                  </a:ln>
+                </p:spPr>
+                <p:style>
+                  <a:lnRef idx="2">
+                    <a:schemeClr val="accent1">
+                      <a:shade val="50000"/>
+                    </a:schemeClr>
+                  </a:lnRef>
+                  <a:fillRef idx="1">
+                    <a:schemeClr val="accent1"/>
+                  </a:fillRef>
+                  <a:effectRef idx="0">
+                    <a:schemeClr val="accent1"/>
+                  </a:effectRef>
+                  <a:fontRef idx="minor">
+                    <a:schemeClr val="lt1"/>
+                  </a:fontRef>
+                </p:style>
+                <p:txBody>
+                  <a:bodyPr rtlCol="0" anchor="ctr"/>
+                  <a:lstStyle/>
+                  <a:p>
+                    <a:pPr algn="ctr"/>
+                    <a:r>
+                      <a:rPr lang="en-US" altLang="ko-KR" dirty="0"/>
+                      <a:t>13</a:t>
+                    </a:r>
+                    <a:endParaRPr lang="ko-KR" altLang="en-US" dirty="0"/>
+                  </a:p>
+                </p:txBody>
+              </p:sp>
+              <p:sp>
+                <p:nvSpPr>
+                  <p:cNvPr id="228" name="직사각형 227">
+                    <a:extLst>
+                      <a:ext uri="{FF2B5EF4-FFF2-40B4-BE49-F238E27FC236}">
+                        <a16:creationId xmlns:a16="http://schemas.microsoft.com/office/drawing/2014/main" id="{60189C4C-B2AB-43C9-8738-DDD14C8612B0}"/>
+                      </a:ext>
+                    </a:extLst>
+                  </p:cNvPr>
+                  <p:cNvSpPr/>
+                  <p:nvPr/>
+                </p:nvSpPr>
+                <p:spPr>
+                  <a:xfrm>
+                    <a:off x="2819740" y="2320110"/>
+                    <a:ext cx="837048" cy="497339"/>
+                  </a:xfrm>
+                  <a:prstGeom prst="rect">
+                    <a:avLst/>
+                  </a:prstGeom>
+                  <a:ln>
+                    <a:noFill/>
+                  </a:ln>
+                </p:spPr>
+                <p:style>
+                  <a:lnRef idx="2">
+                    <a:schemeClr val="accent1">
+                      <a:shade val="50000"/>
+                    </a:schemeClr>
+                  </a:lnRef>
+                  <a:fillRef idx="1">
+                    <a:schemeClr val="accent1"/>
+                  </a:fillRef>
+                  <a:effectRef idx="0">
+                    <a:schemeClr val="accent1"/>
+                  </a:effectRef>
+                  <a:fontRef idx="minor">
+                    <a:schemeClr val="lt1"/>
+                  </a:fontRef>
+                </p:style>
+                <p:txBody>
+                  <a:bodyPr rtlCol="0" anchor="ctr"/>
+                  <a:lstStyle/>
+                  <a:p>
+                    <a:pPr algn="ctr"/>
+                    <a:r>
+                      <a:rPr lang="en-US" altLang="ko-KR" dirty="0"/>
+                      <a:t>30</a:t>
+                    </a:r>
+                    <a:endParaRPr lang="ko-KR" altLang="en-US" dirty="0"/>
+                  </a:p>
+                </p:txBody>
+              </p:sp>
+            </p:grpSp>
+          </p:grpSp>
+          <p:grpSp>
+            <p:nvGrpSpPr>
+              <p:cNvPr id="26" name="그룹 25">
+                <a:extLst>
+                  <a:ext uri="{FF2B5EF4-FFF2-40B4-BE49-F238E27FC236}">
+                    <a16:creationId xmlns:a16="http://schemas.microsoft.com/office/drawing/2014/main" id="{ACD84B81-3BE8-4FCB-AADF-C52FAA38F7BB}"/>
+                  </a:ext>
+                </a:extLst>
+              </p:cNvPr>
+              <p:cNvGrpSpPr/>
+              <p:nvPr/>
+            </p:nvGrpSpPr>
+            <p:grpSpPr>
+              <a:xfrm>
+                <a:off x="702866" y="3912741"/>
+                <a:ext cx="2947564" cy="448607"/>
+                <a:chOff x="702866" y="3912741"/>
+                <a:chExt cx="2947564" cy="448607"/>
+              </a:xfrm>
+            </p:grpSpPr>
+            <p:sp>
+              <p:nvSpPr>
+                <p:cNvPr id="237" name="직사각형 236">
+                  <a:extLst>
+                    <a:ext uri="{FF2B5EF4-FFF2-40B4-BE49-F238E27FC236}">
+                      <a16:creationId xmlns:a16="http://schemas.microsoft.com/office/drawing/2014/main" id="{7F84E4DC-4D5B-454A-BEA0-F1D9ECC5B3FF}"/>
+                    </a:ext>
+                  </a:extLst>
+                </p:cNvPr>
+                <p:cNvSpPr/>
+                <p:nvPr/>
+              </p:nvSpPr>
+              <p:spPr>
+                <a:xfrm>
+                  <a:off x="1074474" y="3912741"/>
+                  <a:ext cx="1738908" cy="448607"/>
+                </a:xfrm>
+                <a:prstGeom prst="rect">
+                  <a:avLst/>
+                </a:prstGeom>
+                <a:solidFill>
+                  <a:srgbClr val="FFC000"/>
+                </a:solidFill>
+                <a:ln>
+                  <a:noFill/>
+                </a:ln>
+              </p:spPr>
+              <p:style>
+                <a:lnRef idx="2">
+                  <a:schemeClr val="accent1">
+                    <a:shade val="50000"/>
+                  </a:schemeClr>
+                </a:lnRef>
+                <a:fillRef idx="1">
+                  <a:schemeClr val="accent1"/>
+                </a:fillRef>
+                <a:effectRef idx="0">
+                  <a:schemeClr val="accent1"/>
+                </a:effectRef>
+                <a:fontRef idx="minor">
+                  <a:schemeClr val="lt1"/>
+                </a:fontRef>
+              </p:style>
+              <p:txBody>
+                <a:bodyPr rtlCol="0" anchor="ctr"/>
+                <a:lstStyle/>
+                <a:p>
+                  <a:pPr algn="ctr"/>
+                  <a:r>
+                    <a:rPr lang="en-US" altLang="ko-KR" dirty="0"/>
+                    <a:t>Player 4</a:t>
+                  </a:r>
+                  <a:endParaRPr lang="ko-KR" altLang="en-US" dirty="0"/>
+                </a:p>
+              </p:txBody>
+            </p:sp>
+            <p:sp>
+              <p:nvSpPr>
+                <p:cNvPr id="238" name="직사각형 237">
+                  <a:extLst>
+                    <a:ext uri="{FF2B5EF4-FFF2-40B4-BE49-F238E27FC236}">
+                      <a16:creationId xmlns:a16="http://schemas.microsoft.com/office/drawing/2014/main" id="{29DB03CE-44C3-4A84-BE28-766C744613B7}"/>
+                    </a:ext>
+                  </a:extLst>
+                </p:cNvPr>
+                <p:cNvSpPr/>
+                <p:nvPr/>
+              </p:nvSpPr>
+              <p:spPr>
+                <a:xfrm>
+                  <a:off x="702866" y="3912741"/>
+                  <a:ext cx="442526" cy="448607"/>
+                </a:xfrm>
+                <a:prstGeom prst="rect">
+                  <a:avLst/>
+                </a:prstGeom>
+                <a:solidFill>
+                  <a:srgbClr val="FFC000"/>
+                </a:solidFill>
+                <a:ln>
+                  <a:noFill/>
+                </a:ln>
+              </p:spPr>
+              <p:style>
+                <a:lnRef idx="2">
+                  <a:schemeClr val="accent1">
+                    <a:shade val="50000"/>
+                  </a:schemeClr>
+                </a:lnRef>
+                <a:fillRef idx="1">
+                  <a:schemeClr val="accent1"/>
+                </a:fillRef>
+                <a:effectRef idx="0">
+                  <a:schemeClr val="accent1"/>
+                </a:effectRef>
+                <a:fontRef idx="minor">
+                  <a:schemeClr val="lt1"/>
+                </a:fontRef>
+              </p:style>
+              <p:txBody>
+                <a:bodyPr rtlCol="0" anchor="ctr"/>
+                <a:lstStyle/>
+                <a:p>
+                  <a:pPr algn="ctr"/>
+                  <a:r>
+                    <a:rPr lang="en-US" altLang="ko-KR" dirty="0"/>
+                    <a:t>10</a:t>
+                  </a:r>
+                  <a:endParaRPr lang="ko-KR" altLang="en-US" dirty="0"/>
+                </a:p>
+              </p:txBody>
+            </p:sp>
+            <p:sp>
+              <p:nvSpPr>
+                <p:cNvPr id="239" name="직사각형 238">
+                  <a:extLst>
+                    <a:ext uri="{FF2B5EF4-FFF2-40B4-BE49-F238E27FC236}">
+                      <a16:creationId xmlns:a16="http://schemas.microsoft.com/office/drawing/2014/main" id="{0D062A9C-7C21-4993-9C3C-44609D33E960}"/>
+                    </a:ext>
+                  </a:extLst>
+                </p:cNvPr>
+                <p:cNvSpPr/>
+                <p:nvPr/>
+              </p:nvSpPr>
+              <p:spPr>
+                <a:xfrm>
+                  <a:off x="2813382" y="3912741"/>
+                  <a:ext cx="837048" cy="448607"/>
+                </a:xfrm>
+                <a:prstGeom prst="rect">
+                  <a:avLst/>
+                </a:prstGeom>
+                <a:solidFill>
+                  <a:srgbClr val="FFC000"/>
+                </a:solidFill>
+                <a:ln>
+                  <a:noFill/>
+                </a:ln>
+              </p:spPr>
+              <p:style>
+                <a:lnRef idx="2">
+                  <a:schemeClr val="accent1">
+                    <a:shade val="50000"/>
+                  </a:schemeClr>
+                </a:lnRef>
+                <a:fillRef idx="1">
+                  <a:schemeClr val="accent1"/>
+                </a:fillRef>
+                <a:effectRef idx="0">
+                  <a:schemeClr val="accent1"/>
+                </a:effectRef>
+                <a:fontRef idx="minor">
+                  <a:schemeClr val="lt1"/>
+                </a:fontRef>
+              </p:style>
+              <p:txBody>
+                <a:bodyPr rtlCol="0" anchor="ctr"/>
+                <a:lstStyle/>
+                <a:p>
+                  <a:pPr algn="ctr"/>
+                  <a:r>
+                    <a:rPr lang="en-US" altLang="ko-KR" dirty="0"/>
+                    <a:t>47</a:t>
+                  </a:r>
+                  <a:endParaRPr lang="ko-KR" altLang="en-US" dirty="0"/>
+                </a:p>
+              </p:txBody>
+            </p:sp>
+          </p:grpSp>
         </p:grpSp>
+        <p:sp>
+          <p:nvSpPr>
+            <p:cNvPr id="146" name="직사각형 145">
+              <a:extLst>
+                <a:ext uri="{FF2B5EF4-FFF2-40B4-BE49-F238E27FC236}">
+                  <a16:creationId xmlns:a16="http://schemas.microsoft.com/office/drawing/2014/main" id="{828DBAFC-39C5-4E92-A5FE-D1DE1527863E}"/>
+                </a:ext>
+              </a:extLst>
+            </p:cNvPr>
+            <p:cNvSpPr/>
+            <p:nvPr/>
+          </p:nvSpPr>
+          <p:spPr>
+            <a:xfrm>
+              <a:off x="685821" y="1090215"/>
+              <a:ext cx="2951017" cy="530121"/>
+            </a:xfrm>
+            <a:prstGeom prst="rect">
+              <a:avLst/>
+            </a:prstGeom>
+          </p:spPr>
+          <p:style>
+            <a:lnRef idx="2">
+              <a:schemeClr val="accent3">
+                <a:shade val="50000"/>
+              </a:schemeClr>
+            </a:lnRef>
+            <a:fillRef idx="1">
+              <a:schemeClr val="accent3"/>
+            </a:fillRef>
+            <a:effectRef idx="0">
+              <a:schemeClr val="accent3"/>
+            </a:effectRef>
+            <a:fontRef idx="minor">
+              <a:schemeClr val="lt1"/>
+            </a:fontRef>
+          </p:style>
+          <p:txBody>
+            <a:bodyPr rtlCol="0" anchor="ctr"/>
+            <a:lstStyle/>
+            <a:p>
+              <a:pPr algn="ctr"/>
+              <a:r>
+                <a:rPr lang="ko-KR" altLang="en-US" dirty="0"/>
+                <a:t>실시간 순위</a:t>
+              </a:r>
+            </a:p>
+          </p:txBody>
+        </p:sp>
+        <p:cxnSp>
+          <p:nvCxnSpPr>
+            <p:cNvPr id="35" name="직선 연결선 34">
+              <a:extLst>
+                <a:ext uri="{FF2B5EF4-FFF2-40B4-BE49-F238E27FC236}">
+                  <a16:creationId xmlns:a16="http://schemas.microsoft.com/office/drawing/2014/main" id="{13A388C8-6A2B-4EB5-9F31-5E1935433561}"/>
+                </a:ext>
+              </a:extLst>
+            </p:cNvPr>
+            <p:cNvCxnSpPr>
+              <a:cxnSpLocks/>
+            </p:cNvCxnSpPr>
+            <p:nvPr/>
+          </p:nvCxnSpPr>
+          <p:spPr>
+            <a:xfrm flipH="1">
+              <a:off x="1985836" y="2767831"/>
+              <a:ext cx="259133" cy="0"/>
+            </a:xfrm>
+            <a:prstGeom prst="line">
+              <a:avLst/>
+            </a:prstGeom>
+            <a:ln w="76200">
+              <a:prstDash val="sysDot"/>
+            </a:ln>
+          </p:spPr>
+          <p:style>
+            <a:lnRef idx="1">
+              <a:schemeClr val="accent1"/>
+            </a:lnRef>
+            <a:fillRef idx="0">
+              <a:schemeClr val="accent1"/>
+            </a:fillRef>
+            <a:effectRef idx="0">
+              <a:schemeClr val="accent1"/>
+            </a:effectRef>
+            <a:fontRef idx="minor">
+              <a:schemeClr val="tx1"/>
+            </a:fontRef>
+          </p:style>
+        </p:cxnSp>
+        <p:cxnSp>
+          <p:nvCxnSpPr>
+            <p:cNvPr id="240" name="직선 연결선 239">
+              <a:extLst>
+                <a:ext uri="{FF2B5EF4-FFF2-40B4-BE49-F238E27FC236}">
+                  <a16:creationId xmlns:a16="http://schemas.microsoft.com/office/drawing/2014/main" id="{3313B103-18F6-403B-A5E2-C67A9956280F}"/>
+                </a:ext>
+              </a:extLst>
+            </p:cNvPr>
+            <p:cNvCxnSpPr>
+              <a:cxnSpLocks/>
+            </p:cNvCxnSpPr>
+            <p:nvPr/>
+          </p:nvCxnSpPr>
+          <p:spPr>
+            <a:xfrm flipH="1">
+              <a:off x="1985836" y="5300871"/>
+              <a:ext cx="280398" cy="0"/>
+            </a:xfrm>
+            <a:prstGeom prst="line">
+              <a:avLst/>
+            </a:prstGeom>
+            <a:ln w="76200">
+              <a:prstDash val="sysDot"/>
+            </a:ln>
+          </p:spPr>
+          <p:style>
+            <a:lnRef idx="1">
+              <a:schemeClr val="accent1"/>
+            </a:lnRef>
+            <a:fillRef idx="0">
+              <a:schemeClr val="accent1"/>
+            </a:fillRef>
+            <a:effectRef idx="0">
+              <a:schemeClr val="accent1"/>
+            </a:effectRef>
+            <a:fontRef idx="minor">
+              <a:schemeClr val="tx1"/>
+            </a:fontRef>
+          </p:style>
+        </p:cxnSp>
       </p:grpSp>
+      <p:sp>
+        <p:nvSpPr>
+          <p:cNvPr id="4" name="직사각형 3">
+            <a:extLst>
+              <a:ext uri="{FF2B5EF4-FFF2-40B4-BE49-F238E27FC236}">
+                <a16:creationId xmlns:a16="http://schemas.microsoft.com/office/drawing/2014/main" id="{748405CA-1778-4B92-AC52-F64354B60E8A}"/>
+              </a:ext>
+            </a:extLst>
+          </p:cNvPr>
+          <p:cNvSpPr/>
+          <p:nvPr/>
+        </p:nvSpPr>
+        <p:spPr>
+          <a:xfrm>
+            <a:off x="7582164" y="2068038"/>
+            <a:ext cx="2951017" cy="4655127"/>
+          </a:xfrm>
+          <a:prstGeom prst="rect">
+            <a:avLst/>
+          </a:prstGeom>
+          <a:noFill/>
+          <a:ln>
+            <a:solidFill>
+              <a:schemeClr val="tx1"/>
+            </a:solidFill>
+          </a:ln>
+        </p:spPr>
+        <p:style>
+          <a:lnRef idx="2">
+            <a:schemeClr val="accent1">
+              <a:shade val="50000"/>
+            </a:schemeClr>
+          </a:lnRef>
+          <a:fillRef idx="1">
+            <a:schemeClr val="accent1"/>
+          </a:fillRef>
+          <a:effectRef idx="0">
+            <a:schemeClr val="accent1"/>
+          </a:effectRef>
+          <a:fontRef idx="minor">
+            <a:schemeClr val="lt1"/>
+          </a:fontRef>
+        </p:style>
+        <p:txBody>
+          <a:bodyPr rtlCol="0" anchor="ctr"/>
+          <a:lstStyle/>
+          <a:p>
+            <a:pPr algn="ctr"/>
+            <a:endParaRPr lang="ko-KR" altLang="en-US"/>
+          </a:p>
+        </p:txBody>
+      </p:sp>
     </p:spTree>
     <p:extLst>
       <p:ext uri="{BB962C8B-B14F-4D97-AF65-F5344CB8AC3E}">

--- a/report/씬 용.pptx
+++ b/report/씬 용.pptx
@@ -3393,10 +3393,10 @@
         </p:nvGrpSpPr>
         <p:grpSpPr>
           <a:xfrm>
-            <a:off x="6889721" y="133995"/>
-            <a:ext cx="1978169" cy="3684666"/>
-            <a:chOff x="2960543" y="1283916"/>
-            <a:chExt cx="1978169" cy="3684666"/>
+            <a:off x="1491405" y="1603284"/>
+            <a:ext cx="1978169" cy="3684801"/>
+            <a:chOff x="2960543" y="1283781"/>
+            <a:chExt cx="1978169" cy="3684801"/>
           </a:xfrm>
         </p:grpSpPr>
         <p:sp>
@@ -3595,7 +3595,7 @@
               <a:pPr algn="ctr"/>
               <a:r>
                 <a:rPr lang="ko-KR" altLang="en-US" dirty="0"/>
-                <a:t>기타</a:t>
+                <a:t>대회 폐쇄</a:t>
               </a:r>
               <a:endParaRPr lang="en-US" altLang="ko-KR" dirty="0"/>
             </a:p>
@@ -3615,7 +3615,7 @@
           </p:nvSpPr>
           <p:spPr>
             <a:xfrm>
-              <a:off x="3231327" y="1283916"/>
+              <a:off x="3346743" y="1283781"/>
               <a:ext cx="1189749" cy="369332"/>
             </a:xfrm>
             <a:prstGeom prst="rect">
@@ -5256,7 +5256,7 @@
         </p:nvGrpSpPr>
         <p:grpSpPr>
           <a:xfrm>
-            <a:off x="4001201" y="1767208"/>
+            <a:off x="436253" y="1292548"/>
             <a:ext cx="2951016" cy="4653478"/>
             <a:chOff x="710018" y="1452764"/>
             <a:chExt cx="2906280" cy="4653478"/>
@@ -11108,7 +11108,7 @@
         </p:nvSpPr>
         <p:spPr>
           <a:xfrm>
-            <a:off x="7582164" y="2068038"/>
+            <a:off x="441112" y="1292548"/>
             <a:ext cx="2951017" cy="4655127"/>
           </a:xfrm>
           <a:prstGeom prst="rect">
